--- a/fitel_presentation/Analysis of Statistical Spam Classifiers for Text Messages.pptx
+++ b/fitel_presentation/Analysis of Statistical Spam Classifiers for Text Messages.pptx
@@ -3,16 +3,30 @@
 <p:presentation xmlns:a="http://schemas.openxmlformats.org/drawingml/2006/main" xmlns:r="http://schemas.openxmlformats.org/officeDocument/2006/relationships" xmlns:p="http://schemas.openxmlformats.org/presentationml/2006/main" saveSubsetFonts="1">
   <p:sldMasterIdLst>
     <p:sldMasterId id="2147483648" r:id="rId1"/>
+    <p:sldMasterId id="2147483660" r:id="rId2"/>
   </p:sldMasterIdLst>
   <p:notesMasterIdLst>
-    <p:notesMasterId r:id="rId7"/>
+    <p:notesMasterId r:id="rId21"/>
   </p:notesMasterIdLst>
   <p:sldIdLst>
-    <p:sldId id="256" r:id="rId2"/>
-    <p:sldId id="258" r:id="rId3"/>
-    <p:sldId id="259" r:id="rId4"/>
-    <p:sldId id="260" r:id="rId5"/>
-    <p:sldId id="261" r:id="rId6"/>
+    <p:sldId id="256" r:id="rId3"/>
+    <p:sldId id="258" r:id="rId4"/>
+    <p:sldId id="259" r:id="rId5"/>
+    <p:sldId id="265" r:id="rId6"/>
+    <p:sldId id="260" r:id="rId7"/>
+    <p:sldId id="261" r:id="rId8"/>
+    <p:sldId id="263" r:id="rId9"/>
+    <p:sldId id="266" r:id="rId10"/>
+    <p:sldId id="267" r:id="rId11"/>
+    <p:sldId id="269" r:id="rId12"/>
+    <p:sldId id="268" r:id="rId13"/>
+    <p:sldId id="270" r:id="rId14"/>
+    <p:sldId id="273" r:id="rId15"/>
+    <p:sldId id="271" r:id="rId16"/>
+    <p:sldId id="274" r:id="rId17"/>
+    <p:sldId id="275" r:id="rId18"/>
+    <p:sldId id="277" r:id="rId19"/>
+    <p:sldId id="276" r:id="rId20"/>
   </p:sldIdLst>
   <p:sldSz cx="12192000" cy="6858000"/>
   <p:notesSz cx="6858000" cy="9144000"/>
@@ -201,7 +215,7 @@
           <a:p>
             <a:fld id="{0BA243C8-8C0C-4600-914B-457D96B897EA}" type="datetimeFigureOut">
               <a:rPr lang="en-US" smtClean="0"/>
-              <a:t>2016-06-01</a:t>
+              <a:t>2016-06-02</a:t>
             </a:fld>
             <a:endParaRPr lang="en-US"/>
           </a:p>
@@ -296,7 +310,6 @@
               <a:rPr lang="en-US"/>
               <a:t>Fifth level</a:t>
             </a:r>
-            <a:endParaRPr lang="en-US"/>
           </a:p>
         </p:txBody>
       </p:sp>
@@ -534,6 +547,90 @@
           <a:p>
             <a:fld id="{7B51ED6E-2573-4310-A438-E02E12A88B60}" type="slidenum">
               <a:rPr lang="en-US" smtClean="0"/>
+              <a:t>1</a:t>
+            </a:fld>
+            <a:endParaRPr lang="en-US"/>
+          </a:p>
+        </p:txBody>
+      </p:sp>
+    </p:spTree>
+    <p:extLst>
+      <p:ext uri="{BB962C8B-B14F-4D97-AF65-F5344CB8AC3E}">
+        <p14:creationId xmlns:p14="http://schemas.microsoft.com/office/powerpoint/2010/main" val="183251071"/>
+      </p:ext>
+    </p:extLst>
+  </p:cSld>
+  <p:clrMapOvr>
+    <a:masterClrMapping/>
+  </p:clrMapOvr>
+</p:notes>
+</file>
+
+<file path=ppt/notesSlides/notesSlide2.xml><?xml version="1.0" encoding="utf-8"?>
+<p:notes xmlns:a="http://schemas.openxmlformats.org/drawingml/2006/main" xmlns:r="http://schemas.openxmlformats.org/officeDocument/2006/relationships" xmlns:p="http://schemas.openxmlformats.org/presentationml/2006/main">
+  <p:cSld>
+    <p:spTree>
+      <p:nvGrpSpPr>
+        <p:cNvPr id="1" name=""/>
+        <p:cNvGrpSpPr/>
+        <p:nvPr/>
+      </p:nvGrpSpPr>
+      <p:grpSpPr>
+        <a:xfrm>
+          <a:off x="0" y="0"/>
+          <a:ext cx="0" cy="0"/>
+          <a:chOff x="0" y="0"/>
+          <a:chExt cx="0" cy="0"/>
+        </a:xfrm>
+      </p:grpSpPr>
+      <p:sp>
+        <p:nvSpPr>
+          <p:cNvPr id="2" name="Slide Image Placeholder 1"/>
+          <p:cNvSpPr>
+            <a:spLocks noGrp="1" noRot="1" noChangeAspect="1"/>
+          </p:cNvSpPr>
+          <p:nvPr>
+            <p:ph type="sldImg"/>
+          </p:nvPr>
+        </p:nvSpPr>
+        <p:spPr/>
+      </p:sp>
+      <p:sp>
+        <p:nvSpPr>
+          <p:cNvPr id="3" name="Notes Placeholder 2"/>
+          <p:cNvSpPr>
+            <a:spLocks noGrp="1"/>
+          </p:cNvSpPr>
+          <p:nvPr>
+            <p:ph type="body" idx="1"/>
+          </p:nvPr>
+        </p:nvSpPr>
+        <p:spPr/>
+        <p:txBody>
+          <a:bodyPr/>
+          <a:lstStyle/>
+          <a:p>
+            <a:endParaRPr lang="en-US" dirty="0"/>
+          </a:p>
+        </p:txBody>
+      </p:sp>
+      <p:sp>
+        <p:nvSpPr>
+          <p:cNvPr id="4" name="Slide Number Placeholder 3"/>
+          <p:cNvSpPr>
+            <a:spLocks noGrp="1"/>
+          </p:cNvSpPr>
+          <p:nvPr>
+            <p:ph type="sldNum" sz="quarter" idx="10"/>
+          </p:nvPr>
+        </p:nvSpPr>
+        <p:spPr/>
+        <p:txBody>
+          <a:bodyPr/>
+          <a:lstStyle/>
+          <a:p>
+            <a:fld id="{7B51ED6E-2573-4310-A438-E02E12A88B60}" type="slidenum">
+              <a:rPr lang="en-US" smtClean="0"/>
               <a:t>3</a:t>
             </a:fld>
             <a:endParaRPr lang="en-US"/>
@@ -544,6 +641,90 @@
     <p:extLst>
       <p:ext uri="{BB962C8B-B14F-4D97-AF65-F5344CB8AC3E}">
         <p14:creationId xmlns:p14="http://schemas.microsoft.com/office/powerpoint/2010/main" val="1122835055"/>
+      </p:ext>
+    </p:extLst>
+  </p:cSld>
+  <p:clrMapOvr>
+    <a:masterClrMapping/>
+  </p:clrMapOvr>
+</p:notes>
+</file>
+
+<file path=ppt/notesSlides/notesSlide3.xml><?xml version="1.0" encoding="utf-8"?>
+<p:notes xmlns:a="http://schemas.openxmlformats.org/drawingml/2006/main" xmlns:r="http://schemas.openxmlformats.org/officeDocument/2006/relationships" xmlns:p="http://schemas.openxmlformats.org/presentationml/2006/main">
+  <p:cSld>
+    <p:spTree>
+      <p:nvGrpSpPr>
+        <p:cNvPr id="1" name=""/>
+        <p:cNvGrpSpPr/>
+        <p:nvPr/>
+      </p:nvGrpSpPr>
+      <p:grpSpPr>
+        <a:xfrm>
+          <a:off x="0" y="0"/>
+          <a:ext cx="0" cy="0"/>
+          <a:chOff x="0" y="0"/>
+          <a:chExt cx="0" cy="0"/>
+        </a:xfrm>
+      </p:grpSpPr>
+      <p:sp>
+        <p:nvSpPr>
+          <p:cNvPr id="2" name="Slide Image Placeholder 1"/>
+          <p:cNvSpPr>
+            <a:spLocks noGrp="1" noRot="1" noChangeAspect="1"/>
+          </p:cNvSpPr>
+          <p:nvPr>
+            <p:ph type="sldImg"/>
+          </p:nvPr>
+        </p:nvSpPr>
+        <p:spPr/>
+      </p:sp>
+      <p:sp>
+        <p:nvSpPr>
+          <p:cNvPr id="3" name="Notes Placeholder 2"/>
+          <p:cNvSpPr>
+            <a:spLocks noGrp="1"/>
+          </p:cNvSpPr>
+          <p:nvPr>
+            <p:ph type="body" idx="1"/>
+          </p:nvPr>
+        </p:nvSpPr>
+        <p:spPr/>
+        <p:txBody>
+          <a:bodyPr/>
+          <a:lstStyle/>
+          <a:p>
+            <a:endParaRPr lang="en-US" dirty="0"/>
+          </a:p>
+        </p:txBody>
+      </p:sp>
+      <p:sp>
+        <p:nvSpPr>
+          <p:cNvPr id="4" name="Slide Number Placeholder 3"/>
+          <p:cNvSpPr>
+            <a:spLocks noGrp="1"/>
+          </p:cNvSpPr>
+          <p:nvPr>
+            <p:ph type="sldNum" sz="quarter" idx="10"/>
+          </p:nvPr>
+        </p:nvSpPr>
+        <p:spPr/>
+        <p:txBody>
+          <a:bodyPr/>
+          <a:lstStyle/>
+          <a:p>
+            <a:fld id="{7B51ED6E-2573-4310-A438-E02E12A88B60}" type="slidenum">
+              <a:rPr lang="en-US" smtClean="0"/>
+              <a:t>4</a:t>
+            </a:fld>
+            <a:endParaRPr lang="en-US"/>
+          </a:p>
+        </p:txBody>
+      </p:sp>
+    </p:spTree>
+    <p:extLst>
+      <p:ext uri="{BB962C8B-B14F-4D97-AF65-F5344CB8AC3E}">
+        <p14:creationId xmlns:p14="http://schemas.microsoft.com/office/powerpoint/2010/main" val="1450495904"/>
       </p:ext>
     </p:extLst>
   </p:cSld>
@@ -680,9 +861,9 @@
           <a:bodyPr/>
           <a:lstStyle/>
           <a:p>
-            <a:fld id="{62908E05-5258-4C9C-8EE8-9507350C2F83}" type="datetimeFigureOut">
+            <a:fld id="{FB135C15-8FAA-4DF9-8F46-7D7267E1FD74}" type="datetime1">
               <a:rPr lang="en-US" smtClean="0"/>
-              <a:t>2016-06-01</a:t>
+              <a:t>2016-06-03</a:t>
             </a:fld>
             <a:endParaRPr lang="en-US"/>
           </a:p>
@@ -724,9 +905,14 @@
           <a:p>
             <a:fld id="{CA5C24F5-8CCA-4A68-8184-CA068DE5215A}" type="slidenum">
               <a:rPr lang="en-US" smtClean="0"/>
+              <a:pPr/>
               <a:t>‹#›</a:t>
             </a:fld>
-            <a:endParaRPr lang="en-US"/>
+            <a:r>
+              <a:rPr lang="uk-UA" dirty="0"/>
+              <a:t> / 18</a:t>
+            </a:r>
+            <a:endParaRPr lang="en-US" dirty="0"/>
           </a:p>
         </p:txBody>
       </p:sp>
@@ -848,9 +1034,9 @@
           <a:bodyPr/>
           <a:lstStyle/>
           <a:p>
-            <a:fld id="{62908E05-5258-4C9C-8EE8-9507350C2F83}" type="datetimeFigureOut">
+            <a:fld id="{02660458-8A0A-4BB3-9C04-AE2820B48D3E}" type="datetime1">
               <a:rPr lang="en-US" smtClean="0"/>
-              <a:t>2016-06-01</a:t>
+              <a:t>2016-06-03</a:t>
             </a:fld>
             <a:endParaRPr lang="en-US"/>
           </a:p>
@@ -1026,9 +1212,9 @@
           <a:bodyPr/>
           <a:lstStyle/>
           <a:p>
-            <a:fld id="{62908E05-5258-4C9C-8EE8-9507350C2F83}" type="datetimeFigureOut">
+            <a:fld id="{1A2A9A69-2B02-482D-A00F-76CBC24C1146}" type="datetime1">
               <a:rPr lang="en-US" smtClean="0"/>
-              <a:t>2016-06-01</a:t>
+              <a:t>2016-06-03</a:t>
             </a:fld>
             <a:endParaRPr lang="en-US"/>
           </a:p>
@@ -1080,6 +1266,1703 @@
     <p:extLst>
       <p:ext uri="{BB962C8B-B14F-4D97-AF65-F5344CB8AC3E}">
         <p14:creationId xmlns:p14="http://schemas.microsoft.com/office/powerpoint/2010/main" val="1612578520"/>
+      </p:ext>
+    </p:extLst>
+  </p:cSld>
+  <p:clrMapOvr>
+    <a:masterClrMapping/>
+  </p:clrMapOvr>
+</p:sldLayout>
+</file>
+
+<file path=ppt/slideLayouts/slideLayout12.xml><?xml version="1.0" encoding="utf-8"?>
+<p:sldLayout xmlns:a="http://schemas.openxmlformats.org/drawingml/2006/main" xmlns:r="http://schemas.openxmlformats.org/officeDocument/2006/relationships" xmlns:p="http://schemas.openxmlformats.org/presentationml/2006/main" type="title" preserve="1">
+  <p:cSld name="Title Slide">
+    <p:spTree>
+      <p:nvGrpSpPr>
+        <p:cNvPr id="1" name=""/>
+        <p:cNvGrpSpPr/>
+        <p:nvPr/>
+      </p:nvGrpSpPr>
+      <p:grpSpPr>
+        <a:xfrm>
+          <a:off x="0" y="0"/>
+          <a:ext cx="0" cy="0"/>
+          <a:chOff x="0" y="0"/>
+          <a:chExt cx="0" cy="0"/>
+        </a:xfrm>
+      </p:grpSpPr>
+      <p:sp>
+        <p:nvSpPr>
+          <p:cNvPr id="2" name="Title 1"/>
+          <p:cNvSpPr>
+            <a:spLocks noGrp="1"/>
+          </p:cNvSpPr>
+          <p:nvPr>
+            <p:ph type="ctrTitle"/>
+          </p:nvPr>
+        </p:nvSpPr>
+        <p:spPr>
+          <a:xfrm>
+            <a:off x="1524000" y="1122363"/>
+            <a:ext cx="9144000" cy="2387600"/>
+          </a:xfrm>
+        </p:spPr>
+        <p:txBody>
+          <a:bodyPr anchor="b"/>
+          <a:lstStyle>
+            <a:lvl1pPr algn="ctr">
+              <a:defRPr sz="6000"/>
+            </a:lvl1pPr>
+          </a:lstStyle>
+          <a:p>
+            <a:r>
+              <a:rPr lang="en-US"/>
+              <a:t>Click to edit Master title style</a:t>
+            </a:r>
+            <a:endParaRPr lang="en-US"/>
+          </a:p>
+        </p:txBody>
+      </p:sp>
+      <p:sp>
+        <p:nvSpPr>
+          <p:cNvPr id="3" name="Subtitle 2"/>
+          <p:cNvSpPr>
+            <a:spLocks noGrp="1"/>
+          </p:cNvSpPr>
+          <p:nvPr>
+            <p:ph type="subTitle" idx="1"/>
+          </p:nvPr>
+        </p:nvSpPr>
+        <p:spPr>
+          <a:xfrm>
+            <a:off x="1524000" y="3602038"/>
+            <a:ext cx="9144000" cy="1655762"/>
+          </a:xfrm>
+        </p:spPr>
+        <p:txBody>
+          <a:bodyPr/>
+          <a:lstStyle>
+            <a:lvl1pPr marL="0" indent="0" algn="ctr">
+              <a:buNone/>
+              <a:defRPr sz="2400"/>
+            </a:lvl1pPr>
+            <a:lvl2pPr marL="457200" indent="0" algn="ctr">
+              <a:buNone/>
+              <a:defRPr sz="2000"/>
+            </a:lvl2pPr>
+            <a:lvl3pPr marL="914400" indent="0" algn="ctr">
+              <a:buNone/>
+              <a:defRPr sz="1800"/>
+            </a:lvl3pPr>
+            <a:lvl4pPr marL="1371600" indent="0" algn="ctr">
+              <a:buNone/>
+              <a:defRPr sz="1600"/>
+            </a:lvl4pPr>
+            <a:lvl5pPr marL="1828800" indent="0" algn="ctr">
+              <a:buNone/>
+              <a:defRPr sz="1600"/>
+            </a:lvl5pPr>
+            <a:lvl6pPr marL="2286000" indent="0" algn="ctr">
+              <a:buNone/>
+              <a:defRPr sz="1600"/>
+            </a:lvl6pPr>
+            <a:lvl7pPr marL="2743200" indent="0" algn="ctr">
+              <a:buNone/>
+              <a:defRPr sz="1600"/>
+            </a:lvl7pPr>
+            <a:lvl8pPr marL="3200400" indent="0" algn="ctr">
+              <a:buNone/>
+              <a:defRPr sz="1600"/>
+            </a:lvl8pPr>
+            <a:lvl9pPr marL="3657600" indent="0" algn="ctr">
+              <a:buNone/>
+              <a:defRPr sz="1600"/>
+            </a:lvl9pPr>
+          </a:lstStyle>
+          <a:p>
+            <a:r>
+              <a:rPr lang="en-US"/>
+              <a:t>Click to edit Master subtitle style</a:t>
+            </a:r>
+            <a:endParaRPr lang="en-US"/>
+          </a:p>
+        </p:txBody>
+      </p:sp>
+      <p:sp>
+        <p:nvSpPr>
+          <p:cNvPr id="4" name="Date Placeholder 3"/>
+          <p:cNvSpPr>
+            <a:spLocks noGrp="1"/>
+          </p:cNvSpPr>
+          <p:nvPr>
+            <p:ph type="dt" sz="half" idx="10"/>
+          </p:nvPr>
+        </p:nvSpPr>
+        <p:spPr/>
+        <p:txBody>
+          <a:bodyPr/>
+          <a:lstStyle/>
+          <a:p>
+            <a:fld id="{A7D58B45-36CF-4760-99C7-3CEE703A360B}" type="datetime1">
+              <a:rPr lang="en-US" smtClean="0"/>
+              <a:t>2016-06-03</a:t>
+            </a:fld>
+            <a:endParaRPr lang="en-US"/>
+          </a:p>
+        </p:txBody>
+      </p:sp>
+      <p:sp>
+        <p:nvSpPr>
+          <p:cNvPr id="5" name="Footer Placeholder 4"/>
+          <p:cNvSpPr>
+            <a:spLocks noGrp="1"/>
+          </p:cNvSpPr>
+          <p:nvPr>
+            <p:ph type="ftr" sz="quarter" idx="11"/>
+          </p:nvPr>
+        </p:nvSpPr>
+        <p:spPr/>
+        <p:txBody>
+          <a:bodyPr/>
+          <a:lstStyle/>
+          <a:p>
+            <a:endParaRPr lang="en-US"/>
+          </a:p>
+        </p:txBody>
+      </p:sp>
+      <p:sp>
+        <p:nvSpPr>
+          <p:cNvPr id="6" name="Slide Number Placeholder 5"/>
+          <p:cNvSpPr>
+            <a:spLocks noGrp="1"/>
+          </p:cNvSpPr>
+          <p:nvPr>
+            <p:ph type="sldNum" sz="quarter" idx="12"/>
+          </p:nvPr>
+        </p:nvSpPr>
+        <p:spPr/>
+        <p:txBody>
+          <a:bodyPr/>
+          <a:lstStyle/>
+          <a:p>
+            <a:fld id="{375ABBA4-B76C-4819-9E9D-0496257E93B8}" type="slidenum">
+              <a:rPr lang="en-US" smtClean="0"/>
+              <a:t>‹#›</a:t>
+            </a:fld>
+            <a:endParaRPr lang="en-US"/>
+          </a:p>
+        </p:txBody>
+      </p:sp>
+    </p:spTree>
+    <p:extLst>
+      <p:ext uri="{BB962C8B-B14F-4D97-AF65-F5344CB8AC3E}">
+        <p14:creationId xmlns:p14="http://schemas.microsoft.com/office/powerpoint/2010/main" val="1161842187"/>
+      </p:ext>
+    </p:extLst>
+  </p:cSld>
+  <p:clrMapOvr>
+    <a:masterClrMapping/>
+  </p:clrMapOvr>
+</p:sldLayout>
+</file>
+
+<file path=ppt/slideLayouts/slideLayout13.xml><?xml version="1.0" encoding="utf-8"?>
+<p:sldLayout xmlns:a="http://schemas.openxmlformats.org/drawingml/2006/main" xmlns:r="http://schemas.openxmlformats.org/officeDocument/2006/relationships" xmlns:p="http://schemas.openxmlformats.org/presentationml/2006/main" type="obj" preserve="1">
+  <p:cSld name="Title and Content">
+    <p:spTree>
+      <p:nvGrpSpPr>
+        <p:cNvPr id="1" name=""/>
+        <p:cNvGrpSpPr/>
+        <p:nvPr/>
+      </p:nvGrpSpPr>
+      <p:grpSpPr>
+        <a:xfrm>
+          <a:off x="0" y="0"/>
+          <a:ext cx="0" cy="0"/>
+          <a:chOff x="0" y="0"/>
+          <a:chExt cx="0" cy="0"/>
+        </a:xfrm>
+      </p:grpSpPr>
+      <p:sp>
+        <p:nvSpPr>
+          <p:cNvPr id="2" name="Title 1"/>
+          <p:cNvSpPr>
+            <a:spLocks noGrp="1"/>
+          </p:cNvSpPr>
+          <p:nvPr>
+            <p:ph type="title"/>
+          </p:nvPr>
+        </p:nvSpPr>
+        <p:spPr/>
+        <p:txBody>
+          <a:bodyPr/>
+          <a:lstStyle/>
+          <a:p>
+            <a:r>
+              <a:rPr lang="en-US"/>
+              <a:t>Click to edit Master title style</a:t>
+            </a:r>
+            <a:endParaRPr lang="en-US"/>
+          </a:p>
+        </p:txBody>
+      </p:sp>
+      <p:sp>
+        <p:nvSpPr>
+          <p:cNvPr id="3" name="Content Placeholder 2"/>
+          <p:cNvSpPr>
+            <a:spLocks noGrp="1"/>
+          </p:cNvSpPr>
+          <p:nvPr>
+            <p:ph idx="1"/>
+          </p:nvPr>
+        </p:nvSpPr>
+        <p:spPr/>
+        <p:txBody>
+          <a:bodyPr/>
+          <a:lstStyle/>
+          <a:p>
+            <a:pPr lvl="0"/>
+            <a:r>
+              <a:rPr lang="en-US"/>
+              <a:t>Edit Master text styles</a:t>
+            </a:r>
+          </a:p>
+          <a:p>
+            <a:pPr lvl="1"/>
+            <a:r>
+              <a:rPr lang="en-US"/>
+              <a:t>Second level</a:t>
+            </a:r>
+          </a:p>
+          <a:p>
+            <a:pPr lvl="2"/>
+            <a:r>
+              <a:rPr lang="en-US"/>
+              <a:t>Third level</a:t>
+            </a:r>
+          </a:p>
+          <a:p>
+            <a:pPr lvl="3"/>
+            <a:r>
+              <a:rPr lang="en-US"/>
+              <a:t>Fourth level</a:t>
+            </a:r>
+          </a:p>
+          <a:p>
+            <a:pPr lvl="4"/>
+            <a:r>
+              <a:rPr lang="en-US"/>
+              <a:t>Fifth level</a:t>
+            </a:r>
+            <a:endParaRPr lang="en-US"/>
+          </a:p>
+        </p:txBody>
+      </p:sp>
+      <p:sp>
+        <p:nvSpPr>
+          <p:cNvPr id="4" name="Date Placeholder 3"/>
+          <p:cNvSpPr>
+            <a:spLocks noGrp="1"/>
+          </p:cNvSpPr>
+          <p:nvPr>
+            <p:ph type="dt" sz="half" idx="10"/>
+          </p:nvPr>
+        </p:nvSpPr>
+        <p:spPr/>
+        <p:txBody>
+          <a:bodyPr/>
+          <a:lstStyle/>
+          <a:p>
+            <a:fld id="{2FF2BC13-DC14-4149-837C-B885873452E9}" type="datetime1">
+              <a:rPr lang="en-US" smtClean="0"/>
+              <a:t>2016-06-03</a:t>
+            </a:fld>
+            <a:endParaRPr lang="en-US"/>
+          </a:p>
+        </p:txBody>
+      </p:sp>
+      <p:sp>
+        <p:nvSpPr>
+          <p:cNvPr id="5" name="Footer Placeholder 4"/>
+          <p:cNvSpPr>
+            <a:spLocks noGrp="1"/>
+          </p:cNvSpPr>
+          <p:nvPr>
+            <p:ph type="ftr" sz="quarter" idx="11"/>
+          </p:nvPr>
+        </p:nvSpPr>
+        <p:spPr/>
+        <p:txBody>
+          <a:bodyPr/>
+          <a:lstStyle/>
+          <a:p>
+            <a:endParaRPr lang="en-US"/>
+          </a:p>
+        </p:txBody>
+      </p:sp>
+      <p:sp>
+        <p:nvSpPr>
+          <p:cNvPr id="6" name="Slide Number Placeholder 5"/>
+          <p:cNvSpPr>
+            <a:spLocks noGrp="1"/>
+          </p:cNvSpPr>
+          <p:nvPr>
+            <p:ph type="sldNum" sz="quarter" idx="12"/>
+          </p:nvPr>
+        </p:nvSpPr>
+        <p:spPr/>
+        <p:txBody>
+          <a:bodyPr/>
+          <a:lstStyle/>
+          <a:p>
+            <a:fld id="{375ABBA4-B76C-4819-9E9D-0496257E93B8}" type="slidenum">
+              <a:rPr lang="en-US" smtClean="0"/>
+              <a:t>‹#›</a:t>
+            </a:fld>
+            <a:endParaRPr lang="en-US"/>
+          </a:p>
+        </p:txBody>
+      </p:sp>
+    </p:spTree>
+    <p:extLst>
+      <p:ext uri="{BB962C8B-B14F-4D97-AF65-F5344CB8AC3E}">
+        <p14:creationId xmlns:p14="http://schemas.microsoft.com/office/powerpoint/2010/main" val="642641768"/>
+      </p:ext>
+    </p:extLst>
+  </p:cSld>
+  <p:clrMapOvr>
+    <a:masterClrMapping/>
+  </p:clrMapOvr>
+</p:sldLayout>
+</file>
+
+<file path=ppt/slideLayouts/slideLayout14.xml><?xml version="1.0" encoding="utf-8"?>
+<p:sldLayout xmlns:a="http://schemas.openxmlformats.org/drawingml/2006/main" xmlns:r="http://schemas.openxmlformats.org/officeDocument/2006/relationships" xmlns:p="http://schemas.openxmlformats.org/presentationml/2006/main" type="secHead" preserve="1">
+  <p:cSld name="Section Header">
+    <p:spTree>
+      <p:nvGrpSpPr>
+        <p:cNvPr id="1" name=""/>
+        <p:cNvGrpSpPr/>
+        <p:nvPr/>
+      </p:nvGrpSpPr>
+      <p:grpSpPr>
+        <a:xfrm>
+          <a:off x="0" y="0"/>
+          <a:ext cx="0" cy="0"/>
+          <a:chOff x="0" y="0"/>
+          <a:chExt cx="0" cy="0"/>
+        </a:xfrm>
+      </p:grpSpPr>
+      <p:sp>
+        <p:nvSpPr>
+          <p:cNvPr id="2" name="Title 1"/>
+          <p:cNvSpPr>
+            <a:spLocks noGrp="1"/>
+          </p:cNvSpPr>
+          <p:nvPr>
+            <p:ph type="title"/>
+          </p:nvPr>
+        </p:nvSpPr>
+        <p:spPr>
+          <a:xfrm>
+            <a:off x="831850" y="1709738"/>
+            <a:ext cx="10515600" cy="2852737"/>
+          </a:xfrm>
+        </p:spPr>
+        <p:txBody>
+          <a:bodyPr anchor="b"/>
+          <a:lstStyle>
+            <a:lvl1pPr>
+              <a:defRPr sz="6000"/>
+            </a:lvl1pPr>
+          </a:lstStyle>
+          <a:p>
+            <a:r>
+              <a:rPr lang="en-US"/>
+              <a:t>Click to edit Master title style</a:t>
+            </a:r>
+            <a:endParaRPr lang="en-US"/>
+          </a:p>
+        </p:txBody>
+      </p:sp>
+      <p:sp>
+        <p:nvSpPr>
+          <p:cNvPr id="3" name="Text Placeholder 2"/>
+          <p:cNvSpPr>
+            <a:spLocks noGrp="1"/>
+          </p:cNvSpPr>
+          <p:nvPr>
+            <p:ph type="body" idx="1"/>
+          </p:nvPr>
+        </p:nvSpPr>
+        <p:spPr>
+          <a:xfrm>
+            <a:off x="831850" y="4589463"/>
+            <a:ext cx="10515600" cy="1500187"/>
+          </a:xfrm>
+        </p:spPr>
+        <p:txBody>
+          <a:bodyPr/>
+          <a:lstStyle>
+            <a:lvl1pPr marL="0" indent="0">
+              <a:buNone/>
+              <a:defRPr sz="2400">
+                <a:solidFill>
+                  <a:schemeClr val="tx1">
+                    <a:tint val="75000"/>
+                  </a:schemeClr>
+                </a:solidFill>
+              </a:defRPr>
+            </a:lvl1pPr>
+            <a:lvl2pPr marL="457200" indent="0">
+              <a:buNone/>
+              <a:defRPr sz="2000">
+                <a:solidFill>
+                  <a:schemeClr val="tx1">
+                    <a:tint val="75000"/>
+                  </a:schemeClr>
+                </a:solidFill>
+              </a:defRPr>
+            </a:lvl2pPr>
+            <a:lvl3pPr marL="914400" indent="0">
+              <a:buNone/>
+              <a:defRPr sz="1800">
+                <a:solidFill>
+                  <a:schemeClr val="tx1">
+                    <a:tint val="75000"/>
+                  </a:schemeClr>
+                </a:solidFill>
+              </a:defRPr>
+            </a:lvl3pPr>
+            <a:lvl4pPr marL="1371600" indent="0">
+              <a:buNone/>
+              <a:defRPr sz="1600">
+                <a:solidFill>
+                  <a:schemeClr val="tx1">
+                    <a:tint val="75000"/>
+                  </a:schemeClr>
+                </a:solidFill>
+              </a:defRPr>
+            </a:lvl4pPr>
+            <a:lvl5pPr marL="1828800" indent="0">
+              <a:buNone/>
+              <a:defRPr sz="1600">
+                <a:solidFill>
+                  <a:schemeClr val="tx1">
+                    <a:tint val="75000"/>
+                  </a:schemeClr>
+                </a:solidFill>
+              </a:defRPr>
+            </a:lvl5pPr>
+            <a:lvl6pPr marL="2286000" indent="0">
+              <a:buNone/>
+              <a:defRPr sz="1600">
+                <a:solidFill>
+                  <a:schemeClr val="tx1">
+                    <a:tint val="75000"/>
+                  </a:schemeClr>
+                </a:solidFill>
+              </a:defRPr>
+            </a:lvl6pPr>
+            <a:lvl7pPr marL="2743200" indent="0">
+              <a:buNone/>
+              <a:defRPr sz="1600">
+                <a:solidFill>
+                  <a:schemeClr val="tx1">
+                    <a:tint val="75000"/>
+                  </a:schemeClr>
+                </a:solidFill>
+              </a:defRPr>
+            </a:lvl7pPr>
+            <a:lvl8pPr marL="3200400" indent="0">
+              <a:buNone/>
+              <a:defRPr sz="1600">
+                <a:solidFill>
+                  <a:schemeClr val="tx1">
+                    <a:tint val="75000"/>
+                  </a:schemeClr>
+                </a:solidFill>
+              </a:defRPr>
+            </a:lvl8pPr>
+            <a:lvl9pPr marL="3657600" indent="0">
+              <a:buNone/>
+              <a:defRPr sz="1600">
+                <a:solidFill>
+                  <a:schemeClr val="tx1">
+                    <a:tint val="75000"/>
+                  </a:schemeClr>
+                </a:solidFill>
+              </a:defRPr>
+            </a:lvl9pPr>
+          </a:lstStyle>
+          <a:p>
+            <a:pPr lvl="0"/>
+            <a:r>
+              <a:rPr lang="en-US"/>
+              <a:t>Edit Master text styles</a:t>
+            </a:r>
+          </a:p>
+        </p:txBody>
+      </p:sp>
+      <p:sp>
+        <p:nvSpPr>
+          <p:cNvPr id="4" name="Date Placeholder 3"/>
+          <p:cNvSpPr>
+            <a:spLocks noGrp="1"/>
+          </p:cNvSpPr>
+          <p:nvPr>
+            <p:ph type="dt" sz="half" idx="10"/>
+          </p:nvPr>
+        </p:nvSpPr>
+        <p:spPr/>
+        <p:txBody>
+          <a:bodyPr/>
+          <a:lstStyle/>
+          <a:p>
+            <a:fld id="{BDB447AD-41BD-4043-B5FC-E3A0FC46385B}" type="datetime1">
+              <a:rPr lang="en-US" smtClean="0"/>
+              <a:t>2016-06-03</a:t>
+            </a:fld>
+            <a:endParaRPr lang="en-US"/>
+          </a:p>
+        </p:txBody>
+      </p:sp>
+      <p:sp>
+        <p:nvSpPr>
+          <p:cNvPr id="5" name="Footer Placeholder 4"/>
+          <p:cNvSpPr>
+            <a:spLocks noGrp="1"/>
+          </p:cNvSpPr>
+          <p:nvPr>
+            <p:ph type="ftr" sz="quarter" idx="11"/>
+          </p:nvPr>
+        </p:nvSpPr>
+        <p:spPr/>
+        <p:txBody>
+          <a:bodyPr/>
+          <a:lstStyle/>
+          <a:p>
+            <a:endParaRPr lang="en-US"/>
+          </a:p>
+        </p:txBody>
+      </p:sp>
+      <p:sp>
+        <p:nvSpPr>
+          <p:cNvPr id="6" name="Slide Number Placeholder 5"/>
+          <p:cNvSpPr>
+            <a:spLocks noGrp="1"/>
+          </p:cNvSpPr>
+          <p:nvPr>
+            <p:ph type="sldNum" sz="quarter" idx="12"/>
+          </p:nvPr>
+        </p:nvSpPr>
+        <p:spPr/>
+        <p:txBody>
+          <a:bodyPr/>
+          <a:lstStyle/>
+          <a:p>
+            <a:fld id="{375ABBA4-B76C-4819-9E9D-0496257E93B8}" type="slidenum">
+              <a:rPr lang="en-US" smtClean="0"/>
+              <a:t>‹#›</a:t>
+            </a:fld>
+            <a:endParaRPr lang="en-US"/>
+          </a:p>
+        </p:txBody>
+      </p:sp>
+    </p:spTree>
+    <p:extLst>
+      <p:ext uri="{BB962C8B-B14F-4D97-AF65-F5344CB8AC3E}">
+        <p14:creationId xmlns:p14="http://schemas.microsoft.com/office/powerpoint/2010/main" val="2541168017"/>
+      </p:ext>
+    </p:extLst>
+  </p:cSld>
+  <p:clrMapOvr>
+    <a:masterClrMapping/>
+  </p:clrMapOvr>
+</p:sldLayout>
+</file>
+
+<file path=ppt/slideLayouts/slideLayout15.xml><?xml version="1.0" encoding="utf-8"?>
+<p:sldLayout xmlns:a="http://schemas.openxmlformats.org/drawingml/2006/main" xmlns:r="http://schemas.openxmlformats.org/officeDocument/2006/relationships" xmlns:p="http://schemas.openxmlformats.org/presentationml/2006/main" type="twoObj" preserve="1">
+  <p:cSld name="Two Content">
+    <p:spTree>
+      <p:nvGrpSpPr>
+        <p:cNvPr id="1" name=""/>
+        <p:cNvGrpSpPr/>
+        <p:nvPr/>
+      </p:nvGrpSpPr>
+      <p:grpSpPr>
+        <a:xfrm>
+          <a:off x="0" y="0"/>
+          <a:ext cx="0" cy="0"/>
+          <a:chOff x="0" y="0"/>
+          <a:chExt cx="0" cy="0"/>
+        </a:xfrm>
+      </p:grpSpPr>
+      <p:sp>
+        <p:nvSpPr>
+          <p:cNvPr id="2" name="Title 1"/>
+          <p:cNvSpPr>
+            <a:spLocks noGrp="1"/>
+          </p:cNvSpPr>
+          <p:nvPr>
+            <p:ph type="title"/>
+          </p:nvPr>
+        </p:nvSpPr>
+        <p:spPr/>
+        <p:txBody>
+          <a:bodyPr/>
+          <a:lstStyle/>
+          <a:p>
+            <a:r>
+              <a:rPr lang="en-US"/>
+              <a:t>Click to edit Master title style</a:t>
+            </a:r>
+            <a:endParaRPr lang="en-US"/>
+          </a:p>
+        </p:txBody>
+      </p:sp>
+      <p:sp>
+        <p:nvSpPr>
+          <p:cNvPr id="3" name="Content Placeholder 2"/>
+          <p:cNvSpPr>
+            <a:spLocks noGrp="1"/>
+          </p:cNvSpPr>
+          <p:nvPr>
+            <p:ph sz="half" idx="1"/>
+          </p:nvPr>
+        </p:nvSpPr>
+        <p:spPr>
+          <a:xfrm>
+            <a:off x="838200" y="1825625"/>
+            <a:ext cx="5181600" cy="4351338"/>
+          </a:xfrm>
+        </p:spPr>
+        <p:txBody>
+          <a:bodyPr/>
+          <a:lstStyle/>
+          <a:p>
+            <a:pPr lvl="0"/>
+            <a:r>
+              <a:rPr lang="en-US"/>
+              <a:t>Edit Master text styles</a:t>
+            </a:r>
+          </a:p>
+          <a:p>
+            <a:pPr lvl="1"/>
+            <a:r>
+              <a:rPr lang="en-US"/>
+              <a:t>Second level</a:t>
+            </a:r>
+          </a:p>
+          <a:p>
+            <a:pPr lvl="2"/>
+            <a:r>
+              <a:rPr lang="en-US"/>
+              <a:t>Third level</a:t>
+            </a:r>
+          </a:p>
+          <a:p>
+            <a:pPr lvl="3"/>
+            <a:r>
+              <a:rPr lang="en-US"/>
+              <a:t>Fourth level</a:t>
+            </a:r>
+          </a:p>
+          <a:p>
+            <a:pPr lvl="4"/>
+            <a:r>
+              <a:rPr lang="en-US"/>
+              <a:t>Fifth level</a:t>
+            </a:r>
+            <a:endParaRPr lang="en-US"/>
+          </a:p>
+        </p:txBody>
+      </p:sp>
+      <p:sp>
+        <p:nvSpPr>
+          <p:cNvPr id="4" name="Content Placeholder 3"/>
+          <p:cNvSpPr>
+            <a:spLocks noGrp="1"/>
+          </p:cNvSpPr>
+          <p:nvPr>
+            <p:ph sz="half" idx="2"/>
+          </p:nvPr>
+        </p:nvSpPr>
+        <p:spPr>
+          <a:xfrm>
+            <a:off x="6172200" y="1825625"/>
+            <a:ext cx="5181600" cy="4351338"/>
+          </a:xfrm>
+        </p:spPr>
+        <p:txBody>
+          <a:bodyPr/>
+          <a:lstStyle/>
+          <a:p>
+            <a:pPr lvl="0"/>
+            <a:r>
+              <a:rPr lang="en-US"/>
+              <a:t>Edit Master text styles</a:t>
+            </a:r>
+          </a:p>
+          <a:p>
+            <a:pPr lvl="1"/>
+            <a:r>
+              <a:rPr lang="en-US"/>
+              <a:t>Second level</a:t>
+            </a:r>
+          </a:p>
+          <a:p>
+            <a:pPr lvl="2"/>
+            <a:r>
+              <a:rPr lang="en-US"/>
+              <a:t>Third level</a:t>
+            </a:r>
+          </a:p>
+          <a:p>
+            <a:pPr lvl="3"/>
+            <a:r>
+              <a:rPr lang="en-US"/>
+              <a:t>Fourth level</a:t>
+            </a:r>
+          </a:p>
+          <a:p>
+            <a:pPr lvl="4"/>
+            <a:r>
+              <a:rPr lang="en-US"/>
+              <a:t>Fifth level</a:t>
+            </a:r>
+            <a:endParaRPr lang="en-US"/>
+          </a:p>
+        </p:txBody>
+      </p:sp>
+      <p:sp>
+        <p:nvSpPr>
+          <p:cNvPr id="5" name="Date Placeholder 4"/>
+          <p:cNvSpPr>
+            <a:spLocks noGrp="1"/>
+          </p:cNvSpPr>
+          <p:nvPr>
+            <p:ph type="dt" sz="half" idx="10"/>
+          </p:nvPr>
+        </p:nvSpPr>
+        <p:spPr/>
+        <p:txBody>
+          <a:bodyPr/>
+          <a:lstStyle/>
+          <a:p>
+            <a:fld id="{A9187B6B-ED6B-46CA-B632-18C4FB667566}" type="datetime1">
+              <a:rPr lang="en-US" smtClean="0"/>
+              <a:t>2016-06-03</a:t>
+            </a:fld>
+            <a:endParaRPr lang="en-US"/>
+          </a:p>
+        </p:txBody>
+      </p:sp>
+      <p:sp>
+        <p:nvSpPr>
+          <p:cNvPr id="6" name="Footer Placeholder 5"/>
+          <p:cNvSpPr>
+            <a:spLocks noGrp="1"/>
+          </p:cNvSpPr>
+          <p:nvPr>
+            <p:ph type="ftr" sz="quarter" idx="11"/>
+          </p:nvPr>
+        </p:nvSpPr>
+        <p:spPr/>
+        <p:txBody>
+          <a:bodyPr/>
+          <a:lstStyle/>
+          <a:p>
+            <a:endParaRPr lang="en-US"/>
+          </a:p>
+        </p:txBody>
+      </p:sp>
+      <p:sp>
+        <p:nvSpPr>
+          <p:cNvPr id="7" name="Slide Number Placeholder 6"/>
+          <p:cNvSpPr>
+            <a:spLocks noGrp="1"/>
+          </p:cNvSpPr>
+          <p:nvPr>
+            <p:ph type="sldNum" sz="quarter" idx="12"/>
+          </p:nvPr>
+        </p:nvSpPr>
+        <p:spPr/>
+        <p:txBody>
+          <a:bodyPr/>
+          <a:lstStyle/>
+          <a:p>
+            <a:fld id="{375ABBA4-B76C-4819-9E9D-0496257E93B8}" type="slidenum">
+              <a:rPr lang="en-US" smtClean="0"/>
+              <a:t>‹#›</a:t>
+            </a:fld>
+            <a:endParaRPr lang="en-US"/>
+          </a:p>
+        </p:txBody>
+      </p:sp>
+    </p:spTree>
+    <p:extLst>
+      <p:ext uri="{BB962C8B-B14F-4D97-AF65-F5344CB8AC3E}">
+        <p14:creationId xmlns:p14="http://schemas.microsoft.com/office/powerpoint/2010/main" val="613922589"/>
+      </p:ext>
+    </p:extLst>
+  </p:cSld>
+  <p:clrMapOvr>
+    <a:masterClrMapping/>
+  </p:clrMapOvr>
+</p:sldLayout>
+</file>
+
+<file path=ppt/slideLayouts/slideLayout16.xml><?xml version="1.0" encoding="utf-8"?>
+<p:sldLayout xmlns:a="http://schemas.openxmlformats.org/drawingml/2006/main" xmlns:r="http://schemas.openxmlformats.org/officeDocument/2006/relationships" xmlns:p="http://schemas.openxmlformats.org/presentationml/2006/main" type="twoTxTwoObj" preserve="1">
+  <p:cSld name="Comparison">
+    <p:spTree>
+      <p:nvGrpSpPr>
+        <p:cNvPr id="1" name=""/>
+        <p:cNvGrpSpPr/>
+        <p:nvPr/>
+      </p:nvGrpSpPr>
+      <p:grpSpPr>
+        <a:xfrm>
+          <a:off x="0" y="0"/>
+          <a:ext cx="0" cy="0"/>
+          <a:chOff x="0" y="0"/>
+          <a:chExt cx="0" cy="0"/>
+        </a:xfrm>
+      </p:grpSpPr>
+      <p:sp>
+        <p:nvSpPr>
+          <p:cNvPr id="2" name="Title 1"/>
+          <p:cNvSpPr>
+            <a:spLocks noGrp="1"/>
+          </p:cNvSpPr>
+          <p:nvPr>
+            <p:ph type="title"/>
+          </p:nvPr>
+        </p:nvSpPr>
+        <p:spPr>
+          <a:xfrm>
+            <a:off x="839788" y="365125"/>
+            <a:ext cx="10515600" cy="1325563"/>
+          </a:xfrm>
+        </p:spPr>
+        <p:txBody>
+          <a:bodyPr/>
+          <a:lstStyle/>
+          <a:p>
+            <a:r>
+              <a:rPr lang="en-US"/>
+              <a:t>Click to edit Master title style</a:t>
+            </a:r>
+            <a:endParaRPr lang="en-US"/>
+          </a:p>
+        </p:txBody>
+      </p:sp>
+      <p:sp>
+        <p:nvSpPr>
+          <p:cNvPr id="3" name="Text Placeholder 2"/>
+          <p:cNvSpPr>
+            <a:spLocks noGrp="1"/>
+          </p:cNvSpPr>
+          <p:nvPr>
+            <p:ph type="body" idx="1"/>
+          </p:nvPr>
+        </p:nvSpPr>
+        <p:spPr>
+          <a:xfrm>
+            <a:off x="839788" y="1681163"/>
+            <a:ext cx="5157787" cy="823912"/>
+          </a:xfrm>
+        </p:spPr>
+        <p:txBody>
+          <a:bodyPr anchor="b"/>
+          <a:lstStyle>
+            <a:lvl1pPr marL="0" indent="0">
+              <a:buNone/>
+              <a:defRPr sz="2400" b="1"/>
+            </a:lvl1pPr>
+            <a:lvl2pPr marL="457200" indent="0">
+              <a:buNone/>
+              <a:defRPr sz="2000" b="1"/>
+            </a:lvl2pPr>
+            <a:lvl3pPr marL="914400" indent="0">
+              <a:buNone/>
+              <a:defRPr sz="1800" b="1"/>
+            </a:lvl3pPr>
+            <a:lvl4pPr marL="1371600" indent="0">
+              <a:buNone/>
+              <a:defRPr sz="1600" b="1"/>
+            </a:lvl4pPr>
+            <a:lvl5pPr marL="1828800" indent="0">
+              <a:buNone/>
+              <a:defRPr sz="1600" b="1"/>
+            </a:lvl5pPr>
+            <a:lvl6pPr marL="2286000" indent="0">
+              <a:buNone/>
+              <a:defRPr sz="1600" b="1"/>
+            </a:lvl6pPr>
+            <a:lvl7pPr marL="2743200" indent="0">
+              <a:buNone/>
+              <a:defRPr sz="1600" b="1"/>
+            </a:lvl7pPr>
+            <a:lvl8pPr marL="3200400" indent="0">
+              <a:buNone/>
+              <a:defRPr sz="1600" b="1"/>
+            </a:lvl8pPr>
+            <a:lvl9pPr marL="3657600" indent="0">
+              <a:buNone/>
+              <a:defRPr sz="1600" b="1"/>
+            </a:lvl9pPr>
+          </a:lstStyle>
+          <a:p>
+            <a:pPr lvl="0"/>
+            <a:r>
+              <a:rPr lang="en-US"/>
+              <a:t>Edit Master text styles</a:t>
+            </a:r>
+          </a:p>
+        </p:txBody>
+      </p:sp>
+      <p:sp>
+        <p:nvSpPr>
+          <p:cNvPr id="4" name="Content Placeholder 3"/>
+          <p:cNvSpPr>
+            <a:spLocks noGrp="1"/>
+          </p:cNvSpPr>
+          <p:nvPr>
+            <p:ph sz="half" idx="2"/>
+          </p:nvPr>
+        </p:nvSpPr>
+        <p:spPr>
+          <a:xfrm>
+            <a:off x="839788" y="2505075"/>
+            <a:ext cx="5157787" cy="3684588"/>
+          </a:xfrm>
+        </p:spPr>
+        <p:txBody>
+          <a:bodyPr/>
+          <a:lstStyle/>
+          <a:p>
+            <a:pPr lvl="0"/>
+            <a:r>
+              <a:rPr lang="en-US"/>
+              <a:t>Edit Master text styles</a:t>
+            </a:r>
+          </a:p>
+          <a:p>
+            <a:pPr lvl="1"/>
+            <a:r>
+              <a:rPr lang="en-US"/>
+              <a:t>Second level</a:t>
+            </a:r>
+          </a:p>
+          <a:p>
+            <a:pPr lvl="2"/>
+            <a:r>
+              <a:rPr lang="en-US"/>
+              <a:t>Third level</a:t>
+            </a:r>
+          </a:p>
+          <a:p>
+            <a:pPr lvl="3"/>
+            <a:r>
+              <a:rPr lang="en-US"/>
+              <a:t>Fourth level</a:t>
+            </a:r>
+          </a:p>
+          <a:p>
+            <a:pPr lvl="4"/>
+            <a:r>
+              <a:rPr lang="en-US"/>
+              <a:t>Fifth level</a:t>
+            </a:r>
+            <a:endParaRPr lang="en-US"/>
+          </a:p>
+        </p:txBody>
+      </p:sp>
+      <p:sp>
+        <p:nvSpPr>
+          <p:cNvPr id="5" name="Text Placeholder 4"/>
+          <p:cNvSpPr>
+            <a:spLocks noGrp="1"/>
+          </p:cNvSpPr>
+          <p:nvPr>
+            <p:ph type="body" sz="quarter" idx="3"/>
+          </p:nvPr>
+        </p:nvSpPr>
+        <p:spPr>
+          <a:xfrm>
+            <a:off x="6172200" y="1681163"/>
+            <a:ext cx="5183188" cy="823912"/>
+          </a:xfrm>
+        </p:spPr>
+        <p:txBody>
+          <a:bodyPr anchor="b"/>
+          <a:lstStyle>
+            <a:lvl1pPr marL="0" indent="0">
+              <a:buNone/>
+              <a:defRPr sz="2400" b="1"/>
+            </a:lvl1pPr>
+            <a:lvl2pPr marL="457200" indent="0">
+              <a:buNone/>
+              <a:defRPr sz="2000" b="1"/>
+            </a:lvl2pPr>
+            <a:lvl3pPr marL="914400" indent="0">
+              <a:buNone/>
+              <a:defRPr sz="1800" b="1"/>
+            </a:lvl3pPr>
+            <a:lvl4pPr marL="1371600" indent="0">
+              <a:buNone/>
+              <a:defRPr sz="1600" b="1"/>
+            </a:lvl4pPr>
+            <a:lvl5pPr marL="1828800" indent="0">
+              <a:buNone/>
+              <a:defRPr sz="1600" b="1"/>
+            </a:lvl5pPr>
+            <a:lvl6pPr marL="2286000" indent="0">
+              <a:buNone/>
+              <a:defRPr sz="1600" b="1"/>
+            </a:lvl6pPr>
+            <a:lvl7pPr marL="2743200" indent="0">
+              <a:buNone/>
+              <a:defRPr sz="1600" b="1"/>
+            </a:lvl7pPr>
+            <a:lvl8pPr marL="3200400" indent="0">
+              <a:buNone/>
+              <a:defRPr sz="1600" b="1"/>
+            </a:lvl8pPr>
+            <a:lvl9pPr marL="3657600" indent="0">
+              <a:buNone/>
+              <a:defRPr sz="1600" b="1"/>
+            </a:lvl9pPr>
+          </a:lstStyle>
+          <a:p>
+            <a:pPr lvl="0"/>
+            <a:r>
+              <a:rPr lang="en-US"/>
+              <a:t>Edit Master text styles</a:t>
+            </a:r>
+          </a:p>
+        </p:txBody>
+      </p:sp>
+      <p:sp>
+        <p:nvSpPr>
+          <p:cNvPr id="6" name="Content Placeholder 5"/>
+          <p:cNvSpPr>
+            <a:spLocks noGrp="1"/>
+          </p:cNvSpPr>
+          <p:nvPr>
+            <p:ph sz="quarter" idx="4"/>
+          </p:nvPr>
+        </p:nvSpPr>
+        <p:spPr>
+          <a:xfrm>
+            <a:off x="6172200" y="2505075"/>
+            <a:ext cx="5183188" cy="3684588"/>
+          </a:xfrm>
+        </p:spPr>
+        <p:txBody>
+          <a:bodyPr/>
+          <a:lstStyle/>
+          <a:p>
+            <a:pPr lvl="0"/>
+            <a:r>
+              <a:rPr lang="en-US"/>
+              <a:t>Edit Master text styles</a:t>
+            </a:r>
+          </a:p>
+          <a:p>
+            <a:pPr lvl="1"/>
+            <a:r>
+              <a:rPr lang="en-US"/>
+              <a:t>Second level</a:t>
+            </a:r>
+          </a:p>
+          <a:p>
+            <a:pPr lvl="2"/>
+            <a:r>
+              <a:rPr lang="en-US"/>
+              <a:t>Third level</a:t>
+            </a:r>
+          </a:p>
+          <a:p>
+            <a:pPr lvl="3"/>
+            <a:r>
+              <a:rPr lang="en-US"/>
+              <a:t>Fourth level</a:t>
+            </a:r>
+          </a:p>
+          <a:p>
+            <a:pPr lvl="4"/>
+            <a:r>
+              <a:rPr lang="en-US"/>
+              <a:t>Fifth level</a:t>
+            </a:r>
+            <a:endParaRPr lang="en-US"/>
+          </a:p>
+        </p:txBody>
+      </p:sp>
+      <p:sp>
+        <p:nvSpPr>
+          <p:cNvPr id="7" name="Date Placeholder 6"/>
+          <p:cNvSpPr>
+            <a:spLocks noGrp="1"/>
+          </p:cNvSpPr>
+          <p:nvPr>
+            <p:ph type="dt" sz="half" idx="10"/>
+          </p:nvPr>
+        </p:nvSpPr>
+        <p:spPr/>
+        <p:txBody>
+          <a:bodyPr/>
+          <a:lstStyle/>
+          <a:p>
+            <a:fld id="{4AA33DCC-B144-4CD8-B94F-19183963B415}" type="datetime1">
+              <a:rPr lang="en-US" smtClean="0"/>
+              <a:t>2016-06-03</a:t>
+            </a:fld>
+            <a:endParaRPr lang="en-US"/>
+          </a:p>
+        </p:txBody>
+      </p:sp>
+      <p:sp>
+        <p:nvSpPr>
+          <p:cNvPr id="8" name="Footer Placeholder 7"/>
+          <p:cNvSpPr>
+            <a:spLocks noGrp="1"/>
+          </p:cNvSpPr>
+          <p:nvPr>
+            <p:ph type="ftr" sz="quarter" idx="11"/>
+          </p:nvPr>
+        </p:nvSpPr>
+        <p:spPr/>
+        <p:txBody>
+          <a:bodyPr/>
+          <a:lstStyle/>
+          <a:p>
+            <a:endParaRPr lang="en-US"/>
+          </a:p>
+        </p:txBody>
+      </p:sp>
+      <p:sp>
+        <p:nvSpPr>
+          <p:cNvPr id="9" name="Slide Number Placeholder 8"/>
+          <p:cNvSpPr>
+            <a:spLocks noGrp="1"/>
+          </p:cNvSpPr>
+          <p:nvPr>
+            <p:ph type="sldNum" sz="quarter" idx="12"/>
+          </p:nvPr>
+        </p:nvSpPr>
+        <p:spPr/>
+        <p:txBody>
+          <a:bodyPr/>
+          <a:lstStyle/>
+          <a:p>
+            <a:fld id="{375ABBA4-B76C-4819-9E9D-0496257E93B8}" type="slidenum">
+              <a:rPr lang="en-US" smtClean="0"/>
+              <a:t>‹#›</a:t>
+            </a:fld>
+            <a:endParaRPr lang="en-US"/>
+          </a:p>
+        </p:txBody>
+      </p:sp>
+    </p:spTree>
+    <p:extLst>
+      <p:ext uri="{BB962C8B-B14F-4D97-AF65-F5344CB8AC3E}">
+        <p14:creationId xmlns:p14="http://schemas.microsoft.com/office/powerpoint/2010/main" val="1093663927"/>
+      </p:ext>
+    </p:extLst>
+  </p:cSld>
+  <p:clrMapOvr>
+    <a:masterClrMapping/>
+  </p:clrMapOvr>
+</p:sldLayout>
+</file>
+
+<file path=ppt/slideLayouts/slideLayout17.xml><?xml version="1.0" encoding="utf-8"?>
+<p:sldLayout xmlns:a="http://schemas.openxmlformats.org/drawingml/2006/main" xmlns:r="http://schemas.openxmlformats.org/officeDocument/2006/relationships" xmlns:p="http://schemas.openxmlformats.org/presentationml/2006/main" type="titleOnly" preserve="1">
+  <p:cSld name="Title Only">
+    <p:spTree>
+      <p:nvGrpSpPr>
+        <p:cNvPr id="1" name=""/>
+        <p:cNvGrpSpPr/>
+        <p:nvPr/>
+      </p:nvGrpSpPr>
+      <p:grpSpPr>
+        <a:xfrm>
+          <a:off x="0" y="0"/>
+          <a:ext cx="0" cy="0"/>
+          <a:chOff x="0" y="0"/>
+          <a:chExt cx="0" cy="0"/>
+        </a:xfrm>
+      </p:grpSpPr>
+      <p:sp>
+        <p:nvSpPr>
+          <p:cNvPr id="2" name="Title 1"/>
+          <p:cNvSpPr>
+            <a:spLocks noGrp="1"/>
+          </p:cNvSpPr>
+          <p:nvPr>
+            <p:ph type="title"/>
+          </p:nvPr>
+        </p:nvSpPr>
+        <p:spPr/>
+        <p:txBody>
+          <a:bodyPr/>
+          <a:lstStyle/>
+          <a:p>
+            <a:r>
+              <a:rPr lang="en-US"/>
+              <a:t>Click to edit Master title style</a:t>
+            </a:r>
+            <a:endParaRPr lang="en-US"/>
+          </a:p>
+        </p:txBody>
+      </p:sp>
+      <p:sp>
+        <p:nvSpPr>
+          <p:cNvPr id="3" name="Date Placeholder 2"/>
+          <p:cNvSpPr>
+            <a:spLocks noGrp="1"/>
+          </p:cNvSpPr>
+          <p:nvPr>
+            <p:ph type="dt" sz="half" idx="10"/>
+          </p:nvPr>
+        </p:nvSpPr>
+        <p:spPr/>
+        <p:txBody>
+          <a:bodyPr/>
+          <a:lstStyle/>
+          <a:p>
+            <a:fld id="{96B090A2-F2C1-4F74-BF04-4417EFA21A04}" type="datetime1">
+              <a:rPr lang="en-US" smtClean="0"/>
+              <a:t>2016-06-03</a:t>
+            </a:fld>
+            <a:endParaRPr lang="en-US"/>
+          </a:p>
+        </p:txBody>
+      </p:sp>
+      <p:sp>
+        <p:nvSpPr>
+          <p:cNvPr id="4" name="Footer Placeholder 3"/>
+          <p:cNvSpPr>
+            <a:spLocks noGrp="1"/>
+          </p:cNvSpPr>
+          <p:nvPr>
+            <p:ph type="ftr" sz="quarter" idx="11"/>
+          </p:nvPr>
+        </p:nvSpPr>
+        <p:spPr/>
+        <p:txBody>
+          <a:bodyPr/>
+          <a:lstStyle/>
+          <a:p>
+            <a:endParaRPr lang="en-US"/>
+          </a:p>
+        </p:txBody>
+      </p:sp>
+      <p:sp>
+        <p:nvSpPr>
+          <p:cNvPr id="5" name="Slide Number Placeholder 4"/>
+          <p:cNvSpPr>
+            <a:spLocks noGrp="1"/>
+          </p:cNvSpPr>
+          <p:nvPr>
+            <p:ph type="sldNum" sz="quarter" idx="12"/>
+          </p:nvPr>
+        </p:nvSpPr>
+        <p:spPr/>
+        <p:txBody>
+          <a:bodyPr/>
+          <a:lstStyle/>
+          <a:p>
+            <a:fld id="{375ABBA4-B76C-4819-9E9D-0496257E93B8}" type="slidenum">
+              <a:rPr lang="en-US" smtClean="0"/>
+              <a:t>‹#›</a:t>
+            </a:fld>
+            <a:endParaRPr lang="en-US"/>
+          </a:p>
+        </p:txBody>
+      </p:sp>
+    </p:spTree>
+    <p:extLst>
+      <p:ext uri="{BB962C8B-B14F-4D97-AF65-F5344CB8AC3E}">
+        <p14:creationId xmlns:p14="http://schemas.microsoft.com/office/powerpoint/2010/main" val="2995385352"/>
+      </p:ext>
+    </p:extLst>
+  </p:cSld>
+  <p:clrMapOvr>
+    <a:masterClrMapping/>
+  </p:clrMapOvr>
+</p:sldLayout>
+</file>
+
+<file path=ppt/slideLayouts/slideLayout18.xml><?xml version="1.0" encoding="utf-8"?>
+<p:sldLayout xmlns:a="http://schemas.openxmlformats.org/drawingml/2006/main" xmlns:r="http://schemas.openxmlformats.org/officeDocument/2006/relationships" xmlns:p="http://schemas.openxmlformats.org/presentationml/2006/main" type="blank" preserve="1">
+  <p:cSld name="Blank">
+    <p:spTree>
+      <p:nvGrpSpPr>
+        <p:cNvPr id="1" name=""/>
+        <p:cNvGrpSpPr/>
+        <p:nvPr/>
+      </p:nvGrpSpPr>
+      <p:grpSpPr>
+        <a:xfrm>
+          <a:off x="0" y="0"/>
+          <a:ext cx="0" cy="0"/>
+          <a:chOff x="0" y="0"/>
+          <a:chExt cx="0" cy="0"/>
+        </a:xfrm>
+      </p:grpSpPr>
+      <p:sp>
+        <p:nvSpPr>
+          <p:cNvPr id="2" name="Date Placeholder 1"/>
+          <p:cNvSpPr>
+            <a:spLocks noGrp="1"/>
+          </p:cNvSpPr>
+          <p:nvPr>
+            <p:ph type="dt" sz="half" idx="10"/>
+          </p:nvPr>
+        </p:nvSpPr>
+        <p:spPr/>
+        <p:txBody>
+          <a:bodyPr/>
+          <a:lstStyle/>
+          <a:p>
+            <a:fld id="{D05CBC2D-1763-4B81-BEBA-F8D1B1822D21}" type="datetime1">
+              <a:rPr lang="en-US" smtClean="0"/>
+              <a:t>2016-06-03</a:t>
+            </a:fld>
+            <a:endParaRPr lang="en-US"/>
+          </a:p>
+        </p:txBody>
+      </p:sp>
+      <p:sp>
+        <p:nvSpPr>
+          <p:cNvPr id="3" name="Footer Placeholder 2"/>
+          <p:cNvSpPr>
+            <a:spLocks noGrp="1"/>
+          </p:cNvSpPr>
+          <p:nvPr>
+            <p:ph type="ftr" sz="quarter" idx="11"/>
+          </p:nvPr>
+        </p:nvSpPr>
+        <p:spPr/>
+        <p:txBody>
+          <a:bodyPr/>
+          <a:lstStyle/>
+          <a:p>
+            <a:endParaRPr lang="en-US"/>
+          </a:p>
+        </p:txBody>
+      </p:sp>
+      <p:sp>
+        <p:nvSpPr>
+          <p:cNvPr id="4" name="Slide Number Placeholder 3"/>
+          <p:cNvSpPr>
+            <a:spLocks noGrp="1"/>
+          </p:cNvSpPr>
+          <p:nvPr>
+            <p:ph type="sldNum" sz="quarter" idx="12"/>
+          </p:nvPr>
+        </p:nvSpPr>
+        <p:spPr/>
+        <p:txBody>
+          <a:bodyPr/>
+          <a:lstStyle/>
+          <a:p>
+            <a:fld id="{375ABBA4-B76C-4819-9E9D-0496257E93B8}" type="slidenum">
+              <a:rPr lang="en-US" smtClean="0"/>
+              <a:t>‹#›</a:t>
+            </a:fld>
+            <a:endParaRPr lang="en-US"/>
+          </a:p>
+        </p:txBody>
+      </p:sp>
+    </p:spTree>
+    <p:extLst>
+      <p:ext uri="{BB962C8B-B14F-4D97-AF65-F5344CB8AC3E}">
+        <p14:creationId xmlns:p14="http://schemas.microsoft.com/office/powerpoint/2010/main" val="1955895001"/>
+      </p:ext>
+    </p:extLst>
+  </p:cSld>
+  <p:clrMapOvr>
+    <a:masterClrMapping/>
+  </p:clrMapOvr>
+</p:sldLayout>
+</file>
+
+<file path=ppt/slideLayouts/slideLayout19.xml><?xml version="1.0" encoding="utf-8"?>
+<p:sldLayout xmlns:a="http://schemas.openxmlformats.org/drawingml/2006/main" xmlns:r="http://schemas.openxmlformats.org/officeDocument/2006/relationships" xmlns:p="http://schemas.openxmlformats.org/presentationml/2006/main" type="objTx" preserve="1">
+  <p:cSld name="Content with Caption">
+    <p:spTree>
+      <p:nvGrpSpPr>
+        <p:cNvPr id="1" name=""/>
+        <p:cNvGrpSpPr/>
+        <p:nvPr/>
+      </p:nvGrpSpPr>
+      <p:grpSpPr>
+        <a:xfrm>
+          <a:off x="0" y="0"/>
+          <a:ext cx="0" cy="0"/>
+          <a:chOff x="0" y="0"/>
+          <a:chExt cx="0" cy="0"/>
+        </a:xfrm>
+      </p:grpSpPr>
+      <p:sp>
+        <p:nvSpPr>
+          <p:cNvPr id="2" name="Title 1"/>
+          <p:cNvSpPr>
+            <a:spLocks noGrp="1"/>
+          </p:cNvSpPr>
+          <p:nvPr>
+            <p:ph type="title"/>
+          </p:nvPr>
+        </p:nvSpPr>
+        <p:spPr>
+          <a:xfrm>
+            <a:off x="839788" y="457200"/>
+            <a:ext cx="3932237" cy="1600200"/>
+          </a:xfrm>
+        </p:spPr>
+        <p:txBody>
+          <a:bodyPr anchor="b"/>
+          <a:lstStyle>
+            <a:lvl1pPr>
+              <a:defRPr sz="3200"/>
+            </a:lvl1pPr>
+          </a:lstStyle>
+          <a:p>
+            <a:r>
+              <a:rPr lang="en-US"/>
+              <a:t>Click to edit Master title style</a:t>
+            </a:r>
+            <a:endParaRPr lang="en-US"/>
+          </a:p>
+        </p:txBody>
+      </p:sp>
+      <p:sp>
+        <p:nvSpPr>
+          <p:cNvPr id="3" name="Content Placeholder 2"/>
+          <p:cNvSpPr>
+            <a:spLocks noGrp="1"/>
+          </p:cNvSpPr>
+          <p:nvPr>
+            <p:ph idx="1"/>
+          </p:nvPr>
+        </p:nvSpPr>
+        <p:spPr>
+          <a:xfrm>
+            <a:off x="5183188" y="987425"/>
+            <a:ext cx="6172200" cy="4873625"/>
+          </a:xfrm>
+        </p:spPr>
+        <p:txBody>
+          <a:bodyPr/>
+          <a:lstStyle>
+            <a:lvl1pPr>
+              <a:defRPr sz="3200"/>
+            </a:lvl1pPr>
+            <a:lvl2pPr>
+              <a:defRPr sz="2800"/>
+            </a:lvl2pPr>
+            <a:lvl3pPr>
+              <a:defRPr sz="2400"/>
+            </a:lvl3pPr>
+            <a:lvl4pPr>
+              <a:defRPr sz="2000"/>
+            </a:lvl4pPr>
+            <a:lvl5pPr>
+              <a:defRPr sz="2000"/>
+            </a:lvl5pPr>
+            <a:lvl6pPr>
+              <a:defRPr sz="2000"/>
+            </a:lvl6pPr>
+            <a:lvl7pPr>
+              <a:defRPr sz="2000"/>
+            </a:lvl7pPr>
+            <a:lvl8pPr>
+              <a:defRPr sz="2000"/>
+            </a:lvl8pPr>
+            <a:lvl9pPr>
+              <a:defRPr sz="2000"/>
+            </a:lvl9pPr>
+          </a:lstStyle>
+          <a:p>
+            <a:pPr lvl="0"/>
+            <a:r>
+              <a:rPr lang="en-US"/>
+              <a:t>Edit Master text styles</a:t>
+            </a:r>
+          </a:p>
+          <a:p>
+            <a:pPr lvl="1"/>
+            <a:r>
+              <a:rPr lang="en-US"/>
+              <a:t>Second level</a:t>
+            </a:r>
+          </a:p>
+          <a:p>
+            <a:pPr lvl="2"/>
+            <a:r>
+              <a:rPr lang="en-US"/>
+              <a:t>Third level</a:t>
+            </a:r>
+          </a:p>
+          <a:p>
+            <a:pPr lvl="3"/>
+            <a:r>
+              <a:rPr lang="en-US"/>
+              <a:t>Fourth level</a:t>
+            </a:r>
+          </a:p>
+          <a:p>
+            <a:pPr lvl="4"/>
+            <a:r>
+              <a:rPr lang="en-US"/>
+              <a:t>Fifth level</a:t>
+            </a:r>
+            <a:endParaRPr lang="en-US"/>
+          </a:p>
+        </p:txBody>
+      </p:sp>
+      <p:sp>
+        <p:nvSpPr>
+          <p:cNvPr id="4" name="Text Placeholder 3"/>
+          <p:cNvSpPr>
+            <a:spLocks noGrp="1"/>
+          </p:cNvSpPr>
+          <p:nvPr>
+            <p:ph type="body" sz="half" idx="2"/>
+          </p:nvPr>
+        </p:nvSpPr>
+        <p:spPr>
+          <a:xfrm>
+            <a:off x="839788" y="2057400"/>
+            <a:ext cx="3932237" cy="3811588"/>
+          </a:xfrm>
+        </p:spPr>
+        <p:txBody>
+          <a:bodyPr/>
+          <a:lstStyle>
+            <a:lvl1pPr marL="0" indent="0">
+              <a:buNone/>
+              <a:defRPr sz="1600"/>
+            </a:lvl1pPr>
+            <a:lvl2pPr marL="457200" indent="0">
+              <a:buNone/>
+              <a:defRPr sz="1400"/>
+            </a:lvl2pPr>
+            <a:lvl3pPr marL="914400" indent="0">
+              <a:buNone/>
+              <a:defRPr sz="1200"/>
+            </a:lvl3pPr>
+            <a:lvl4pPr marL="1371600" indent="0">
+              <a:buNone/>
+              <a:defRPr sz="1000"/>
+            </a:lvl4pPr>
+            <a:lvl5pPr marL="1828800" indent="0">
+              <a:buNone/>
+              <a:defRPr sz="1000"/>
+            </a:lvl5pPr>
+            <a:lvl6pPr marL="2286000" indent="0">
+              <a:buNone/>
+              <a:defRPr sz="1000"/>
+            </a:lvl6pPr>
+            <a:lvl7pPr marL="2743200" indent="0">
+              <a:buNone/>
+              <a:defRPr sz="1000"/>
+            </a:lvl7pPr>
+            <a:lvl8pPr marL="3200400" indent="0">
+              <a:buNone/>
+              <a:defRPr sz="1000"/>
+            </a:lvl8pPr>
+            <a:lvl9pPr marL="3657600" indent="0">
+              <a:buNone/>
+              <a:defRPr sz="1000"/>
+            </a:lvl9pPr>
+          </a:lstStyle>
+          <a:p>
+            <a:pPr lvl="0"/>
+            <a:r>
+              <a:rPr lang="en-US"/>
+              <a:t>Edit Master text styles</a:t>
+            </a:r>
+          </a:p>
+        </p:txBody>
+      </p:sp>
+      <p:sp>
+        <p:nvSpPr>
+          <p:cNvPr id="5" name="Date Placeholder 4"/>
+          <p:cNvSpPr>
+            <a:spLocks noGrp="1"/>
+          </p:cNvSpPr>
+          <p:nvPr>
+            <p:ph type="dt" sz="half" idx="10"/>
+          </p:nvPr>
+        </p:nvSpPr>
+        <p:spPr/>
+        <p:txBody>
+          <a:bodyPr/>
+          <a:lstStyle/>
+          <a:p>
+            <a:fld id="{85B1C70E-A229-4535-A594-E842A72F6E12}" type="datetime1">
+              <a:rPr lang="en-US" smtClean="0"/>
+              <a:t>2016-06-03</a:t>
+            </a:fld>
+            <a:endParaRPr lang="en-US"/>
+          </a:p>
+        </p:txBody>
+      </p:sp>
+      <p:sp>
+        <p:nvSpPr>
+          <p:cNvPr id="6" name="Footer Placeholder 5"/>
+          <p:cNvSpPr>
+            <a:spLocks noGrp="1"/>
+          </p:cNvSpPr>
+          <p:nvPr>
+            <p:ph type="ftr" sz="quarter" idx="11"/>
+          </p:nvPr>
+        </p:nvSpPr>
+        <p:spPr/>
+        <p:txBody>
+          <a:bodyPr/>
+          <a:lstStyle/>
+          <a:p>
+            <a:endParaRPr lang="en-US"/>
+          </a:p>
+        </p:txBody>
+      </p:sp>
+      <p:sp>
+        <p:nvSpPr>
+          <p:cNvPr id="7" name="Slide Number Placeholder 6"/>
+          <p:cNvSpPr>
+            <a:spLocks noGrp="1"/>
+          </p:cNvSpPr>
+          <p:nvPr>
+            <p:ph type="sldNum" sz="quarter" idx="12"/>
+          </p:nvPr>
+        </p:nvSpPr>
+        <p:spPr/>
+        <p:txBody>
+          <a:bodyPr/>
+          <a:lstStyle/>
+          <a:p>
+            <a:fld id="{375ABBA4-B76C-4819-9E9D-0496257E93B8}" type="slidenum">
+              <a:rPr lang="en-US" smtClean="0"/>
+              <a:t>‹#›</a:t>
+            </a:fld>
+            <a:endParaRPr lang="en-US"/>
+          </a:p>
+        </p:txBody>
+      </p:sp>
+    </p:spTree>
+    <p:extLst>
+      <p:ext uri="{BB962C8B-B14F-4D97-AF65-F5344CB8AC3E}">
+        <p14:creationId xmlns:p14="http://schemas.microsoft.com/office/powerpoint/2010/main" val="1514988231"/>
       </p:ext>
     </p:extLst>
   </p:cSld>
@@ -1194,9 +3077,9 @@
           <a:bodyPr/>
           <a:lstStyle/>
           <a:p>
-            <a:fld id="{62908E05-5258-4C9C-8EE8-9507350C2F83}" type="datetimeFigureOut">
+            <a:fld id="{7ECE786D-B70A-4030-BDAC-BBB214D5528A}" type="datetime1">
               <a:rPr lang="en-US" smtClean="0"/>
-              <a:t>2016-06-01</a:t>
+              <a:t>2016-06-03</a:t>
             </a:fld>
             <a:endParaRPr lang="en-US"/>
           </a:p>
@@ -1248,6 +3131,609 @@
     <p:extLst>
       <p:ext uri="{BB962C8B-B14F-4D97-AF65-F5344CB8AC3E}">
         <p14:creationId xmlns:p14="http://schemas.microsoft.com/office/powerpoint/2010/main" val="165007667"/>
+      </p:ext>
+    </p:extLst>
+  </p:cSld>
+  <p:clrMapOvr>
+    <a:masterClrMapping/>
+  </p:clrMapOvr>
+</p:sldLayout>
+</file>
+
+<file path=ppt/slideLayouts/slideLayout20.xml><?xml version="1.0" encoding="utf-8"?>
+<p:sldLayout xmlns:a="http://schemas.openxmlformats.org/drawingml/2006/main" xmlns:r="http://schemas.openxmlformats.org/officeDocument/2006/relationships" xmlns:p="http://schemas.openxmlformats.org/presentationml/2006/main" type="picTx" preserve="1">
+  <p:cSld name="Picture with Caption">
+    <p:spTree>
+      <p:nvGrpSpPr>
+        <p:cNvPr id="1" name=""/>
+        <p:cNvGrpSpPr/>
+        <p:nvPr/>
+      </p:nvGrpSpPr>
+      <p:grpSpPr>
+        <a:xfrm>
+          <a:off x="0" y="0"/>
+          <a:ext cx="0" cy="0"/>
+          <a:chOff x="0" y="0"/>
+          <a:chExt cx="0" cy="0"/>
+        </a:xfrm>
+      </p:grpSpPr>
+      <p:sp>
+        <p:nvSpPr>
+          <p:cNvPr id="2" name="Title 1"/>
+          <p:cNvSpPr>
+            <a:spLocks noGrp="1"/>
+          </p:cNvSpPr>
+          <p:nvPr>
+            <p:ph type="title"/>
+          </p:nvPr>
+        </p:nvSpPr>
+        <p:spPr>
+          <a:xfrm>
+            <a:off x="839788" y="457200"/>
+            <a:ext cx="3932237" cy="1600200"/>
+          </a:xfrm>
+        </p:spPr>
+        <p:txBody>
+          <a:bodyPr anchor="b"/>
+          <a:lstStyle>
+            <a:lvl1pPr>
+              <a:defRPr sz="3200"/>
+            </a:lvl1pPr>
+          </a:lstStyle>
+          <a:p>
+            <a:r>
+              <a:rPr lang="en-US"/>
+              <a:t>Click to edit Master title style</a:t>
+            </a:r>
+            <a:endParaRPr lang="en-US"/>
+          </a:p>
+        </p:txBody>
+      </p:sp>
+      <p:sp>
+        <p:nvSpPr>
+          <p:cNvPr id="3" name="Picture Placeholder 2"/>
+          <p:cNvSpPr>
+            <a:spLocks noGrp="1"/>
+          </p:cNvSpPr>
+          <p:nvPr>
+            <p:ph type="pic" idx="1"/>
+          </p:nvPr>
+        </p:nvSpPr>
+        <p:spPr>
+          <a:xfrm>
+            <a:off x="5183188" y="987425"/>
+            <a:ext cx="6172200" cy="4873625"/>
+          </a:xfrm>
+        </p:spPr>
+        <p:txBody>
+          <a:bodyPr/>
+          <a:lstStyle>
+            <a:lvl1pPr marL="0" indent="0">
+              <a:buNone/>
+              <a:defRPr sz="3200"/>
+            </a:lvl1pPr>
+            <a:lvl2pPr marL="457200" indent="0">
+              <a:buNone/>
+              <a:defRPr sz="2800"/>
+            </a:lvl2pPr>
+            <a:lvl3pPr marL="914400" indent="0">
+              <a:buNone/>
+              <a:defRPr sz="2400"/>
+            </a:lvl3pPr>
+            <a:lvl4pPr marL="1371600" indent="0">
+              <a:buNone/>
+              <a:defRPr sz="2000"/>
+            </a:lvl4pPr>
+            <a:lvl5pPr marL="1828800" indent="0">
+              <a:buNone/>
+              <a:defRPr sz="2000"/>
+            </a:lvl5pPr>
+            <a:lvl6pPr marL="2286000" indent="0">
+              <a:buNone/>
+              <a:defRPr sz="2000"/>
+            </a:lvl6pPr>
+            <a:lvl7pPr marL="2743200" indent="0">
+              <a:buNone/>
+              <a:defRPr sz="2000"/>
+            </a:lvl7pPr>
+            <a:lvl8pPr marL="3200400" indent="0">
+              <a:buNone/>
+              <a:defRPr sz="2000"/>
+            </a:lvl8pPr>
+            <a:lvl9pPr marL="3657600" indent="0">
+              <a:buNone/>
+              <a:defRPr sz="2000"/>
+            </a:lvl9pPr>
+          </a:lstStyle>
+          <a:p>
+            <a:endParaRPr lang="en-US"/>
+          </a:p>
+        </p:txBody>
+      </p:sp>
+      <p:sp>
+        <p:nvSpPr>
+          <p:cNvPr id="4" name="Text Placeholder 3"/>
+          <p:cNvSpPr>
+            <a:spLocks noGrp="1"/>
+          </p:cNvSpPr>
+          <p:nvPr>
+            <p:ph type="body" sz="half" idx="2"/>
+          </p:nvPr>
+        </p:nvSpPr>
+        <p:spPr>
+          <a:xfrm>
+            <a:off x="839788" y="2057400"/>
+            <a:ext cx="3932237" cy="3811588"/>
+          </a:xfrm>
+        </p:spPr>
+        <p:txBody>
+          <a:bodyPr/>
+          <a:lstStyle>
+            <a:lvl1pPr marL="0" indent="0">
+              <a:buNone/>
+              <a:defRPr sz="1600"/>
+            </a:lvl1pPr>
+            <a:lvl2pPr marL="457200" indent="0">
+              <a:buNone/>
+              <a:defRPr sz="1400"/>
+            </a:lvl2pPr>
+            <a:lvl3pPr marL="914400" indent="0">
+              <a:buNone/>
+              <a:defRPr sz="1200"/>
+            </a:lvl3pPr>
+            <a:lvl4pPr marL="1371600" indent="0">
+              <a:buNone/>
+              <a:defRPr sz="1000"/>
+            </a:lvl4pPr>
+            <a:lvl5pPr marL="1828800" indent="0">
+              <a:buNone/>
+              <a:defRPr sz="1000"/>
+            </a:lvl5pPr>
+            <a:lvl6pPr marL="2286000" indent="0">
+              <a:buNone/>
+              <a:defRPr sz="1000"/>
+            </a:lvl6pPr>
+            <a:lvl7pPr marL="2743200" indent="0">
+              <a:buNone/>
+              <a:defRPr sz="1000"/>
+            </a:lvl7pPr>
+            <a:lvl8pPr marL="3200400" indent="0">
+              <a:buNone/>
+              <a:defRPr sz="1000"/>
+            </a:lvl8pPr>
+            <a:lvl9pPr marL="3657600" indent="0">
+              <a:buNone/>
+              <a:defRPr sz="1000"/>
+            </a:lvl9pPr>
+          </a:lstStyle>
+          <a:p>
+            <a:pPr lvl="0"/>
+            <a:r>
+              <a:rPr lang="en-US"/>
+              <a:t>Edit Master text styles</a:t>
+            </a:r>
+          </a:p>
+        </p:txBody>
+      </p:sp>
+      <p:sp>
+        <p:nvSpPr>
+          <p:cNvPr id="5" name="Date Placeholder 4"/>
+          <p:cNvSpPr>
+            <a:spLocks noGrp="1"/>
+          </p:cNvSpPr>
+          <p:nvPr>
+            <p:ph type="dt" sz="half" idx="10"/>
+          </p:nvPr>
+        </p:nvSpPr>
+        <p:spPr/>
+        <p:txBody>
+          <a:bodyPr/>
+          <a:lstStyle/>
+          <a:p>
+            <a:fld id="{0DAA53A2-2359-435D-AA48-E9E345F93729}" type="datetime1">
+              <a:rPr lang="en-US" smtClean="0"/>
+              <a:t>2016-06-03</a:t>
+            </a:fld>
+            <a:endParaRPr lang="en-US"/>
+          </a:p>
+        </p:txBody>
+      </p:sp>
+      <p:sp>
+        <p:nvSpPr>
+          <p:cNvPr id="6" name="Footer Placeholder 5"/>
+          <p:cNvSpPr>
+            <a:spLocks noGrp="1"/>
+          </p:cNvSpPr>
+          <p:nvPr>
+            <p:ph type="ftr" sz="quarter" idx="11"/>
+          </p:nvPr>
+        </p:nvSpPr>
+        <p:spPr/>
+        <p:txBody>
+          <a:bodyPr/>
+          <a:lstStyle/>
+          <a:p>
+            <a:endParaRPr lang="en-US"/>
+          </a:p>
+        </p:txBody>
+      </p:sp>
+      <p:sp>
+        <p:nvSpPr>
+          <p:cNvPr id="7" name="Slide Number Placeholder 6"/>
+          <p:cNvSpPr>
+            <a:spLocks noGrp="1"/>
+          </p:cNvSpPr>
+          <p:nvPr>
+            <p:ph type="sldNum" sz="quarter" idx="12"/>
+          </p:nvPr>
+        </p:nvSpPr>
+        <p:spPr/>
+        <p:txBody>
+          <a:bodyPr/>
+          <a:lstStyle/>
+          <a:p>
+            <a:fld id="{375ABBA4-B76C-4819-9E9D-0496257E93B8}" type="slidenum">
+              <a:rPr lang="en-US" smtClean="0"/>
+              <a:t>‹#›</a:t>
+            </a:fld>
+            <a:endParaRPr lang="en-US"/>
+          </a:p>
+        </p:txBody>
+      </p:sp>
+    </p:spTree>
+    <p:extLst>
+      <p:ext uri="{BB962C8B-B14F-4D97-AF65-F5344CB8AC3E}">
+        <p14:creationId xmlns:p14="http://schemas.microsoft.com/office/powerpoint/2010/main" val="4219330556"/>
+      </p:ext>
+    </p:extLst>
+  </p:cSld>
+  <p:clrMapOvr>
+    <a:masterClrMapping/>
+  </p:clrMapOvr>
+</p:sldLayout>
+</file>
+
+<file path=ppt/slideLayouts/slideLayout21.xml><?xml version="1.0" encoding="utf-8"?>
+<p:sldLayout xmlns:a="http://schemas.openxmlformats.org/drawingml/2006/main" xmlns:r="http://schemas.openxmlformats.org/officeDocument/2006/relationships" xmlns:p="http://schemas.openxmlformats.org/presentationml/2006/main" type="vertTx" preserve="1">
+  <p:cSld name="Title and Vertical Text">
+    <p:spTree>
+      <p:nvGrpSpPr>
+        <p:cNvPr id="1" name=""/>
+        <p:cNvGrpSpPr/>
+        <p:nvPr/>
+      </p:nvGrpSpPr>
+      <p:grpSpPr>
+        <a:xfrm>
+          <a:off x="0" y="0"/>
+          <a:ext cx="0" cy="0"/>
+          <a:chOff x="0" y="0"/>
+          <a:chExt cx="0" cy="0"/>
+        </a:xfrm>
+      </p:grpSpPr>
+      <p:sp>
+        <p:nvSpPr>
+          <p:cNvPr id="2" name="Title 1"/>
+          <p:cNvSpPr>
+            <a:spLocks noGrp="1"/>
+          </p:cNvSpPr>
+          <p:nvPr>
+            <p:ph type="title"/>
+          </p:nvPr>
+        </p:nvSpPr>
+        <p:spPr/>
+        <p:txBody>
+          <a:bodyPr/>
+          <a:lstStyle/>
+          <a:p>
+            <a:r>
+              <a:rPr lang="en-US"/>
+              <a:t>Click to edit Master title style</a:t>
+            </a:r>
+            <a:endParaRPr lang="en-US"/>
+          </a:p>
+        </p:txBody>
+      </p:sp>
+      <p:sp>
+        <p:nvSpPr>
+          <p:cNvPr id="3" name="Vertical Text Placeholder 2"/>
+          <p:cNvSpPr>
+            <a:spLocks noGrp="1"/>
+          </p:cNvSpPr>
+          <p:nvPr>
+            <p:ph type="body" orient="vert" idx="1"/>
+          </p:nvPr>
+        </p:nvSpPr>
+        <p:spPr/>
+        <p:txBody>
+          <a:bodyPr vert="eaVert"/>
+          <a:lstStyle/>
+          <a:p>
+            <a:pPr lvl="0"/>
+            <a:r>
+              <a:rPr lang="en-US"/>
+              <a:t>Edit Master text styles</a:t>
+            </a:r>
+          </a:p>
+          <a:p>
+            <a:pPr lvl="1"/>
+            <a:r>
+              <a:rPr lang="en-US"/>
+              <a:t>Second level</a:t>
+            </a:r>
+          </a:p>
+          <a:p>
+            <a:pPr lvl="2"/>
+            <a:r>
+              <a:rPr lang="en-US"/>
+              <a:t>Third level</a:t>
+            </a:r>
+          </a:p>
+          <a:p>
+            <a:pPr lvl="3"/>
+            <a:r>
+              <a:rPr lang="en-US"/>
+              <a:t>Fourth level</a:t>
+            </a:r>
+          </a:p>
+          <a:p>
+            <a:pPr lvl="4"/>
+            <a:r>
+              <a:rPr lang="en-US"/>
+              <a:t>Fifth level</a:t>
+            </a:r>
+            <a:endParaRPr lang="en-US"/>
+          </a:p>
+        </p:txBody>
+      </p:sp>
+      <p:sp>
+        <p:nvSpPr>
+          <p:cNvPr id="4" name="Date Placeholder 3"/>
+          <p:cNvSpPr>
+            <a:spLocks noGrp="1"/>
+          </p:cNvSpPr>
+          <p:nvPr>
+            <p:ph type="dt" sz="half" idx="10"/>
+          </p:nvPr>
+        </p:nvSpPr>
+        <p:spPr/>
+        <p:txBody>
+          <a:bodyPr/>
+          <a:lstStyle/>
+          <a:p>
+            <a:fld id="{08205C95-101C-4816-9E6A-F6670D30E5A9}" type="datetime1">
+              <a:rPr lang="en-US" smtClean="0"/>
+              <a:t>2016-06-03</a:t>
+            </a:fld>
+            <a:endParaRPr lang="en-US"/>
+          </a:p>
+        </p:txBody>
+      </p:sp>
+      <p:sp>
+        <p:nvSpPr>
+          <p:cNvPr id="5" name="Footer Placeholder 4"/>
+          <p:cNvSpPr>
+            <a:spLocks noGrp="1"/>
+          </p:cNvSpPr>
+          <p:nvPr>
+            <p:ph type="ftr" sz="quarter" idx="11"/>
+          </p:nvPr>
+        </p:nvSpPr>
+        <p:spPr/>
+        <p:txBody>
+          <a:bodyPr/>
+          <a:lstStyle/>
+          <a:p>
+            <a:endParaRPr lang="en-US"/>
+          </a:p>
+        </p:txBody>
+      </p:sp>
+      <p:sp>
+        <p:nvSpPr>
+          <p:cNvPr id="6" name="Slide Number Placeholder 5"/>
+          <p:cNvSpPr>
+            <a:spLocks noGrp="1"/>
+          </p:cNvSpPr>
+          <p:nvPr>
+            <p:ph type="sldNum" sz="quarter" idx="12"/>
+          </p:nvPr>
+        </p:nvSpPr>
+        <p:spPr/>
+        <p:txBody>
+          <a:bodyPr/>
+          <a:lstStyle/>
+          <a:p>
+            <a:fld id="{375ABBA4-B76C-4819-9E9D-0496257E93B8}" type="slidenum">
+              <a:rPr lang="en-US" smtClean="0"/>
+              <a:t>‹#›</a:t>
+            </a:fld>
+            <a:endParaRPr lang="en-US"/>
+          </a:p>
+        </p:txBody>
+      </p:sp>
+    </p:spTree>
+    <p:extLst>
+      <p:ext uri="{BB962C8B-B14F-4D97-AF65-F5344CB8AC3E}">
+        <p14:creationId xmlns:p14="http://schemas.microsoft.com/office/powerpoint/2010/main" val="2005090546"/>
+      </p:ext>
+    </p:extLst>
+  </p:cSld>
+  <p:clrMapOvr>
+    <a:masterClrMapping/>
+  </p:clrMapOvr>
+</p:sldLayout>
+</file>
+
+<file path=ppt/slideLayouts/slideLayout22.xml><?xml version="1.0" encoding="utf-8"?>
+<p:sldLayout xmlns:a="http://schemas.openxmlformats.org/drawingml/2006/main" xmlns:r="http://schemas.openxmlformats.org/officeDocument/2006/relationships" xmlns:p="http://schemas.openxmlformats.org/presentationml/2006/main" type="vertTitleAndTx" preserve="1">
+  <p:cSld name="Vertical Title and Text">
+    <p:spTree>
+      <p:nvGrpSpPr>
+        <p:cNvPr id="1" name=""/>
+        <p:cNvGrpSpPr/>
+        <p:nvPr/>
+      </p:nvGrpSpPr>
+      <p:grpSpPr>
+        <a:xfrm>
+          <a:off x="0" y="0"/>
+          <a:ext cx="0" cy="0"/>
+          <a:chOff x="0" y="0"/>
+          <a:chExt cx="0" cy="0"/>
+        </a:xfrm>
+      </p:grpSpPr>
+      <p:sp>
+        <p:nvSpPr>
+          <p:cNvPr id="2" name="Vertical Title 1"/>
+          <p:cNvSpPr>
+            <a:spLocks noGrp="1"/>
+          </p:cNvSpPr>
+          <p:nvPr>
+            <p:ph type="title" orient="vert"/>
+          </p:nvPr>
+        </p:nvSpPr>
+        <p:spPr>
+          <a:xfrm>
+            <a:off x="8724900" y="365125"/>
+            <a:ext cx="2628900" cy="5811838"/>
+          </a:xfrm>
+        </p:spPr>
+        <p:txBody>
+          <a:bodyPr vert="eaVert"/>
+          <a:lstStyle/>
+          <a:p>
+            <a:r>
+              <a:rPr lang="en-US"/>
+              <a:t>Click to edit Master title style</a:t>
+            </a:r>
+            <a:endParaRPr lang="en-US"/>
+          </a:p>
+        </p:txBody>
+      </p:sp>
+      <p:sp>
+        <p:nvSpPr>
+          <p:cNvPr id="3" name="Vertical Text Placeholder 2"/>
+          <p:cNvSpPr>
+            <a:spLocks noGrp="1"/>
+          </p:cNvSpPr>
+          <p:nvPr>
+            <p:ph type="body" orient="vert" idx="1"/>
+          </p:nvPr>
+        </p:nvSpPr>
+        <p:spPr>
+          <a:xfrm>
+            <a:off x="838200" y="365125"/>
+            <a:ext cx="7734300" cy="5811838"/>
+          </a:xfrm>
+        </p:spPr>
+        <p:txBody>
+          <a:bodyPr vert="eaVert"/>
+          <a:lstStyle/>
+          <a:p>
+            <a:pPr lvl="0"/>
+            <a:r>
+              <a:rPr lang="en-US"/>
+              <a:t>Edit Master text styles</a:t>
+            </a:r>
+          </a:p>
+          <a:p>
+            <a:pPr lvl="1"/>
+            <a:r>
+              <a:rPr lang="en-US"/>
+              <a:t>Second level</a:t>
+            </a:r>
+          </a:p>
+          <a:p>
+            <a:pPr lvl="2"/>
+            <a:r>
+              <a:rPr lang="en-US"/>
+              <a:t>Third level</a:t>
+            </a:r>
+          </a:p>
+          <a:p>
+            <a:pPr lvl="3"/>
+            <a:r>
+              <a:rPr lang="en-US"/>
+              <a:t>Fourth level</a:t>
+            </a:r>
+          </a:p>
+          <a:p>
+            <a:pPr lvl="4"/>
+            <a:r>
+              <a:rPr lang="en-US"/>
+              <a:t>Fifth level</a:t>
+            </a:r>
+            <a:endParaRPr lang="en-US"/>
+          </a:p>
+        </p:txBody>
+      </p:sp>
+      <p:sp>
+        <p:nvSpPr>
+          <p:cNvPr id="4" name="Date Placeholder 3"/>
+          <p:cNvSpPr>
+            <a:spLocks noGrp="1"/>
+          </p:cNvSpPr>
+          <p:nvPr>
+            <p:ph type="dt" sz="half" idx="10"/>
+          </p:nvPr>
+        </p:nvSpPr>
+        <p:spPr/>
+        <p:txBody>
+          <a:bodyPr/>
+          <a:lstStyle/>
+          <a:p>
+            <a:fld id="{731A5367-56E0-4308-A6A3-A1323F96629E}" type="datetime1">
+              <a:rPr lang="en-US" smtClean="0"/>
+              <a:t>2016-06-03</a:t>
+            </a:fld>
+            <a:endParaRPr lang="en-US"/>
+          </a:p>
+        </p:txBody>
+      </p:sp>
+      <p:sp>
+        <p:nvSpPr>
+          <p:cNvPr id="5" name="Footer Placeholder 4"/>
+          <p:cNvSpPr>
+            <a:spLocks noGrp="1"/>
+          </p:cNvSpPr>
+          <p:nvPr>
+            <p:ph type="ftr" sz="quarter" idx="11"/>
+          </p:nvPr>
+        </p:nvSpPr>
+        <p:spPr/>
+        <p:txBody>
+          <a:bodyPr/>
+          <a:lstStyle/>
+          <a:p>
+            <a:endParaRPr lang="en-US"/>
+          </a:p>
+        </p:txBody>
+      </p:sp>
+      <p:sp>
+        <p:nvSpPr>
+          <p:cNvPr id="6" name="Slide Number Placeholder 5"/>
+          <p:cNvSpPr>
+            <a:spLocks noGrp="1"/>
+          </p:cNvSpPr>
+          <p:nvPr>
+            <p:ph type="sldNum" sz="quarter" idx="12"/>
+          </p:nvPr>
+        </p:nvSpPr>
+        <p:spPr/>
+        <p:txBody>
+          <a:bodyPr/>
+          <a:lstStyle/>
+          <a:p>
+            <a:fld id="{375ABBA4-B76C-4819-9E9D-0496257E93B8}" type="slidenum">
+              <a:rPr lang="en-US" smtClean="0"/>
+              <a:t>‹#›</a:t>
+            </a:fld>
+            <a:endParaRPr lang="en-US"/>
+          </a:p>
+        </p:txBody>
+      </p:sp>
+    </p:spTree>
+    <p:extLst>
+      <p:ext uri="{BB962C8B-B14F-4D97-AF65-F5344CB8AC3E}">
+        <p14:creationId xmlns:p14="http://schemas.microsoft.com/office/powerpoint/2010/main" val="800469998"/>
       </p:ext>
     </p:extLst>
   </p:cSld>
@@ -1439,9 +3925,9 @@
           <a:bodyPr/>
           <a:lstStyle/>
           <a:p>
-            <a:fld id="{62908E05-5258-4C9C-8EE8-9507350C2F83}" type="datetimeFigureOut">
+            <a:fld id="{7DC8D094-9487-4CD5-96C1-9452E42F9CC9}" type="datetime1">
               <a:rPr lang="en-US" smtClean="0"/>
-              <a:t>2016-06-01</a:t>
+              <a:t>2016-06-03</a:t>
             </a:fld>
             <a:endParaRPr lang="en-US"/>
           </a:p>
@@ -1668,9 +4154,9 @@
           <a:bodyPr/>
           <a:lstStyle/>
           <a:p>
-            <a:fld id="{62908E05-5258-4C9C-8EE8-9507350C2F83}" type="datetimeFigureOut">
+            <a:fld id="{789CD1DE-07DA-491E-AFD1-0CB547255EBB}" type="datetime1">
               <a:rPr lang="en-US" smtClean="0"/>
-              <a:t>2016-06-01</a:t>
+              <a:t>2016-06-03</a:t>
             </a:fld>
             <a:endParaRPr lang="en-US"/>
           </a:p>
@@ -2032,9 +4518,9 @@
           <a:bodyPr/>
           <a:lstStyle/>
           <a:p>
-            <a:fld id="{62908E05-5258-4C9C-8EE8-9507350C2F83}" type="datetimeFigureOut">
+            <a:fld id="{10D95818-4C2E-4FB0-8913-CDB227E4CA97}" type="datetime1">
               <a:rPr lang="en-US" smtClean="0"/>
-              <a:t>2016-06-01</a:t>
+              <a:t>2016-06-03</a:t>
             </a:fld>
             <a:endParaRPr lang="en-US"/>
           </a:p>
@@ -2149,9 +4635,9 @@
           <a:bodyPr/>
           <a:lstStyle/>
           <a:p>
-            <a:fld id="{62908E05-5258-4C9C-8EE8-9507350C2F83}" type="datetimeFigureOut">
+            <a:fld id="{830DB9FB-EB9D-495D-BA6C-BC923262AE90}" type="datetime1">
               <a:rPr lang="en-US" smtClean="0"/>
-              <a:t>2016-06-01</a:t>
+              <a:t>2016-06-03</a:t>
             </a:fld>
             <a:endParaRPr lang="en-US"/>
           </a:p>
@@ -2244,9 +4730,9 @@
           <a:bodyPr/>
           <a:lstStyle/>
           <a:p>
-            <a:fld id="{62908E05-5258-4C9C-8EE8-9507350C2F83}" type="datetimeFigureOut">
+            <a:fld id="{4749E93D-5F66-436F-894E-A69826F641B4}" type="datetime1">
               <a:rPr lang="en-US" smtClean="0"/>
-              <a:t>2016-06-01</a:t>
+              <a:t>2016-06-03</a:t>
             </a:fld>
             <a:endParaRPr lang="en-US"/>
           </a:p>
@@ -2519,9 +5005,9 @@
           <a:bodyPr/>
           <a:lstStyle/>
           <a:p>
-            <a:fld id="{62908E05-5258-4C9C-8EE8-9507350C2F83}" type="datetimeFigureOut">
+            <a:fld id="{B18F534C-CAA7-4EB6-98C8-DD75DE57241D}" type="datetime1">
               <a:rPr lang="en-US" smtClean="0"/>
-              <a:t>2016-06-01</a:t>
+              <a:t>2016-06-03</a:t>
             </a:fld>
             <a:endParaRPr lang="en-US"/>
           </a:p>
@@ -2771,9 +5257,9 @@
           <a:bodyPr/>
           <a:lstStyle/>
           <a:p>
-            <a:fld id="{62908E05-5258-4C9C-8EE8-9507350C2F83}" type="datetimeFigureOut">
+            <a:fld id="{772C4569-FB1B-460D-9308-18CCA228D1D2}" type="datetime1">
               <a:rPr lang="en-US" smtClean="0"/>
-              <a:t>2016-06-01</a:t>
+              <a:t>2016-06-03</a:t>
             </a:fld>
             <a:endParaRPr lang="en-US"/>
           </a:p>
@@ -2982,9 +5468,9 @@
             </a:lvl1pPr>
           </a:lstStyle>
           <a:p>
-            <a:fld id="{62908E05-5258-4C9C-8EE8-9507350C2F83}" type="datetimeFigureOut">
+            <a:fld id="{B452218E-0EBE-4391-9B5F-BD1DD9804AD2}" type="datetime1">
               <a:rPr lang="en-US" smtClean="0"/>
-              <a:t>2016-06-01</a:t>
+              <a:t>2016-06-03</a:t>
             </a:fld>
             <a:endParaRPr lang="en-US"/>
           </a:p>
@@ -3089,6 +5575,548 @@
     <p:sldLayoutId id="2147483658" r:id="rId10"/>
     <p:sldLayoutId id="2147483659" r:id="rId11"/>
   </p:sldLayoutIdLst>
+  <p:hf hdr="0" ftr="0" dt="0"/>
+  <p:txStyles>
+    <p:titleStyle>
+      <a:lvl1pPr algn="l" defTabSz="914400" rtl="0" eaLnBrk="1" latinLnBrk="0" hangingPunct="1">
+        <a:lnSpc>
+          <a:spcPct val="90000"/>
+        </a:lnSpc>
+        <a:spcBef>
+          <a:spcPct val="0"/>
+        </a:spcBef>
+        <a:buNone/>
+        <a:defRPr sz="4400" kern="1200">
+          <a:solidFill>
+            <a:schemeClr val="tx1"/>
+          </a:solidFill>
+          <a:latin typeface="+mj-lt"/>
+          <a:ea typeface="+mj-ea"/>
+          <a:cs typeface="+mj-cs"/>
+        </a:defRPr>
+      </a:lvl1pPr>
+    </p:titleStyle>
+    <p:bodyStyle>
+      <a:lvl1pPr marL="228600" indent="-228600" algn="l" defTabSz="914400" rtl="0" eaLnBrk="1" latinLnBrk="0" hangingPunct="1">
+        <a:lnSpc>
+          <a:spcPct val="90000"/>
+        </a:lnSpc>
+        <a:spcBef>
+          <a:spcPts val="1000"/>
+        </a:spcBef>
+        <a:buFont typeface="Arial" panose="020B0604020202020204" pitchFamily="34" charset="0"/>
+        <a:buChar char="•"/>
+        <a:defRPr sz="2800" kern="1200">
+          <a:solidFill>
+            <a:schemeClr val="tx1"/>
+          </a:solidFill>
+          <a:latin typeface="+mn-lt"/>
+          <a:ea typeface="+mn-ea"/>
+          <a:cs typeface="+mn-cs"/>
+        </a:defRPr>
+      </a:lvl1pPr>
+      <a:lvl2pPr marL="685800" indent="-228600" algn="l" defTabSz="914400" rtl="0" eaLnBrk="1" latinLnBrk="0" hangingPunct="1">
+        <a:lnSpc>
+          <a:spcPct val="90000"/>
+        </a:lnSpc>
+        <a:spcBef>
+          <a:spcPts val="500"/>
+        </a:spcBef>
+        <a:buFont typeface="Arial" panose="020B0604020202020204" pitchFamily="34" charset="0"/>
+        <a:buChar char="•"/>
+        <a:defRPr sz="2400" kern="1200">
+          <a:solidFill>
+            <a:schemeClr val="tx1"/>
+          </a:solidFill>
+          <a:latin typeface="+mn-lt"/>
+          <a:ea typeface="+mn-ea"/>
+          <a:cs typeface="+mn-cs"/>
+        </a:defRPr>
+      </a:lvl2pPr>
+      <a:lvl3pPr marL="1143000" indent="-228600" algn="l" defTabSz="914400" rtl="0" eaLnBrk="1" latinLnBrk="0" hangingPunct="1">
+        <a:lnSpc>
+          <a:spcPct val="90000"/>
+        </a:lnSpc>
+        <a:spcBef>
+          <a:spcPts val="500"/>
+        </a:spcBef>
+        <a:buFont typeface="Arial" panose="020B0604020202020204" pitchFamily="34" charset="0"/>
+        <a:buChar char="•"/>
+        <a:defRPr sz="2000" kern="1200">
+          <a:solidFill>
+            <a:schemeClr val="tx1"/>
+          </a:solidFill>
+          <a:latin typeface="+mn-lt"/>
+          <a:ea typeface="+mn-ea"/>
+          <a:cs typeface="+mn-cs"/>
+        </a:defRPr>
+      </a:lvl3pPr>
+      <a:lvl4pPr marL="1600200" indent="-228600" algn="l" defTabSz="914400" rtl="0" eaLnBrk="1" latinLnBrk="0" hangingPunct="1">
+        <a:lnSpc>
+          <a:spcPct val="90000"/>
+        </a:lnSpc>
+        <a:spcBef>
+          <a:spcPts val="500"/>
+        </a:spcBef>
+        <a:buFont typeface="Arial" panose="020B0604020202020204" pitchFamily="34" charset="0"/>
+        <a:buChar char="•"/>
+        <a:defRPr sz="1800" kern="1200">
+          <a:solidFill>
+            <a:schemeClr val="tx1"/>
+          </a:solidFill>
+          <a:latin typeface="+mn-lt"/>
+          <a:ea typeface="+mn-ea"/>
+          <a:cs typeface="+mn-cs"/>
+        </a:defRPr>
+      </a:lvl4pPr>
+      <a:lvl5pPr marL="2057400" indent="-228600" algn="l" defTabSz="914400" rtl="0" eaLnBrk="1" latinLnBrk="0" hangingPunct="1">
+        <a:lnSpc>
+          <a:spcPct val="90000"/>
+        </a:lnSpc>
+        <a:spcBef>
+          <a:spcPts val="500"/>
+        </a:spcBef>
+        <a:buFont typeface="Arial" panose="020B0604020202020204" pitchFamily="34" charset="0"/>
+        <a:buChar char="•"/>
+        <a:defRPr sz="1800" kern="1200">
+          <a:solidFill>
+            <a:schemeClr val="tx1"/>
+          </a:solidFill>
+          <a:latin typeface="+mn-lt"/>
+          <a:ea typeface="+mn-ea"/>
+          <a:cs typeface="+mn-cs"/>
+        </a:defRPr>
+      </a:lvl5pPr>
+      <a:lvl6pPr marL="2514600" indent="-228600" algn="l" defTabSz="914400" rtl="0" eaLnBrk="1" latinLnBrk="0" hangingPunct="1">
+        <a:lnSpc>
+          <a:spcPct val="90000"/>
+        </a:lnSpc>
+        <a:spcBef>
+          <a:spcPts val="500"/>
+        </a:spcBef>
+        <a:buFont typeface="Arial" panose="020B0604020202020204" pitchFamily="34" charset="0"/>
+        <a:buChar char="•"/>
+        <a:defRPr sz="1800" kern="1200">
+          <a:solidFill>
+            <a:schemeClr val="tx1"/>
+          </a:solidFill>
+          <a:latin typeface="+mn-lt"/>
+          <a:ea typeface="+mn-ea"/>
+          <a:cs typeface="+mn-cs"/>
+        </a:defRPr>
+      </a:lvl6pPr>
+      <a:lvl7pPr marL="2971800" indent="-228600" algn="l" defTabSz="914400" rtl="0" eaLnBrk="1" latinLnBrk="0" hangingPunct="1">
+        <a:lnSpc>
+          <a:spcPct val="90000"/>
+        </a:lnSpc>
+        <a:spcBef>
+          <a:spcPts val="500"/>
+        </a:spcBef>
+        <a:buFont typeface="Arial" panose="020B0604020202020204" pitchFamily="34" charset="0"/>
+        <a:buChar char="•"/>
+        <a:defRPr sz="1800" kern="1200">
+          <a:solidFill>
+            <a:schemeClr val="tx1"/>
+          </a:solidFill>
+          <a:latin typeface="+mn-lt"/>
+          <a:ea typeface="+mn-ea"/>
+          <a:cs typeface="+mn-cs"/>
+        </a:defRPr>
+      </a:lvl7pPr>
+      <a:lvl8pPr marL="3429000" indent="-228600" algn="l" defTabSz="914400" rtl="0" eaLnBrk="1" latinLnBrk="0" hangingPunct="1">
+        <a:lnSpc>
+          <a:spcPct val="90000"/>
+        </a:lnSpc>
+        <a:spcBef>
+          <a:spcPts val="500"/>
+        </a:spcBef>
+        <a:buFont typeface="Arial" panose="020B0604020202020204" pitchFamily="34" charset="0"/>
+        <a:buChar char="•"/>
+        <a:defRPr sz="1800" kern="1200">
+          <a:solidFill>
+            <a:schemeClr val="tx1"/>
+          </a:solidFill>
+          <a:latin typeface="+mn-lt"/>
+          <a:ea typeface="+mn-ea"/>
+          <a:cs typeface="+mn-cs"/>
+        </a:defRPr>
+      </a:lvl8pPr>
+      <a:lvl9pPr marL="3886200" indent="-228600" algn="l" defTabSz="914400" rtl="0" eaLnBrk="1" latinLnBrk="0" hangingPunct="1">
+        <a:lnSpc>
+          <a:spcPct val="90000"/>
+        </a:lnSpc>
+        <a:spcBef>
+          <a:spcPts val="500"/>
+        </a:spcBef>
+        <a:buFont typeface="Arial" panose="020B0604020202020204" pitchFamily="34" charset="0"/>
+        <a:buChar char="•"/>
+        <a:defRPr sz="1800" kern="1200">
+          <a:solidFill>
+            <a:schemeClr val="tx1"/>
+          </a:solidFill>
+          <a:latin typeface="+mn-lt"/>
+          <a:ea typeface="+mn-ea"/>
+          <a:cs typeface="+mn-cs"/>
+        </a:defRPr>
+      </a:lvl9pPr>
+    </p:bodyStyle>
+    <p:otherStyle>
+      <a:defPPr>
+        <a:defRPr lang="en-US"/>
+      </a:defPPr>
+      <a:lvl1pPr marL="0" algn="l" defTabSz="914400" rtl="0" eaLnBrk="1" latinLnBrk="0" hangingPunct="1">
+        <a:defRPr sz="1800" kern="1200">
+          <a:solidFill>
+            <a:schemeClr val="tx1"/>
+          </a:solidFill>
+          <a:latin typeface="+mn-lt"/>
+          <a:ea typeface="+mn-ea"/>
+          <a:cs typeface="+mn-cs"/>
+        </a:defRPr>
+      </a:lvl1pPr>
+      <a:lvl2pPr marL="457200" algn="l" defTabSz="914400" rtl="0" eaLnBrk="1" latinLnBrk="0" hangingPunct="1">
+        <a:defRPr sz="1800" kern="1200">
+          <a:solidFill>
+            <a:schemeClr val="tx1"/>
+          </a:solidFill>
+          <a:latin typeface="+mn-lt"/>
+          <a:ea typeface="+mn-ea"/>
+          <a:cs typeface="+mn-cs"/>
+        </a:defRPr>
+      </a:lvl2pPr>
+      <a:lvl3pPr marL="914400" algn="l" defTabSz="914400" rtl="0" eaLnBrk="1" latinLnBrk="0" hangingPunct="1">
+        <a:defRPr sz="1800" kern="1200">
+          <a:solidFill>
+            <a:schemeClr val="tx1"/>
+          </a:solidFill>
+          <a:latin typeface="+mn-lt"/>
+          <a:ea typeface="+mn-ea"/>
+          <a:cs typeface="+mn-cs"/>
+        </a:defRPr>
+      </a:lvl3pPr>
+      <a:lvl4pPr marL="1371600" algn="l" defTabSz="914400" rtl="0" eaLnBrk="1" latinLnBrk="0" hangingPunct="1">
+        <a:defRPr sz="1800" kern="1200">
+          <a:solidFill>
+            <a:schemeClr val="tx1"/>
+          </a:solidFill>
+          <a:latin typeface="+mn-lt"/>
+          <a:ea typeface="+mn-ea"/>
+          <a:cs typeface="+mn-cs"/>
+        </a:defRPr>
+      </a:lvl4pPr>
+      <a:lvl5pPr marL="1828800" algn="l" defTabSz="914400" rtl="0" eaLnBrk="1" latinLnBrk="0" hangingPunct="1">
+        <a:defRPr sz="1800" kern="1200">
+          <a:solidFill>
+            <a:schemeClr val="tx1"/>
+          </a:solidFill>
+          <a:latin typeface="+mn-lt"/>
+          <a:ea typeface="+mn-ea"/>
+          <a:cs typeface="+mn-cs"/>
+        </a:defRPr>
+      </a:lvl5pPr>
+      <a:lvl6pPr marL="2286000" algn="l" defTabSz="914400" rtl="0" eaLnBrk="1" latinLnBrk="0" hangingPunct="1">
+        <a:defRPr sz="1800" kern="1200">
+          <a:solidFill>
+            <a:schemeClr val="tx1"/>
+          </a:solidFill>
+          <a:latin typeface="+mn-lt"/>
+          <a:ea typeface="+mn-ea"/>
+          <a:cs typeface="+mn-cs"/>
+        </a:defRPr>
+      </a:lvl6pPr>
+      <a:lvl7pPr marL="2743200" algn="l" defTabSz="914400" rtl="0" eaLnBrk="1" latinLnBrk="0" hangingPunct="1">
+        <a:defRPr sz="1800" kern="1200">
+          <a:solidFill>
+            <a:schemeClr val="tx1"/>
+          </a:solidFill>
+          <a:latin typeface="+mn-lt"/>
+          <a:ea typeface="+mn-ea"/>
+          <a:cs typeface="+mn-cs"/>
+        </a:defRPr>
+      </a:lvl7pPr>
+      <a:lvl8pPr marL="3200400" algn="l" defTabSz="914400" rtl="0" eaLnBrk="1" latinLnBrk="0" hangingPunct="1">
+        <a:defRPr sz="1800" kern="1200">
+          <a:solidFill>
+            <a:schemeClr val="tx1"/>
+          </a:solidFill>
+          <a:latin typeface="+mn-lt"/>
+          <a:ea typeface="+mn-ea"/>
+          <a:cs typeface="+mn-cs"/>
+        </a:defRPr>
+      </a:lvl8pPr>
+      <a:lvl9pPr marL="3657600" algn="l" defTabSz="914400" rtl="0" eaLnBrk="1" latinLnBrk="0" hangingPunct="1">
+        <a:defRPr sz="1800" kern="1200">
+          <a:solidFill>
+            <a:schemeClr val="tx1"/>
+          </a:solidFill>
+          <a:latin typeface="+mn-lt"/>
+          <a:ea typeface="+mn-ea"/>
+          <a:cs typeface="+mn-cs"/>
+        </a:defRPr>
+      </a:lvl9pPr>
+    </p:otherStyle>
+  </p:txStyles>
+</p:sldMaster>
+</file>
+
+<file path=ppt/slideMasters/slideMaster2.xml><?xml version="1.0" encoding="utf-8"?>
+<p:sldMaster xmlns:a="http://schemas.openxmlformats.org/drawingml/2006/main" xmlns:r="http://schemas.openxmlformats.org/officeDocument/2006/relationships" xmlns:p="http://schemas.openxmlformats.org/presentationml/2006/main" preserve="1">
+  <p:cSld>
+    <p:bg>
+      <p:bgRef idx="1001">
+        <a:schemeClr val="bg1"/>
+      </p:bgRef>
+    </p:bg>
+    <p:spTree>
+      <p:nvGrpSpPr>
+        <p:cNvPr id="1" name=""/>
+        <p:cNvGrpSpPr/>
+        <p:nvPr/>
+      </p:nvGrpSpPr>
+      <p:grpSpPr>
+        <a:xfrm>
+          <a:off x="0" y="0"/>
+          <a:ext cx="0" cy="0"/>
+          <a:chOff x="0" y="0"/>
+          <a:chExt cx="0" cy="0"/>
+        </a:xfrm>
+      </p:grpSpPr>
+      <p:sp>
+        <p:nvSpPr>
+          <p:cNvPr id="2" name="Title Placeholder 1"/>
+          <p:cNvSpPr>
+            <a:spLocks noGrp="1"/>
+          </p:cNvSpPr>
+          <p:nvPr>
+            <p:ph type="title"/>
+          </p:nvPr>
+        </p:nvSpPr>
+        <p:spPr>
+          <a:xfrm>
+            <a:off x="838200" y="365125"/>
+            <a:ext cx="10515600" cy="1325563"/>
+          </a:xfrm>
+          <a:prstGeom prst="rect">
+            <a:avLst/>
+          </a:prstGeom>
+        </p:spPr>
+        <p:txBody>
+          <a:bodyPr vert="horz" lIns="91440" tIns="45720" rIns="91440" bIns="45720" rtlCol="0" anchor="ctr">
+            <a:normAutofit/>
+          </a:bodyPr>
+          <a:lstStyle/>
+          <a:p>
+            <a:r>
+              <a:rPr lang="en-US"/>
+              <a:t>Click to edit Master title style</a:t>
+            </a:r>
+            <a:endParaRPr lang="en-US"/>
+          </a:p>
+        </p:txBody>
+      </p:sp>
+      <p:sp>
+        <p:nvSpPr>
+          <p:cNvPr id="3" name="Text Placeholder 2"/>
+          <p:cNvSpPr>
+            <a:spLocks noGrp="1"/>
+          </p:cNvSpPr>
+          <p:nvPr>
+            <p:ph type="body" idx="1"/>
+          </p:nvPr>
+        </p:nvSpPr>
+        <p:spPr>
+          <a:xfrm>
+            <a:off x="838200" y="1825625"/>
+            <a:ext cx="10515600" cy="4351338"/>
+          </a:xfrm>
+          <a:prstGeom prst="rect">
+            <a:avLst/>
+          </a:prstGeom>
+        </p:spPr>
+        <p:txBody>
+          <a:bodyPr vert="horz" lIns="91440" tIns="45720" rIns="91440" bIns="45720" rtlCol="0">
+            <a:normAutofit/>
+          </a:bodyPr>
+          <a:lstStyle/>
+          <a:p>
+            <a:pPr lvl="0"/>
+            <a:r>
+              <a:rPr lang="en-US"/>
+              <a:t>Edit Master text styles</a:t>
+            </a:r>
+          </a:p>
+          <a:p>
+            <a:pPr lvl="1"/>
+            <a:r>
+              <a:rPr lang="en-US"/>
+              <a:t>Second level</a:t>
+            </a:r>
+          </a:p>
+          <a:p>
+            <a:pPr lvl="2"/>
+            <a:r>
+              <a:rPr lang="en-US"/>
+              <a:t>Third level</a:t>
+            </a:r>
+          </a:p>
+          <a:p>
+            <a:pPr lvl="3"/>
+            <a:r>
+              <a:rPr lang="en-US"/>
+              <a:t>Fourth level</a:t>
+            </a:r>
+          </a:p>
+          <a:p>
+            <a:pPr lvl="4"/>
+            <a:r>
+              <a:rPr lang="en-US"/>
+              <a:t>Fifth level</a:t>
+            </a:r>
+            <a:endParaRPr lang="en-US"/>
+          </a:p>
+        </p:txBody>
+      </p:sp>
+      <p:sp>
+        <p:nvSpPr>
+          <p:cNvPr id="4" name="Date Placeholder 3"/>
+          <p:cNvSpPr>
+            <a:spLocks noGrp="1"/>
+          </p:cNvSpPr>
+          <p:nvPr>
+            <p:ph type="dt" sz="half" idx="2"/>
+          </p:nvPr>
+        </p:nvSpPr>
+        <p:spPr>
+          <a:xfrm>
+            <a:off x="838200" y="6356350"/>
+            <a:ext cx="2743200" cy="365125"/>
+          </a:xfrm>
+          <a:prstGeom prst="rect">
+            <a:avLst/>
+          </a:prstGeom>
+        </p:spPr>
+        <p:txBody>
+          <a:bodyPr vert="horz" lIns="91440" tIns="45720" rIns="91440" bIns="45720" rtlCol="0" anchor="ctr"/>
+          <a:lstStyle>
+            <a:lvl1pPr algn="l">
+              <a:defRPr sz="1200">
+                <a:solidFill>
+                  <a:schemeClr val="tx1">
+                    <a:tint val="75000"/>
+                  </a:schemeClr>
+                </a:solidFill>
+              </a:defRPr>
+            </a:lvl1pPr>
+          </a:lstStyle>
+          <a:p>
+            <a:fld id="{FF05CAD0-2ADB-48CB-B4CF-9A23501294B4}" type="datetime1">
+              <a:rPr lang="en-US" smtClean="0"/>
+              <a:t>2016-06-03</a:t>
+            </a:fld>
+            <a:endParaRPr lang="en-US"/>
+          </a:p>
+        </p:txBody>
+      </p:sp>
+      <p:sp>
+        <p:nvSpPr>
+          <p:cNvPr id="5" name="Footer Placeholder 4"/>
+          <p:cNvSpPr>
+            <a:spLocks noGrp="1"/>
+          </p:cNvSpPr>
+          <p:nvPr>
+            <p:ph type="ftr" sz="quarter" idx="3"/>
+          </p:nvPr>
+        </p:nvSpPr>
+        <p:spPr>
+          <a:xfrm>
+            <a:off x="4038600" y="6356350"/>
+            <a:ext cx="4114800" cy="365125"/>
+          </a:xfrm>
+          <a:prstGeom prst="rect">
+            <a:avLst/>
+          </a:prstGeom>
+        </p:spPr>
+        <p:txBody>
+          <a:bodyPr vert="horz" lIns="91440" tIns="45720" rIns="91440" bIns="45720" rtlCol="0" anchor="ctr"/>
+          <a:lstStyle>
+            <a:lvl1pPr algn="ctr">
+              <a:defRPr sz="1200">
+                <a:solidFill>
+                  <a:schemeClr val="tx1">
+                    <a:tint val="75000"/>
+                  </a:schemeClr>
+                </a:solidFill>
+              </a:defRPr>
+            </a:lvl1pPr>
+          </a:lstStyle>
+          <a:p>
+            <a:endParaRPr lang="en-US"/>
+          </a:p>
+        </p:txBody>
+      </p:sp>
+      <p:sp>
+        <p:nvSpPr>
+          <p:cNvPr id="6" name="Slide Number Placeholder 5"/>
+          <p:cNvSpPr>
+            <a:spLocks noGrp="1"/>
+          </p:cNvSpPr>
+          <p:nvPr>
+            <p:ph type="sldNum" sz="quarter" idx="4"/>
+          </p:nvPr>
+        </p:nvSpPr>
+        <p:spPr>
+          <a:xfrm>
+            <a:off x="8610600" y="6356350"/>
+            <a:ext cx="2743200" cy="365125"/>
+          </a:xfrm>
+          <a:prstGeom prst="rect">
+            <a:avLst/>
+          </a:prstGeom>
+        </p:spPr>
+        <p:txBody>
+          <a:bodyPr vert="horz" lIns="91440" tIns="45720" rIns="91440" bIns="45720" rtlCol="0" anchor="ctr"/>
+          <a:lstStyle>
+            <a:lvl1pPr algn="r">
+              <a:defRPr sz="1200">
+                <a:solidFill>
+                  <a:schemeClr val="tx1">
+                    <a:tint val="75000"/>
+                  </a:schemeClr>
+                </a:solidFill>
+              </a:defRPr>
+            </a:lvl1pPr>
+          </a:lstStyle>
+          <a:p>
+            <a:fld id="{375ABBA4-B76C-4819-9E9D-0496257E93B8}" type="slidenum">
+              <a:rPr lang="en-US" smtClean="0"/>
+              <a:t>‹#›</a:t>
+            </a:fld>
+            <a:endParaRPr lang="en-US"/>
+          </a:p>
+        </p:txBody>
+      </p:sp>
+    </p:spTree>
+    <p:extLst>
+      <p:ext uri="{BB962C8B-B14F-4D97-AF65-F5344CB8AC3E}">
+        <p14:creationId xmlns:p14="http://schemas.microsoft.com/office/powerpoint/2010/main" val="2331890570"/>
+      </p:ext>
+    </p:extLst>
+  </p:cSld>
+  <p:clrMap bg1="lt1" tx1="dk1" bg2="lt2" tx2="dk2" accent1="accent1" accent2="accent2" accent3="accent3" accent4="accent4" accent5="accent5" accent6="accent6" hlink="hlink" folHlink="folHlink"/>
+  <p:sldLayoutIdLst>
+    <p:sldLayoutId id="2147483661" r:id="rId1"/>
+    <p:sldLayoutId id="2147483662" r:id="rId2"/>
+    <p:sldLayoutId id="2147483663" r:id="rId3"/>
+    <p:sldLayoutId id="2147483664" r:id="rId4"/>
+    <p:sldLayoutId id="2147483665" r:id="rId5"/>
+    <p:sldLayoutId id="2147483666" r:id="rId6"/>
+    <p:sldLayoutId id="2147483667" r:id="rId7"/>
+    <p:sldLayoutId id="2147483668" r:id="rId8"/>
+    <p:sldLayoutId id="2147483669" r:id="rId9"/>
+    <p:sldLayoutId id="2147483670" r:id="rId10"/>
+    <p:sldLayoutId id="2147483671" r:id="rId11"/>
+  </p:sldLayoutIdLst>
+  <p:hf hdr="0" ftr="0" dt="0"/>
   <p:txStyles>
     <p:titleStyle>
       <a:lvl1pPr algn="l" defTabSz="914400" rtl="0" eaLnBrk="1" latinLnBrk="0" hangingPunct="1">
@@ -3430,7 +6458,7 @@
         </p:nvSpPr>
         <p:spPr>
           <a:xfrm>
-            <a:off x="1524000" y="5598940"/>
+            <a:off x="1524000" y="4318780"/>
             <a:ext cx="9144000" cy="474785"/>
           </a:xfrm>
         </p:spPr>
@@ -3440,7 +6468,229 @@
           <a:p>
             <a:r>
               <a:rPr lang="uk-UA" dirty="0"/>
-              <a:t>Фітель Данило</a:t>
+              <a:t>Виконав: Фітель Данило</a:t>
+            </a:r>
+            <a:endParaRPr lang="en-US" dirty="0"/>
+          </a:p>
+        </p:txBody>
+      </p:sp>
+      <p:sp>
+        <p:nvSpPr>
+          <p:cNvPr id="4" name="Subtitle 2"/>
+          <p:cNvSpPr txBox="1">
+            <a:spLocks/>
+          </p:cNvSpPr>
+          <p:nvPr/>
+        </p:nvSpPr>
+        <p:spPr>
+          <a:xfrm>
+            <a:off x="1524000" y="5127597"/>
+            <a:ext cx="9144000" cy="474785"/>
+          </a:xfrm>
+          <a:prstGeom prst="rect">
+            <a:avLst/>
+          </a:prstGeom>
+        </p:spPr>
+        <p:txBody>
+          <a:bodyPr vert="horz" lIns="91440" tIns="45720" rIns="91440" bIns="45720" rtlCol="0">
+            <a:normAutofit/>
+          </a:bodyPr>
+          <a:lstStyle>
+            <a:lvl1pPr marL="0" indent="0" algn="ctr" defTabSz="914400" rtl="0" eaLnBrk="1" latinLnBrk="0" hangingPunct="1">
+              <a:lnSpc>
+                <a:spcPct val="90000"/>
+              </a:lnSpc>
+              <a:spcBef>
+                <a:spcPts val="1000"/>
+              </a:spcBef>
+              <a:buFont typeface="Arial" panose="020B0604020202020204" pitchFamily="34" charset="0"/>
+              <a:buNone/>
+              <a:defRPr sz="2400" kern="1200">
+                <a:solidFill>
+                  <a:schemeClr val="tx1"/>
+                </a:solidFill>
+                <a:latin typeface="+mn-lt"/>
+                <a:ea typeface="+mn-ea"/>
+                <a:cs typeface="+mn-cs"/>
+              </a:defRPr>
+            </a:lvl1pPr>
+            <a:lvl2pPr marL="457200" indent="0" algn="ctr" defTabSz="914400" rtl="0" eaLnBrk="1" latinLnBrk="0" hangingPunct="1">
+              <a:lnSpc>
+                <a:spcPct val="90000"/>
+              </a:lnSpc>
+              <a:spcBef>
+                <a:spcPts val="500"/>
+              </a:spcBef>
+              <a:buFont typeface="Arial" panose="020B0604020202020204" pitchFamily="34" charset="0"/>
+              <a:buNone/>
+              <a:defRPr sz="2000" kern="1200">
+                <a:solidFill>
+                  <a:schemeClr val="tx1"/>
+                </a:solidFill>
+                <a:latin typeface="+mn-lt"/>
+                <a:ea typeface="+mn-ea"/>
+                <a:cs typeface="+mn-cs"/>
+              </a:defRPr>
+            </a:lvl2pPr>
+            <a:lvl3pPr marL="914400" indent="0" algn="ctr" defTabSz="914400" rtl="0" eaLnBrk="1" latinLnBrk="0" hangingPunct="1">
+              <a:lnSpc>
+                <a:spcPct val="90000"/>
+              </a:lnSpc>
+              <a:spcBef>
+                <a:spcPts val="500"/>
+              </a:spcBef>
+              <a:buFont typeface="Arial" panose="020B0604020202020204" pitchFamily="34" charset="0"/>
+              <a:buNone/>
+              <a:defRPr sz="1800" kern="1200">
+                <a:solidFill>
+                  <a:schemeClr val="tx1"/>
+                </a:solidFill>
+                <a:latin typeface="+mn-lt"/>
+                <a:ea typeface="+mn-ea"/>
+                <a:cs typeface="+mn-cs"/>
+              </a:defRPr>
+            </a:lvl3pPr>
+            <a:lvl4pPr marL="1371600" indent="0" algn="ctr" defTabSz="914400" rtl="0" eaLnBrk="1" latinLnBrk="0" hangingPunct="1">
+              <a:lnSpc>
+                <a:spcPct val="90000"/>
+              </a:lnSpc>
+              <a:spcBef>
+                <a:spcPts val="500"/>
+              </a:spcBef>
+              <a:buFont typeface="Arial" panose="020B0604020202020204" pitchFamily="34" charset="0"/>
+              <a:buNone/>
+              <a:defRPr sz="1600" kern="1200">
+                <a:solidFill>
+                  <a:schemeClr val="tx1"/>
+                </a:solidFill>
+                <a:latin typeface="+mn-lt"/>
+                <a:ea typeface="+mn-ea"/>
+                <a:cs typeface="+mn-cs"/>
+              </a:defRPr>
+            </a:lvl4pPr>
+            <a:lvl5pPr marL="1828800" indent="0" algn="ctr" defTabSz="914400" rtl="0" eaLnBrk="1" latinLnBrk="0" hangingPunct="1">
+              <a:lnSpc>
+                <a:spcPct val="90000"/>
+              </a:lnSpc>
+              <a:spcBef>
+                <a:spcPts val="500"/>
+              </a:spcBef>
+              <a:buFont typeface="Arial" panose="020B0604020202020204" pitchFamily="34" charset="0"/>
+              <a:buNone/>
+              <a:defRPr sz="1600" kern="1200">
+                <a:solidFill>
+                  <a:schemeClr val="tx1"/>
+                </a:solidFill>
+                <a:latin typeface="+mn-lt"/>
+                <a:ea typeface="+mn-ea"/>
+                <a:cs typeface="+mn-cs"/>
+              </a:defRPr>
+            </a:lvl5pPr>
+            <a:lvl6pPr marL="2286000" indent="0" algn="ctr" defTabSz="914400" rtl="0" eaLnBrk="1" latinLnBrk="0" hangingPunct="1">
+              <a:lnSpc>
+                <a:spcPct val="90000"/>
+              </a:lnSpc>
+              <a:spcBef>
+                <a:spcPts val="500"/>
+              </a:spcBef>
+              <a:buFont typeface="Arial" panose="020B0604020202020204" pitchFamily="34" charset="0"/>
+              <a:buNone/>
+              <a:defRPr sz="1600" kern="1200">
+                <a:solidFill>
+                  <a:schemeClr val="tx1"/>
+                </a:solidFill>
+                <a:latin typeface="+mn-lt"/>
+                <a:ea typeface="+mn-ea"/>
+                <a:cs typeface="+mn-cs"/>
+              </a:defRPr>
+            </a:lvl6pPr>
+            <a:lvl7pPr marL="2743200" indent="0" algn="ctr" defTabSz="914400" rtl="0" eaLnBrk="1" latinLnBrk="0" hangingPunct="1">
+              <a:lnSpc>
+                <a:spcPct val="90000"/>
+              </a:lnSpc>
+              <a:spcBef>
+                <a:spcPts val="500"/>
+              </a:spcBef>
+              <a:buFont typeface="Arial" panose="020B0604020202020204" pitchFamily="34" charset="0"/>
+              <a:buNone/>
+              <a:defRPr sz="1600" kern="1200">
+                <a:solidFill>
+                  <a:schemeClr val="tx1"/>
+                </a:solidFill>
+                <a:latin typeface="+mn-lt"/>
+                <a:ea typeface="+mn-ea"/>
+                <a:cs typeface="+mn-cs"/>
+              </a:defRPr>
+            </a:lvl7pPr>
+            <a:lvl8pPr marL="3200400" indent="0" algn="ctr" defTabSz="914400" rtl="0" eaLnBrk="1" latinLnBrk="0" hangingPunct="1">
+              <a:lnSpc>
+                <a:spcPct val="90000"/>
+              </a:lnSpc>
+              <a:spcBef>
+                <a:spcPts val="500"/>
+              </a:spcBef>
+              <a:buFont typeface="Arial" panose="020B0604020202020204" pitchFamily="34" charset="0"/>
+              <a:buNone/>
+              <a:defRPr sz="1600" kern="1200">
+                <a:solidFill>
+                  <a:schemeClr val="tx1"/>
+                </a:solidFill>
+                <a:latin typeface="+mn-lt"/>
+                <a:ea typeface="+mn-ea"/>
+                <a:cs typeface="+mn-cs"/>
+              </a:defRPr>
+            </a:lvl8pPr>
+            <a:lvl9pPr marL="3657600" indent="0" algn="ctr" defTabSz="914400" rtl="0" eaLnBrk="1" latinLnBrk="0" hangingPunct="1">
+              <a:lnSpc>
+                <a:spcPct val="90000"/>
+              </a:lnSpc>
+              <a:spcBef>
+                <a:spcPts val="500"/>
+              </a:spcBef>
+              <a:buFont typeface="Arial" panose="020B0604020202020204" pitchFamily="34" charset="0"/>
+              <a:buNone/>
+              <a:defRPr sz="1600" kern="1200">
+                <a:solidFill>
+                  <a:schemeClr val="tx1"/>
+                </a:solidFill>
+                <a:latin typeface="+mn-lt"/>
+                <a:ea typeface="+mn-ea"/>
+                <a:cs typeface="+mn-cs"/>
+              </a:defRPr>
+            </a:lvl9pPr>
+          </a:lstStyle>
+          <a:p>
+            <a:r>
+              <a:rPr lang="uk-UA" dirty="0"/>
+              <a:t>Керівник: Олійник Богдана Віталіївна</a:t>
+            </a:r>
+            <a:endParaRPr lang="en-US" dirty="0"/>
+          </a:p>
+        </p:txBody>
+      </p:sp>
+      <p:sp>
+        <p:nvSpPr>
+          <p:cNvPr id="5" name="Slide Number Placeholder 4"/>
+          <p:cNvSpPr>
+            <a:spLocks noGrp="1"/>
+          </p:cNvSpPr>
+          <p:nvPr>
+            <p:ph type="sldNum" sz="quarter" idx="12"/>
+          </p:nvPr>
+        </p:nvSpPr>
+        <p:spPr/>
+        <p:txBody>
+          <a:bodyPr/>
+          <a:lstStyle/>
+          <a:p>
+            <a:fld id="{CA5C24F5-8CCA-4A68-8184-CA068DE5215A}" type="slidenum">
+              <a:rPr lang="en-US" smtClean="0"/>
+              <a:pPr/>
+              <a:t>1</a:t>
+            </a:fld>
+            <a:r>
+              <a:rPr lang="uk-UA" dirty="0"/>
+              <a:t> / 18</a:t>
             </a:r>
             <a:endParaRPr lang="en-US" dirty="0"/>
           </a:p>
@@ -3456,13 +6706,1627 @@
   <p:clrMapOvr>
     <a:masterClrMapping/>
   </p:clrMapOvr>
-  <mc:AlternateContent xmlns:mc="http://schemas.openxmlformats.org/markup-compatibility/2006">
-    <mc:Choice xmlns:p159="http://schemas.microsoft.com/office/powerpoint/2015/09/main" Requires="p159">
+  <mc:AlternateContent xmlns:mc="http://schemas.openxmlformats.org/markup-compatibility/2006" xmlns:p159="http://schemas.microsoft.com/office/powerpoint/2015/09/main">
+    <mc:Choice Requires="p159">
       <p:transition xmlns:p14="http://schemas.microsoft.com/office/powerpoint/2010/main" spd="slow" p14:dur="2000">
         <p159:morph option="byObject"/>
       </p:transition>
     </mc:Choice>
-    <mc:Fallback>
+    <mc:Fallback xmlns="">
+      <p:transition spd="slow">
+        <p:fade/>
+      </p:transition>
+    </mc:Fallback>
+  </mc:AlternateContent>
+</p:sld>
+</file>
+
+<file path=ppt/slides/slide10.xml><?xml version="1.0" encoding="utf-8"?>
+<p:sld xmlns:a="http://schemas.openxmlformats.org/drawingml/2006/main" xmlns:r="http://schemas.openxmlformats.org/officeDocument/2006/relationships" xmlns:p="http://schemas.openxmlformats.org/presentationml/2006/main">
+  <p:cSld>
+    <p:spTree>
+      <p:nvGrpSpPr>
+        <p:cNvPr id="1" name=""/>
+        <p:cNvGrpSpPr/>
+        <p:nvPr/>
+      </p:nvGrpSpPr>
+      <p:grpSpPr>
+        <a:xfrm>
+          <a:off x="0" y="0"/>
+          <a:ext cx="0" cy="0"/>
+          <a:chOff x="0" y="0"/>
+          <a:chExt cx="0" cy="0"/>
+        </a:xfrm>
+      </p:grpSpPr>
+      <p:sp>
+        <p:nvSpPr>
+          <p:cNvPr id="2" name="Title 1"/>
+          <p:cNvSpPr>
+            <a:spLocks noGrp="1"/>
+          </p:cNvSpPr>
+          <p:nvPr>
+            <p:ph type="title"/>
+          </p:nvPr>
+        </p:nvSpPr>
+        <p:spPr/>
+        <p:txBody>
+          <a:bodyPr/>
+          <a:lstStyle/>
+          <a:p>
+            <a:pPr algn="ctr"/>
+            <a:r>
+              <a:rPr lang="uk-UA" b="1" dirty="0"/>
+              <a:t>Префіксне дерево характеристик</a:t>
+            </a:r>
+            <a:endParaRPr lang="en-US" b="1" dirty="0"/>
+          </a:p>
+        </p:txBody>
+      </p:sp>
+      <p:pic>
+        <p:nvPicPr>
+          <p:cNvPr id="5" name="Picture 4"/>
+          <p:cNvPicPr>
+            <a:picLocks noChangeAspect="1"/>
+          </p:cNvPicPr>
+          <p:nvPr/>
+        </p:nvPicPr>
+        <p:blipFill>
+          <a:blip r:embed="rId2"/>
+          <a:stretch>
+            <a:fillRect/>
+          </a:stretch>
+        </p:blipFill>
+        <p:spPr>
+          <a:xfrm>
+            <a:off x="1674087" y="1635562"/>
+            <a:ext cx="8843826" cy="5222438"/>
+          </a:xfrm>
+          <a:prstGeom prst="rect">
+            <a:avLst/>
+          </a:prstGeom>
+        </p:spPr>
+      </p:pic>
+      <p:sp>
+        <p:nvSpPr>
+          <p:cNvPr id="6" name="Slide Number Placeholder 5"/>
+          <p:cNvSpPr>
+            <a:spLocks noGrp="1"/>
+          </p:cNvSpPr>
+          <p:nvPr>
+            <p:ph type="sldNum" sz="quarter" idx="12"/>
+          </p:nvPr>
+        </p:nvSpPr>
+        <p:spPr/>
+        <p:txBody>
+          <a:bodyPr/>
+          <a:lstStyle/>
+          <a:p>
+            <a:fld id="{CA5C24F5-8CCA-4A68-8184-CA068DE5215A}" type="slidenum">
+              <a:rPr lang="en-US" smtClean="0"/>
+              <a:t>10</a:t>
+            </a:fld>
+            <a:r>
+              <a:rPr lang="en-US" dirty="0"/>
+              <a:t> / 18</a:t>
+            </a:r>
+          </a:p>
+        </p:txBody>
+      </p:sp>
+    </p:spTree>
+    <p:extLst>
+      <p:ext uri="{BB962C8B-B14F-4D97-AF65-F5344CB8AC3E}">
+        <p14:creationId xmlns:p14="http://schemas.microsoft.com/office/powerpoint/2010/main" val="1019757315"/>
+      </p:ext>
+    </p:extLst>
+  </p:cSld>
+  <p:clrMapOvr>
+    <a:masterClrMapping/>
+  </p:clrMapOvr>
+  <mc:AlternateContent xmlns:mc="http://schemas.openxmlformats.org/markup-compatibility/2006" xmlns:p159="http://schemas.microsoft.com/office/powerpoint/2015/09/main">
+    <mc:Choice Requires="p159">
+      <p:transition xmlns:p14="http://schemas.microsoft.com/office/powerpoint/2010/main" spd="slow" p14:dur="2000">
+        <p159:morph option="byObject"/>
+      </p:transition>
+    </mc:Choice>
+    <mc:Fallback xmlns="">
+      <p:transition spd="slow">
+        <p:fade/>
+      </p:transition>
+    </mc:Fallback>
+  </mc:AlternateContent>
+</p:sld>
+</file>
+
+<file path=ppt/slides/slide11.xml><?xml version="1.0" encoding="utf-8"?>
+<p:sld xmlns:a="http://schemas.openxmlformats.org/drawingml/2006/main" xmlns:r="http://schemas.openxmlformats.org/officeDocument/2006/relationships" xmlns:p="http://schemas.openxmlformats.org/presentationml/2006/main">
+  <p:cSld>
+    <p:spTree>
+      <p:nvGrpSpPr>
+        <p:cNvPr id="1" name=""/>
+        <p:cNvGrpSpPr/>
+        <p:nvPr/>
+      </p:nvGrpSpPr>
+      <p:grpSpPr>
+        <a:xfrm>
+          <a:off x="0" y="0"/>
+          <a:ext cx="0" cy="0"/>
+          <a:chOff x="0" y="0"/>
+          <a:chExt cx="0" cy="0"/>
+        </a:xfrm>
+      </p:grpSpPr>
+      <p:sp>
+        <p:nvSpPr>
+          <p:cNvPr id="2" name="Title 1"/>
+          <p:cNvSpPr>
+            <a:spLocks noGrp="1"/>
+          </p:cNvSpPr>
+          <p:nvPr>
+            <p:ph type="title"/>
+          </p:nvPr>
+        </p:nvSpPr>
+        <p:spPr/>
+        <p:txBody>
+          <a:bodyPr/>
+          <a:lstStyle/>
+          <a:p>
+            <a:pPr algn="ctr"/>
+            <a:r>
+              <a:rPr lang="uk-UA" b="1" dirty="0"/>
+              <a:t>Префіксне дерево характеристик</a:t>
+            </a:r>
+            <a:endParaRPr lang="en-US" b="1" dirty="0"/>
+          </a:p>
+        </p:txBody>
+      </p:sp>
+      <p:pic>
+        <p:nvPicPr>
+          <p:cNvPr id="5" name="Picture 4"/>
+          <p:cNvPicPr>
+            <a:picLocks noChangeAspect="1"/>
+          </p:cNvPicPr>
+          <p:nvPr/>
+        </p:nvPicPr>
+        <p:blipFill>
+          <a:blip r:embed="rId2"/>
+          <a:stretch>
+            <a:fillRect/>
+          </a:stretch>
+        </p:blipFill>
+        <p:spPr>
+          <a:xfrm>
+            <a:off x="1674087" y="1635562"/>
+            <a:ext cx="8843826" cy="5222438"/>
+          </a:xfrm>
+          <a:prstGeom prst="rect">
+            <a:avLst/>
+          </a:prstGeom>
+        </p:spPr>
+      </p:pic>
+      <p:sp>
+        <p:nvSpPr>
+          <p:cNvPr id="6" name="Slide Number Placeholder 5"/>
+          <p:cNvSpPr>
+            <a:spLocks noGrp="1"/>
+          </p:cNvSpPr>
+          <p:nvPr>
+            <p:ph type="sldNum" sz="quarter" idx="12"/>
+          </p:nvPr>
+        </p:nvSpPr>
+        <p:spPr/>
+        <p:txBody>
+          <a:bodyPr/>
+          <a:lstStyle/>
+          <a:p>
+            <a:fld id="{CA5C24F5-8CCA-4A68-8184-CA068DE5215A}" type="slidenum">
+              <a:rPr lang="en-US" smtClean="0"/>
+              <a:t>11</a:t>
+            </a:fld>
+            <a:r>
+              <a:rPr lang="en-US" dirty="0"/>
+              <a:t> / 18</a:t>
+            </a:r>
+          </a:p>
+        </p:txBody>
+      </p:sp>
+    </p:spTree>
+    <p:extLst>
+      <p:ext uri="{BB962C8B-B14F-4D97-AF65-F5344CB8AC3E}">
+        <p14:creationId xmlns:p14="http://schemas.microsoft.com/office/powerpoint/2010/main" val="1748729295"/>
+      </p:ext>
+    </p:extLst>
+  </p:cSld>
+  <p:clrMapOvr>
+    <a:masterClrMapping/>
+  </p:clrMapOvr>
+  <mc:AlternateContent xmlns:mc="http://schemas.openxmlformats.org/markup-compatibility/2006" xmlns:p159="http://schemas.microsoft.com/office/powerpoint/2015/09/main">
+    <mc:Choice Requires="p159">
+      <p:transition xmlns:p14="http://schemas.microsoft.com/office/powerpoint/2010/main" spd="slow" p14:dur="2000">
+        <p159:morph option="byObject"/>
+      </p:transition>
+    </mc:Choice>
+    <mc:Fallback xmlns="">
+      <p:transition spd="slow">
+        <p:fade/>
+      </p:transition>
+    </mc:Fallback>
+  </mc:AlternateContent>
+</p:sld>
+</file>
+
+<file path=ppt/slides/slide12.xml><?xml version="1.0" encoding="utf-8"?>
+<p:sld xmlns:a="http://schemas.openxmlformats.org/drawingml/2006/main" xmlns:r="http://schemas.openxmlformats.org/officeDocument/2006/relationships" xmlns:p="http://schemas.openxmlformats.org/presentationml/2006/main">
+  <p:cSld>
+    <p:spTree>
+      <p:nvGrpSpPr>
+        <p:cNvPr id="1" name=""/>
+        <p:cNvGrpSpPr/>
+        <p:nvPr/>
+      </p:nvGrpSpPr>
+      <p:grpSpPr>
+        <a:xfrm>
+          <a:off x="0" y="0"/>
+          <a:ext cx="0" cy="0"/>
+          <a:chOff x="0" y="0"/>
+          <a:chExt cx="0" cy="0"/>
+        </a:xfrm>
+      </p:grpSpPr>
+      <p:sp>
+        <p:nvSpPr>
+          <p:cNvPr id="2" name="Title 1"/>
+          <p:cNvSpPr>
+            <a:spLocks noGrp="1"/>
+          </p:cNvSpPr>
+          <p:nvPr>
+            <p:ph type="title"/>
+          </p:nvPr>
+        </p:nvSpPr>
+        <p:spPr/>
+        <p:txBody>
+          <a:bodyPr/>
+          <a:lstStyle/>
+          <a:p>
+            <a:pPr algn="ctr"/>
+            <a:r>
+              <a:rPr lang="uk-UA" b="1" dirty="0"/>
+              <a:t>Педантичний баєсівський класифікатор</a:t>
+            </a:r>
+            <a:endParaRPr lang="en-US" b="1" dirty="0"/>
+          </a:p>
+        </p:txBody>
+      </p:sp>
+      <mc:AlternateContent xmlns:mc="http://schemas.openxmlformats.org/markup-compatibility/2006">
+        <mc:Choice xmlns:a14="http://schemas.microsoft.com/office/drawing/2010/main" Requires="a14">
+          <p:sp>
+            <p:nvSpPr>
+              <p:cNvPr id="3" name="Content Placeholder 2"/>
+              <p:cNvSpPr>
+                <a:spLocks noGrp="1"/>
+              </p:cNvSpPr>
+              <p:nvPr>
+                <p:ph idx="1"/>
+              </p:nvPr>
+            </p:nvSpPr>
+            <p:spPr/>
+            <p:txBody>
+              <a:bodyPr>
+                <a:normAutofit/>
+              </a:bodyPr>
+              <a:lstStyle/>
+              <a:p>
+                <a:pPr algn="just"/>
+                <a:r>
+                  <a:rPr lang="uk-UA" sz="3200" dirty="0"/>
+                  <a:t>Тренування: час - </a:t>
+                </a:r>
+                <a14:m>
+                  <m:oMath xmlns:m="http://schemas.openxmlformats.org/officeDocument/2006/math">
+                    <m:r>
+                      <a:rPr lang="en-US" sz="3200" i="1">
+                        <a:latin typeface="Cambria Math" panose="02040503050406030204" pitchFamily="18" charset="0"/>
+                      </a:rPr>
+                      <m:t>𝑂</m:t>
+                    </m:r>
+                    <m:r>
+                      <a:rPr lang="en-US" sz="3200" i="1">
+                        <a:latin typeface="Cambria Math" panose="02040503050406030204" pitchFamily="18" charset="0"/>
+                      </a:rPr>
+                      <m:t>(</m:t>
+                    </m:r>
+                    <m:r>
+                      <a:rPr lang="en-US" sz="3200" i="1">
+                        <a:latin typeface="Cambria Math" panose="02040503050406030204" pitchFamily="18" charset="0"/>
+                      </a:rPr>
+                      <m:t>𝑛𝑘</m:t>
+                    </m:r>
+                    <m:r>
+                      <a:rPr lang="en-US" sz="3200" i="1">
+                        <a:latin typeface="Cambria Math" panose="02040503050406030204" pitchFamily="18" charset="0"/>
+                      </a:rPr>
+                      <m:t>)</m:t>
+                    </m:r>
+                  </m:oMath>
+                </a14:m>
+                <a:r>
+                  <a:rPr lang="en-US" sz="3200" dirty="0"/>
+                  <a:t>, </a:t>
+                </a:r>
+                <a:r>
+                  <a:rPr lang="uk-UA" sz="3200" dirty="0"/>
+                  <a:t>простір - </a:t>
+                </a:r>
+                <a14:m>
+                  <m:oMath xmlns:m="http://schemas.openxmlformats.org/officeDocument/2006/math">
+                    <m:r>
+                      <a:rPr lang="en-US" sz="3200" i="1">
+                        <a:latin typeface="Cambria Math" panose="02040503050406030204" pitchFamily="18" charset="0"/>
+                      </a:rPr>
+                      <m:t>𝑂</m:t>
+                    </m:r>
+                    <m:r>
+                      <a:rPr lang="en-US" sz="3200" i="1">
+                        <a:latin typeface="Cambria Math" panose="02040503050406030204" pitchFamily="18" charset="0"/>
+                      </a:rPr>
+                      <m:t>(</m:t>
+                    </m:r>
+                    <m:r>
+                      <a:rPr lang="en-US" sz="3200" i="1" smtClean="0">
+                        <a:solidFill>
+                          <a:srgbClr val="C00000"/>
+                        </a:solidFill>
+                        <a:latin typeface="Cambria Math" panose="02040503050406030204" pitchFamily="18" charset="0"/>
+                      </a:rPr>
+                      <m:t>𝑛</m:t>
+                    </m:r>
+                    <m:r>
+                      <a:rPr lang="en-US" sz="3200" b="0" i="1" smtClean="0">
+                        <a:solidFill>
+                          <a:srgbClr val="C00000"/>
+                        </a:solidFill>
+                        <a:latin typeface="Cambria Math" panose="02040503050406030204" pitchFamily="18" charset="0"/>
+                      </a:rPr>
+                      <m:t>𝑘</m:t>
+                    </m:r>
+                    <m:r>
+                      <a:rPr lang="en-US" sz="3200" i="1">
+                        <a:latin typeface="Cambria Math" panose="02040503050406030204" pitchFamily="18" charset="0"/>
+                      </a:rPr>
+                      <m:t>)</m:t>
+                    </m:r>
+                  </m:oMath>
+                </a14:m>
+                <a:endParaRPr lang="en-US" sz="3200" dirty="0"/>
+              </a:p>
+              <a:p>
+                <a:pPr algn="just"/>
+                <a:r>
+                  <a:rPr lang="uk-UA" sz="3200" dirty="0"/>
+                  <a:t>Класифікація: час - </a:t>
+                </a:r>
+                <a14:m>
+                  <m:oMath xmlns:m="http://schemas.openxmlformats.org/officeDocument/2006/math">
+                    <m:r>
+                      <a:rPr lang="en-US" sz="3200" i="1">
+                        <a:latin typeface="Cambria Math" panose="02040503050406030204" pitchFamily="18" charset="0"/>
+                      </a:rPr>
+                      <m:t>𝑂</m:t>
+                    </m:r>
+                    <m:r>
+                      <a:rPr lang="en-US" sz="3200" i="1">
+                        <a:latin typeface="Cambria Math" panose="02040503050406030204" pitchFamily="18" charset="0"/>
+                      </a:rPr>
+                      <m:t>(</m:t>
+                    </m:r>
+                    <m:r>
+                      <a:rPr lang="en-US" sz="3200" i="1">
+                        <a:latin typeface="Cambria Math" panose="02040503050406030204" pitchFamily="18" charset="0"/>
+                      </a:rPr>
+                      <m:t>𝑛</m:t>
+                    </m:r>
+                    <m:r>
+                      <a:rPr lang="en-US" sz="3200" i="1">
+                        <a:latin typeface="Cambria Math" panose="02040503050406030204" pitchFamily="18" charset="0"/>
+                      </a:rPr>
+                      <m:t>)</m:t>
+                    </m:r>
+                  </m:oMath>
+                </a14:m>
+                <a:r>
+                  <a:rPr lang="uk-UA" sz="3200" dirty="0"/>
+                  <a:t>, простір - </a:t>
+                </a:r>
+                <a14:m>
+                  <m:oMath xmlns:m="http://schemas.openxmlformats.org/officeDocument/2006/math">
+                    <m:r>
+                      <a:rPr lang="en-US" sz="3200" i="1">
+                        <a:latin typeface="Cambria Math" panose="02040503050406030204" pitchFamily="18" charset="0"/>
+                      </a:rPr>
+                      <m:t>𝑂</m:t>
+                    </m:r>
+                    <m:r>
+                      <a:rPr lang="en-US" sz="3200" i="1">
+                        <a:latin typeface="Cambria Math" panose="02040503050406030204" pitchFamily="18" charset="0"/>
+                      </a:rPr>
+                      <m:t>(1)</m:t>
+                    </m:r>
+                  </m:oMath>
+                </a14:m>
+                <a:endParaRPr lang="en-US" sz="3200" dirty="0"/>
+              </a:p>
+              <a:p>
+                <a:pPr algn="just"/>
+                <a:r>
+                  <a:rPr lang="uk-UA" sz="3200" b="0" dirty="0"/>
+                  <a:t>Просторова складність </a:t>
+                </a:r>
+                <a14:m>
+                  <m:oMath xmlns:m="http://schemas.openxmlformats.org/officeDocument/2006/math">
+                    <m:r>
+                      <a:rPr lang="en-US" sz="3200" b="0" i="1" smtClean="0">
+                        <a:latin typeface="Cambria Math" panose="02040503050406030204" pitchFamily="18" charset="0"/>
+                      </a:rPr>
+                      <m:t>𝑂</m:t>
+                    </m:r>
+                    <m:r>
+                      <a:rPr lang="en-US" sz="3200" b="0" i="1" smtClean="0">
+                        <a:latin typeface="Cambria Math" panose="02040503050406030204" pitchFamily="18" charset="0"/>
+                      </a:rPr>
+                      <m:t>(</m:t>
+                    </m:r>
+                    <m:r>
+                      <a:rPr lang="en-US" sz="3200" b="0" i="1" smtClean="0">
+                        <a:latin typeface="Cambria Math" panose="02040503050406030204" pitchFamily="18" charset="0"/>
+                      </a:rPr>
+                      <m:t>𝑛𝑘</m:t>
+                    </m:r>
+                    <m:r>
+                      <a:rPr lang="en-US" sz="3200" b="0" i="1" smtClean="0">
+                        <a:latin typeface="Cambria Math" panose="02040503050406030204" pitchFamily="18" charset="0"/>
+                      </a:rPr>
+                      <m:t>)</m:t>
+                    </m:r>
+                  </m:oMath>
+                </a14:m>
+                <a:r>
+                  <a:rPr lang="uk-UA" sz="3200" dirty="0"/>
+                  <a:t> для тренування обмежує кількість </a:t>
+                </a:r>
+                <a:r>
+                  <a:rPr lang="en-US" sz="3200" dirty="0"/>
+                  <a:t> </a:t>
+                </a:r>
+                <a:r>
+                  <a:rPr lang="uk-UA" sz="3200" dirty="0"/>
+                  <a:t>характеристик</a:t>
+                </a:r>
+                <a:endParaRPr lang="en-US" sz="3200" dirty="0"/>
+              </a:p>
+            </p:txBody>
+          </p:sp>
+        </mc:Choice>
+        <mc:Fallback>
+          <p:sp>
+            <p:nvSpPr>
+              <p:cNvPr id="3" name="Content Placeholder 2"/>
+              <p:cNvSpPr>
+                <a:spLocks noGrp="1" noRot="1" noChangeAspect="1" noMove="1" noResize="1" noEditPoints="1" noAdjustHandles="1" noChangeArrowheads="1" noChangeShapeType="1" noTextEdit="1"/>
+              </p:cNvSpPr>
+              <p:nvPr>
+                <p:ph idx="1"/>
+              </p:nvPr>
+            </p:nvSpPr>
+            <p:spPr>
+              <a:blipFill>
+                <a:blip r:embed="rId2"/>
+                <a:stretch>
+                  <a:fillRect l="-1333" t="-2801" r="-1449"/>
+                </a:stretch>
+              </a:blipFill>
+            </p:spPr>
+            <p:txBody>
+              <a:bodyPr/>
+              <a:lstStyle/>
+              <a:p>
+                <a:r>
+                  <a:rPr lang="en-US">
+                    <a:noFill/>
+                  </a:rPr>
+                  <a:t> </a:t>
+                </a:r>
+              </a:p>
+            </p:txBody>
+          </p:sp>
+        </mc:Fallback>
+      </mc:AlternateContent>
+      <p:sp>
+        <p:nvSpPr>
+          <p:cNvPr id="4" name="Slide Number Placeholder 3"/>
+          <p:cNvSpPr>
+            <a:spLocks noGrp="1"/>
+          </p:cNvSpPr>
+          <p:nvPr>
+            <p:ph type="sldNum" sz="quarter" idx="12"/>
+          </p:nvPr>
+        </p:nvSpPr>
+        <p:spPr/>
+        <p:txBody>
+          <a:bodyPr/>
+          <a:lstStyle/>
+          <a:p>
+            <a:fld id="{CA5C24F5-8CCA-4A68-8184-CA068DE5215A}" type="slidenum">
+              <a:rPr lang="en-US" smtClean="0"/>
+              <a:t>12</a:t>
+            </a:fld>
+            <a:r>
+              <a:rPr lang="en-US" dirty="0"/>
+              <a:t> / 18</a:t>
+            </a:r>
+          </a:p>
+        </p:txBody>
+      </p:sp>
+    </p:spTree>
+    <p:extLst>
+      <p:ext uri="{BB962C8B-B14F-4D97-AF65-F5344CB8AC3E}">
+        <p14:creationId xmlns:p14="http://schemas.microsoft.com/office/powerpoint/2010/main" val="3770656791"/>
+      </p:ext>
+    </p:extLst>
+  </p:cSld>
+  <p:clrMapOvr>
+    <a:masterClrMapping/>
+  </p:clrMapOvr>
+  <mc:AlternateContent xmlns:mc="http://schemas.openxmlformats.org/markup-compatibility/2006" xmlns:p159="http://schemas.microsoft.com/office/powerpoint/2015/09/main">
+    <mc:Choice Requires="p159">
+      <p:transition xmlns:p14="http://schemas.microsoft.com/office/powerpoint/2010/main" spd="slow" p14:dur="2000">
+        <p159:morph option="byObject"/>
+      </p:transition>
+    </mc:Choice>
+    <mc:Fallback xmlns="">
+      <p:transition spd="slow">
+        <p:fade/>
+      </p:transition>
+    </mc:Fallback>
+  </mc:AlternateContent>
+</p:sld>
+</file>
+
+<file path=ppt/slides/slide13.xml><?xml version="1.0" encoding="utf-8"?>
+<p:sld xmlns:a="http://schemas.openxmlformats.org/drawingml/2006/main" xmlns:r="http://schemas.openxmlformats.org/officeDocument/2006/relationships" xmlns:p="http://schemas.openxmlformats.org/presentationml/2006/main">
+  <p:cSld>
+    <p:spTree>
+      <p:nvGrpSpPr>
+        <p:cNvPr id="1" name=""/>
+        <p:cNvGrpSpPr/>
+        <p:nvPr/>
+      </p:nvGrpSpPr>
+      <p:grpSpPr>
+        <a:xfrm>
+          <a:off x="0" y="0"/>
+          <a:ext cx="0" cy="0"/>
+          <a:chOff x="0" y="0"/>
+          <a:chExt cx="0" cy="0"/>
+        </a:xfrm>
+      </p:grpSpPr>
+      <p:sp>
+        <p:nvSpPr>
+          <p:cNvPr id="2" name="Title 1"/>
+          <p:cNvSpPr>
+            <a:spLocks noGrp="1"/>
+          </p:cNvSpPr>
+          <p:nvPr>
+            <p:ph type="title"/>
+          </p:nvPr>
+        </p:nvSpPr>
+        <p:spPr/>
+        <p:txBody>
+          <a:bodyPr/>
+          <a:lstStyle/>
+          <a:p>
+            <a:pPr algn="ctr"/>
+            <a:r>
+              <a:rPr lang="uk-UA" b="1" dirty="0"/>
+              <a:t>Практичні результати</a:t>
+            </a:r>
+            <a:endParaRPr lang="en-US" b="1" dirty="0"/>
+          </a:p>
+        </p:txBody>
+      </p:sp>
+      <p:sp>
+        <p:nvSpPr>
+          <p:cNvPr id="3" name="Content Placeholder 2"/>
+          <p:cNvSpPr>
+            <a:spLocks noGrp="1"/>
+          </p:cNvSpPr>
+          <p:nvPr>
+            <p:ph idx="1"/>
+          </p:nvPr>
+        </p:nvSpPr>
+        <p:spPr/>
+        <p:txBody>
+          <a:bodyPr>
+            <a:normAutofit/>
+          </a:bodyPr>
+          <a:lstStyle/>
+          <a:p>
+            <a:pPr algn="just"/>
+            <a:r>
+              <a:rPr lang="uk-UA" sz="3200" dirty="0"/>
+              <a:t>Використовувалася стандартна тестова база даних спаму </a:t>
+            </a:r>
+            <a:r>
+              <a:rPr lang="en-US" sz="3200" dirty="0"/>
+              <a:t>PU1</a:t>
+            </a:r>
+            <a:r>
+              <a:rPr lang="uk-UA" sz="3200" dirty="0"/>
+              <a:t> з 1099 повідомленнями, з яких 481 – спам. Загальна кількість характеристик – 21611.</a:t>
+            </a:r>
+          </a:p>
+          <a:p>
+            <a:pPr algn="just"/>
+            <a:r>
+              <a:rPr lang="uk-UA" sz="3200" dirty="0"/>
+              <a:t>Міри, які нас цікавитимуть</a:t>
+            </a:r>
+          </a:p>
+          <a:p>
+            <a:pPr lvl="1" algn="just"/>
+            <a:r>
+              <a:rPr lang="uk-UA" sz="2800" dirty="0"/>
+              <a:t>Точність (частка правильно класифікованих повідомлень)</a:t>
+            </a:r>
+          </a:p>
+          <a:p>
+            <a:pPr lvl="1" algn="just"/>
+            <a:r>
+              <a:rPr lang="uk-UA" sz="2800" dirty="0"/>
+              <a:t>Похибка справжніх повідомлень</a:t>
+            </a:r>
+            <a:r>
+              <a:rPr lang="en-US" sz="2800" dirty="0"/>
+              <a:t> – </a:t>
+            </a:r>
+            <a:r>
+              <a:rPr lang="uk-UA" sz="2800" dirty="0"/>
+              <a:t>частка справжніх повідомлень, класифікованих як спам</a:t>
+            </a:r>
+          </a:p>
+          <a:p>
+            <a:pPr lvl="1" algn="just"/>
+            <a:r>
+              <a:rPr lang="uk-UA" sz="2800" dirty="0"/>
+              <a:t>Похибка спаму</a:t>
+            </a:r>
+            <a:r>
+              <a:rPr lang="en-US" sz="2800" dirty="0"/>
+              <a:t> – </a:t>
+            </a:r>
+            <a:r>
+              <a:rPr lang="uk-UA" sz="2800" dirty="0"/>
+              <a:t>частка спаму, класифікованого як справжні повідомлення</a:t>
+            </a:r>
+            <a:endParaRPr lang="en-US" sz="2800" dirty="0"/>
+          </a:p>
+        </p:txBody>
+      </p:sp>
+      <p:sp>
+        <p:nvSpPr>
+          <p:cNvPr id="4" name="Slide Number Placeholder 3"/>
+          <p:cNvSpPr>
+            <a:spLocks noGrp="1"/>
+          </p:cNvSpPr>
+          <p:nvPr>
+            <p:ph type="sldNum" sz="quarter" idx="12"/>
+          </p:nvPr>
+        </p:nvSpPr>
+        <p:spPr/>
+        <p:txBody>
+          <a:bodyPr/>
+          <a:lstStyle/>
+          <a:p>
+            <a:fld id="{CA5C24F5-8CCA-4A68-8184-CA068DE5215A}" type="slidenum">
+              <a:rPr lang="en-US" smtClean="0"/>
+              <a:t>13</a:t>
+            </a:fld>
+            <a:r>
+              <a:rPr lang="en-US" dirty="0"/>
+              <a:t> / 18</a:t>
+            </a:r>
+          </a:p>
+        </p:txBody>
+      </p:sp>
+    </p:spTree>
+    <p:extLst>
+      <p:ext uri="{BB962C8B-B14F-4D97-AF65-F5344CB8AC3E}">
+        <p14:creationId xmlns:p14="http://schemas.microsoft.com/office/powerpoint/2010/main" val="1244544804"/>
+      </p:ext>
+    </p:extLst>
+  </p:cSld>
+  <p:clrMapOvr>
+    <a:masterClrMapping/>
+  </p:clrMapOvr>
+  <mc:AlternateContent xmlns:mc="http://schemas.openxmlformats.org/markup-compatibility/2006" xmlns:p159="http://schemas.microsoft.com/office/powerpoint/2015/09/main">
+    <mc:Choice Requires="p159">
+      <p:transition xmlns:p14="http://schemas.microsoft.com/office/powerpoint/2010/main" spd="slow" p14:dur="2000">
+        <p159:morph option="byObject"/>
+      </p:transition>
+    </mc:Choice>
+    <mc:Fallback xmlns="">
+      <p:transition spd="slow">
+        <p:fade/>
+      </p:transition>
+    </mc:Fallback>
+  </mc:AlternateContent>
+</p:sld>
+</file>
+
+<file path=ppt/slides/slide14.xml><?xml version="1.0" encoding="utf-8"?>
+<p:sld xmlns:a="http://schemas.openxmlformats.org/drawingml/2006/main" xmlns:r="http://schemas.openxmlformats.org/officeDocument/2006/relationships" xmlns:p="http://schemas.openxmlformats.org/presentationml/2006/main">
+  <p:cSld>
+    <p:spTree>
+      <p:nvGrpSpPr>
+        <p:cNvPr id="1" name=""/>
+        <p:cNvGrpSpPr/>
+        <p:nvPr/>
+      </p:nvGrpSpPr>
+      <p:grpSpPr>
+        <a:xfrm>
+          <a:off x="0" y="0"/>
+          <a:ext cx="0" cy="0"/>
+          <a:chOff x="0" y="0"/>
+          <a:chExt cx="0" cy="0"/>
+        </a:xfrm>
+      </p:grpSpPr>
+      <p:sp>
+        <p:nvSpPr>
+          <p:cNvPr id="2" name="Title 1"/>
+          <p:cNvSpPr>
+            <a:spLocks noGrp="1"/>
+          </p:cNvSpPr>
+          <p:nvPr>
+            <p:ph type="title"/>
+          </p:nvPr>
+        </p:nvSpPr>
+        <p:spPr/>
+        <p:txBody>
+          <a:bodyPr/>
+          <a:lstStyle/>
+          <a:p>
+            <a:pPr algn="ctr"/>
+            <a:r>
+              <a:rPr lang="uk-UA" b="1" dirty="0"/>
+              <a:t>Практичні результати</a:t>
+            </a:r>
+            <a:endParaRPr lang="en-US" b="1" dirty="0"/>
+          </a:p>
+        </p:txBody>
+      </p:sp>
+      <p:pic>
+        <p:nvPicPr>
+          <p:cNvPr id="5" name="Content Placeholder 4"/>
+          <p:cNvPicPr>
+            <a:picLocks noGrp="1" noChangeAspect="1"/>
+          </p:cNvPicPr>
+          <p:nvPr>
+            <p:ph idx="1"/>
+          </p:nvPr>
+        </p:nvPicPr>
+        <p:blipFill>
+          <a:blip r:embed="rId2">
+            <a:extLst>
+              <a:ext uri="{28A0092B-C50C-407E-A947-70E740481C1C}">
+                <a14:useLocalDpi xmlns:a14="http://schemas.microsoft.com/office/drawing/2010/main" val="0"/>
+              </a:ext>
+            </a:extLst>
+          </a:blip>
+          <a:stretch>
+            <a:fillRect/>
+          </a:stretch>
+        </p:blipFill>
+        <p:spPr>
+          <a:xfrm>
+            <a:off x="2679895" y="1690688"/>
+            <a:ext cx="6832209" cy="4345486"/>
+          </a:xfrm>
+        </p:spPr>
+      </p:pic>
+      <p:sp>
+        <p:nvSpPr>
+          <p:cNvPr id="6" name="TextBox 5"/>
+          <p:cNvSpPr txBox="1"/>
+          <p:nvPr/>
+        </p:nvSpPr>
+        <p:spPr>
+          <a:xfrm>
+            <a:off x="5475027" y="6036174"/>
+            <a:ext cx="1241943" cy="461665"/>
+          </a:xfrm>
+          <a:prstGeom prst="rect">
+            <a:avLst/>
+          </a:prstGeom>
+          <a:noFill/>
+        </p:spPr>
+        <p:txBody>
+          <a:bodyPr wrap="none" rtlCol="0">
+            <a:spAutoFit/>
+          </a:bodyPr>
+          <a:lstStyle/>
+          <a:p>
+            <a:r>
+              <a:rPr lang="uk-UA" sz="2400" dirty="0"/>
+              <a:t>Точність</a:t>
+            </a:r>
+            <a:endParaRPr lang="en-US" sz="2400" dirty="0"/>
+          </a:p>
+        </p:txBody>
+      </p:sp>
+      <p:sp>
+        <p:nvSpPr>
+          <p:cNvPr id="7" name="Slide Number Placeholder 6"/>
+          <p:cNvSpPr>
+            <a:spLocks noGrp="1"/>
+          </p:cNvSpPr>
+          <p:nvPr>
+            <p:ph type="sldNum" sz="quarter" idx="12"/>
+          </p:nvPr>
+        </p:nvSpPr>
+        <p:spPr/>
+        <p:txBody>
+          <a:bodyPr/>
+          <a:lstStyle/>
+          <a:p>
+            <a:fld id="{CA5C24F5-8CCA-4A68-8184-CA068DE5215A}" type="slidenum">
+              <a:rPr lang="en-US" smtClean="0"/>
+              <a:t>14</a:t>
+            </a:fld>
+            <a:r>
+              <a:rPr lang="en-US" dirty="0"/>
+              <a:t> / 18</a:t>
+            </a:r>
+          </a:p>
+        </p:txBody>
+      </p:sp>
+    </p:spTree>
+    <p:extLst>
+      <p:ext uri="{BB962C8B-B14F-4D97-AF65-F5344CB8AC3E}">
+        <p14:creationId xmlns:p14="http://schemas.microsoft.com/office/powerpoint/2010/main" val="22684547"/>
+      </p:ext>
+    </p:extLst>
+  </p:cSld>
+  <p:clrMapOvr>
+    <a:masterClrMapping/>
+  </p:clrMapOvr>
+  <mc:AlternateContent xmlns:mc="http://schemas.openxmlformats.org/markup-compatibility/2006" xmlns:p159="http://schemas.microsoft.com/office/powerpoint/2015/09/main">
+    <mc:Choice Requires="p159">
+      <p:transition xmlns:p14="http://schemas.microsoft.com/office/powerpoint/2010/main" spd="slow" p14:dur="2000">
+        <p159:morph option="byObject"/>
+      </p:transition>
+    </mc:Choice>
+    <mc:Fallback xmlns="">
+      <p:transition spd="slow">
+        <p:fade/>
+      </p:transition>
+    </mc:Fallback>
+  </mc:AlternateContent>
+</p:sld>
+</file>
+
+<file path=ppt/slides/slide15.xml><?xml version="1.0" encoding="utf-8"?>
+<p:sld xmlns:a="http://schemas.openxmlformats.org/drawingml/2006/main" xmlns:r="http://schemas.openxmlformats.org/officeDocument/2006/relationships" xmlns:p="http://schemas.openxmlformats.org/presentationml/2006/main">
+  <p:cSld>
+    <p:spTree>
+      <p:nvGrpSpPr>
+        <p:cNvPr id="1" name=""/>
+        <p:cNvGrpSpPr/>
+        <p:nvPr/>
+      </p:nvGrpSpPr>
+      <p:grpSpPr>
+        <a:xfrm>
+          <a:off x="0" y="0"/>
+          <a:ext cx="0" cy="0"/>
+          <a:chOff x="0" y="0"/>
+          <a:chExt cx="0" cy="0"/>
+        </a:xfrm>
+      </p:grpSpPr>
+      <p:sp>
+        <p:nvSpPr>
+          <p:cNvPr id="2" name="Title 1"/>
+          <p:cNvSpPr>
+            <a:spLocks noGrp="1"/>
+          </p:cNvSpPr>
+          <p:nvPr>
+            <p:ph type="title"/>
+          </p:nvPr>
+        </p:nvSpPr>
+        <p:spPr/>
+        <p:txBody>
+          <a:bodyPr/>
+          <a:lstStyle/>
+          <a:p>
+            <a:pPr algn="ctr"/>
+            <a:r>
+              <a:rPr lang="uk-UA" b="1" dirty="0"/>
+              <a:t>Практичні результати</a:t>
+            </a:r>
+            <a:endParaRPr lang="en-US" b="1" dirty="0"/>
+          </a:p>
+        </p:txBody>
+      </p:sp>
+      <p:pic>
+        <p:nvPicPr>
+          <p:cNvPr id="4" name="Content Placeholder 3"/>
+          <p:cNvPicPr>
+            <a:picLocks noGrp="1" noChangeAspect="1"/>
+          </p:cNvPicPr>
+          <p:nvPr>
+            <p:ph idx="1"/>
+          </p:nvPr>
+        </p:nvPicPr>
+        <p:blipFill>
+          <a:blip r:embed="rId2">
+            <a:extLst>
+              <a:ext uri="{28A0092B-C50C-407E-A947-70E740481C1C}">
+                <a14:useLocalDpi xmlns:a14="http://schemas.microsoft.com/office/drawing/2010/main" val="0"/>
+              </a:ext>
+            </a:extLst>
+          </a:blip>
+          <a:stretch>
+            <a:fillRect/>
+          </a:stretch>
+        </p:blipFill>
+        <p:spPr>
+          <a:xfrm>
+            <a:off x="838200" y="1690688"/>
+            <a:ext cx="5180952" cy="3295238"/>
+          </a:xfrm>
+        </p:spPr>
+      </p:pic>
+      <p:pic>
+        <p:nvPicPr>
+          <p:cNvPr id="6" name="Picture 5"/>
+          <p:cNvPicPr>
+            <a:picLocks noChangeAspect="1"/>
+          </p:cNvPicPr>
+          <p:nvPr/>
+        </p:nvPicPr>
+        <p:blipFill>
+          <a:blip r:embed="rId3">
+            <a:extLst>
+              <a:ext uri="{28A0092B-C50C-407E-A947-70E740481C1C}">
+                <a14:useLocalDpi xmlns:a14="http://schemas.microsoft.com/office/drawing/2010/main" val="0"/>
+              </a:ext>
+            </a:extLst>
+          </a:blip>
+          <a:stretch>
+            <a:fillRect/>
+          </a:stretch>
+        </p:blipFill>
+        <p:spPr>
+          <a:xfrm>
+            <a:off x="6249696" y="1690688"/>
+            <a:ext cx="5180952" cy="3295238"/>
+          </a:xfrm>
+          <a:prstGeom prst="rect">
+            <a:avLst/>
+          </a:prstGeom>
+        </p:spPr>
+      </p:pic>
+      <p:sp>
+        <p:nvSpPr>
+          <p:cNvPr id="7" name="TextBox 6"/>
+          <p:cNvSpPr txBox="1"/>
+          <p:nvPr/>
+        </p:nvSpPr>
+        <p:spPr>
+          <a:xfrm>
+            <a:off x="1205791" y="4985925"/>
+            <a:ext cx="4445769" cy="461665"/>
+          </a:xfrm>
+          <a:prstGeom prst="rect">
+            <a:avLst/>
+          </a:prstGeom>
+          <a:noFill/>
+        </p:spPr>
+        <p:txBody>
+          <a:bodyPr wrap="none" rtlCol="0">
+            <a:spAutoFit/>
+          </a:bodyPr>
+          <a:lstStyle/>
+          <a:p>
+            <a:r>
+              <a:rPr lang="uk-UA" sz="2400" dirty="0"/>
+              <a:t>Похибка справжніх повідомлень</a:t>
+            </a:r>
+            <a:endParaRPr lang="en-US" sz="2400" dirty="0"/>
+          </a:p>
+        </p:txBody>
+      </p:sp>
+      <p:sp>
+        <p:nvSpPr>
+          <p:cNvPr id="8" name="TextBox 7"/>
+          <p:cNvSpPr txBox="1"/>
+          <p:nvPr/>
+        </p:nvSpPr>
+        <p:spPr>
+          <a:xfrm>
+            <a:off x="7772636" y="4985925"/>
+            <a:ext cx="2135072" cy="461665"/>
+          </a:xfrm>
+          <a:prstGeom prst="rect">
+            <a:avLst/>
+          </a:prstGeom>
+          <a:noFill/>
+        </p:spPr>
+        <p:txBody>
+          <a:bodyPr wrap="none" rtlCol="0">
+            <a:spAutoFit/>
+          </a:bodyPr>
+          <a:lstStyle/>
+          <a:p>
+            <a:r>
+              <a:rPr lang="uk-UA" sz="2400" dirty="0"/>
+              <a:t>Похибка спаму</a:t>
+            </a:r>
+            <a:endParaRPr lang="en-US" sz="2400" dirty="0"/>
+          </a:p>
+        </p:txBody>
+      </p:sp>
+      <p:sp>
+        <p:nvSpPr>
+          <p:cNvPr id="9" name="Slide Number Placeholder 8"/>
+          <p:cNvSpPr>
+            <a:spLocks noGrp="1"/>
+          </p:cNvSpPr>
+          <p:nvPr>
+            <p:ph type="sldNum" sz="quarter" idx="12"/>
+          </p:nvPr>
+        </p:nvSpPr>
+        <p:spPr/>
+        <p:txBody>
+          <a:bodyPr/>
+          <a:lstStyle/>
+          <a:p>
+            <a:fld id="{CA5C24F5-8CCA-4A68-8184-CA068DE5215A}" type="slidenum">
+              <a:rPr lang="en-US" smtClean="0"/>
+              <a:t>15</a:t>
+            </a:fld>
+            <a:r>
+              <a:rPr lang="en-US" dirty="0"/>
+              <a:t> / 18</a:t>
+            </a:r>
+          </a:p>
+        </p:txBody>
+      </p:sp>
+    </p:spTree>
+    <p:extLst>
+      <p:ext uri="{BB962C8B-B14F-4D97-AF65-F5344CB8AC3E}">
+        <p14:creationId xmlns:p14="http://schemas.microsoft.com/office/powerpoint/2010/main" val="687357179"/>
+      </p:ext>
+    </p:extLst>
+  </p:cSld>
+  <p:clrMapOvr>
+    <a:masterClrMapping/>
+  </p:clrMapOvr>
+  <mc:AlternateContent xmlns:mc="http://schemas.openxmlformats.org/markup-compatibility/2006" xmlns:p159="http://schemas.microsoft.com/office/powerpoint/2015/09/main">
+    <mc:Choice Requires="p159">
+      <p:transition xmlns:p14="http://schemas.microsoft.com/office/powerpoint/2010/main" spd="slow" p14:dur="2000">
+        <p159:morph option="byObject"/>
+      </p:transition>
+    </mc:Choice>
+    <mc:Fallback xmlns="">
+      <p:transition spd="slow">
+        <p:fade/>
+      </p:transition>
+    </mc:Fallback>
+  </mc:AlternateContent>
+</p:sld>
+</file>
+
+<file path=ppt/slides/slide16.xml><?xml version="1.0" encoding="utf-8"?>
+<p:sld xmlns:a="http://schemas.openxmlformats.org/drawingml/2006/main" xmlns:r="http://schemas.openxmlformats.org/officeDocument/2006/relationships" xmlns:p="http://schemas.openxmlformats.org/presentationml/2006/main">
+  <p:cSld>
+    <p:spTree>
+      <p:nvGrpSpPr>
+        <p:cNvPr id="1" name=""/>
+        <p:cNvGrpSpPr/>
+        <p:nvPr/>
+      </p:nvGrpSpPr>
+      <p:grpSpPr>
+        <a:xfrm>
+          <a:off x="0" y="0"/>
+          <a:ext cx="0" cy="0"/>
+          <a:chOff x="0" y="0"/>
+          <a:chExt cx="0" cy="0"/>
+        </a:xfrm>
+      </p:grpSpPr>
+      <p:sp>
+        <p:nvSpPr>
+          <p:cNvPr id="2" name="Title 1"/>
+          <p:cNvSpPr>
+            <a:spLocks noGrp="1"/>
+          </p:cNvSpPr>
+          <p:nvPr>
+            <p:ph type="title"/>
+          </p:nvPr>
+        </p:nvSpPr>
+        <p:spPr/>
+        <p:txBody>
+          <a:bodyPr/>
+          <a:lstStyle/>
+          <a:p>
+            <a:pPr algn="ctr"/>
+            <a:r>
+              <a:rPr lang="uk-UA" b="1" dirty="0"/>
+              <a:t>Висновки</a:t>
+            </a:r>
+            <a:endParaRPr lang="en-US" b="1" dirty="0"/>
+          </a:p>
+        </p:txBody>
+      </p:sp>
+      <mc:AlternateContent xmlns:mc="http://schemas.openxmlformats.org/markup-compatibility/2006">
+        <mc:Choice xmlns:a14="http://schemas.microsoft.com/office/drawing/2010/main" Requires="a14">
+          <p:sp>
+            <p:nvSpPr>
+              <p:cNvPr id="3" name="Content Placeholder 2"/>
+              <p:cNvSpPr>
+                <a:spLocks noGrp="1"/>
+              </p:cNvSpPr>
+              <p:nvPr>
+                <p:ph idx="1"/>
+              </p:nvPr>
+            </p:nvSpPr>
+            <p:spPr>
+              <a:xfrm>
+                <a:off x="838200" y="1825625"/>
+                <a:ext cx="10515600" cy="4729920"/>
+              </a:xfrm>
+            </p:spPr>
+            <p:txBody>
+              <a:bodyPr>
+                <a:normAutofit/>
+              </a:bodyPr>
+              <a:lstStyle/>
+              <a:p>
+                <a:pPr algn="just"/>
+                <a:r>
+                  <a:rPr lang="uk-UA" sz="2800" dirty="0"/>
+                  <a:t>Відхилення прагматичного класифікатора присутні лише для значень </a:t>
+                </a:r>
+                <a14:m>
+                  <m:oMath xmlns:m="http://schemas.openxmlformats.org/officeDocument/2006/math">
+                    <m:r>
+                      <a:rPr lang="en-US">
+                        <a:latin typeface="Cambria Math" panose="02040503050406030204" pitchFamily="18" charset="0"/>
+                      </a:rPr>
+                      <m:t>5</m:t>
+                    </m:r>
+                    <m:r>
+                      <a:rPr lang="en-US" b="0" i="0" smtClean="0">
+                        <a:latin typeface="Cambria Math" panose="02040503050406030204" pitchFamily="18" charset="0"/>
+                      </a:rPr>
+                      <m:t>0&lt;</m:t>
+                    </m:r>
+                    <m:r>
+                      <a:rPr lang="en-US" sz="2800" b="0" i="1" smtClean="0">
+                        <a:latin typeface="Cambria Math" panose="02040503050406030204" pitchFamily="18" charset="0"/>
+                      </a:rPr>
+                      <m:t>𝑛</m:t>
+                    </m:r>
+                    <m:r>
+                      <a:rPr lang="en-US" sz="2800" b="0" i="1" smtClean="0">
+                        <a:latin typeface="Cambria Math" panose="02040503050406030204" pitchFamily="18" charset="0"/>
+                      </a:rPr>
+                      <m:t>&lt;1000</m:t>
+                    </m:r>
+                  </m:oMath>
+                </a14:m>
+                <a:r>
+                  <a:rPr lang="en-US" sz="2800" dirty="0"/>
+                  <a:t> </a:t>
+                </a:r>
+                <a:r>
+                  <a:rPr lang="uk-UA" sz="2800" dirty="0"/>
+                  <a:t>і не перевищують </a:t>
+                </a:r>
+                <a14:m>
+                  <m:oMath xmlns:m="http://schemas.openxmlformats.org/officeDocument/2006/math">
+                    <m:r>
+                      <a:rPr lang="en-US" sz="2800" b="0" i="1" smtClean="0">
+                        <a:latin typeface="Cambria Math" panose="02040503050406030204" pitchFamily="18" charset="0"/>
+                      </a:rPr>
+                      <m:t>2%</m:t>
+                    </m:r>
+                  </m:oMath>
+                </a14:m>
+                <a:endParaRPr lang="en-US" sz="2800" dirty="0"/>
+              </a:p>
+              <a:p>
+                <a:pPr algn="just"/>
+                <a:r>
+                  <a:rPr lang="uk-UA" dirty="0"/>
+                  <a:t>Прагматичний класифікатор зменшує похибку спаму за рахунок похибки справжніх повідомлень</a:t>
+                </a:r>
+              </a:p>
+              <a:p>
+                <a:pPr algn="just"/>
+                <a:r>
+                  <a:rPr lang="uk-UA" dirty="0"/>
+                  <a:t>Максимальна глибина пошуку в дереві сягає </a:t>
+                </a:r>
+                <a14:m>
+                  <m:oMath xmlns:m="http://schemas.openxmlformats.org/officeDocument/2006/math">
+                    <m:r>
+                      <a:rPr lang="en-US" b="0" i="1" smtClean="0">
+                        <a:latin typeface="Cambria Math" panose="02040503050406030204" pitchFamily="18" charset="0"/>
+                      </a:rPr>
+                      <m:t>35%</m:t>
+                    </m:r>
+                  </m:oMath>
+                </a14:m>
+                <a:r>
+                  <a:rPr lang="uk-UA" dirty="0"/>
+                  <a:t>, середня - </a:t>
+                </a:r>
+                <a14:m>
+                  <m:oMath xmlns:m="http://schemas.openxmlformats.org/officeDocument/2006/math">
+                    <m:r>
+                      <a:rPr lang="en-US" b="0" i="1" smtClean="0">
+                        <a:latin typeface="Cambria Math" panose="02040503050406030204" pitchFamily="18" charset="0"/>
+                      </a:rPr>
+                      <m:t>0,025%</m:t>
+                    </m:r>
+                  </m:oMath>
+                </a14:m>
+                <a:endParaRPr lang="uk-UA" dirty="0"/>
+              </a:p>
+              <a:p>
+                <a:pPr algn="just"/>
+                <a:r>
+                  <a:rPr lang="uk-UA" dirty="0"/>
+                  <a:t>Зміни порівняно з наївним класифікатором на практиці не варті підвищеної просторової складності тренування</a:t>
+                </a:r>
+              </a:p>
+              <a:p>
+                <a:pPr algn="just"/>
+                <a:r>
+                  <a:rPr lang="uk-UA" sz="2800" dirty="0"/>
+                  <a:t>Баєсівський класифікатор досягає максимальної точності при </a:t>
+                </a:r>
+                <a14:m>
+                  <m:oMath xmlns:m="http://schemas.openxmlformats.org/officeDocument/2006/math">
+                    <m:r>
+                      <a:rPr lang="en-US" sz="2800" b="0" i="1" smtClean="0">
+                        <a:latin typeface="Cambria Math" panose="02040503050406030204" pitchFamily="18" charset="0"/>
+                      </a:rPr>
+                      <m:t>𝑛</m:t>
+                    </m:r>
+                    <m:r>
+                      <a:rPr lang="en-US" sz="2800" b="0" i="1" smtClean="0">
+                        <a:latin typeface="Cambria Math" panose="02040503050406030204" pitchFamily="18" charset="0"/>
+                      </a:rPr>
+                      <m:t>=1000(4,6% слів</m:t>
+                    </m:r>
+                    <m:r>
+                      <a:rPr lang="uk-UA" sz="2800" b="0" i="1" smtClean="0">
+                        <a:latin typeface="Cambria Math" panose="02040503050406030204" pitchFamily="18" charset="0"/>
+                      </a:rPr>
+                      <m:t> в даному випадку)</m:t>
+                    </m:r>
+                  </m:oMath>
+                </a14:m>
+                <a:endParaRPr lang="uk-UA" sz="2800" dirty="0"/>
+              </a:p>
+            </p:txBody>
+          </p:sp>
+        </mc:Choice>
+        <mc:Fallback>
+          <p:sp>
+            <p:nvSpPr>
+              <p:cNvPr id="3" name="Content Placeholder 2"/>
+              <p:cNvSpPr>
+                <a:spLocks noGrp="1" noRot="1" noChangeAspect="1" noMove="1" noResize="1" noEditPoints="1" noAdjustHandles="1" noChangeArrowheads="1" noChangeShapeType="1" noTextEdit="1"/>
+              </p:cNvSpPr>
+              <p:nvPr>
+                <p:ph idx="1"/>
+              </p:nvPr>
+            </p:nvSpPr>
+            <p:spPr>
+              <a:xfrm>
+                <a:off x="838200" y="1825625"/>
+                <a:ext cx="10515600" cy="4729920"/>
+              </a:xfrm>
+              <a:blipFill>
+                <a:blip r:embed="rId2"/>
+                <a:stretch>
+                  <a:fillRect l="-1043" t="-2062" r="-1159"/>
+                </a:stretch>
+              </a:blipFill>
+            </p:spPr>
+            <p:txBody>
+              <a:bodyPr/>
+              <a:lstStyle/>
+              <a:p>
+                <a:r>
+                  <a:rPr lang="en-US">
+                    <a:noFill/>
+                  </a:rPr>
+                  <a:t> </a:t>
+                </a:r>
+              </a:p>
+            </p:txBody>
+          </p:sp>
+        </mc:Fallback>
+      </mc:AlternateContent>
+      <p:sp>
+        <p:nvSpPr>
+          <p:cNvPr id="4" name="Slide Number Placeholder 3"/>
+          <p:cNvSpPr>
+            <a:spLocks noGrp="1"/>
+          </p:cNvSpPr>
+          <p:nvPr>
+            <p:ph type="sldNum" sz="quarter" idx="12"/>
+          </p:nvPr>
+        </p:nvSpPr>
+        <p:spPr/>
+        <p:txBody>
+          <a:bodyPr/>
+          <a:lstStyle/>
+          <a:p>
+            <a:fld id="{CA5C24F5-8CCA-4A68-8184-CA068DE5215A}" type="slidenum">
+              <a:rPr lang="en-US" smtClean="0"/>
+              <a:t>16</a:t>
+            </a:fld>
+            <a:r>
+              <a:rPr lang="en-US" dirty="0"/>
+              <a:t> / 18</a:t>
+            </a:r>
+          </a:p>
+        </p:txBody>
+      </p:sp>
+    </p:spTree>
+    <p:extLst>
+      <p:ext uri="{BB962C8B-B14F-4D97-AF65-F5344CB8AC3E}">
+        <p14:creationId xmlns:p14="http://schemas.microsoft.com/office/powerpoint/2010/main" val="1681960025"/>
+      </p:ext>
+    </p:extLst>
+  </p:cSld>
+  <p:clrMapOvr>
+    <a:masterClrMapping/>
+  </p:clrMapOvr>
+  <mc:AlternateContent xmlns:mc="http://schemas.openxmlformats.org/markup-compatibility/2006" xmlns:p159="http://schemas.microsoft.com/office/powerpoint/2015/09/main">
+    <mc:Choice Requires="p159">
+      <p:transition xmlns:p14="http://schemas.microsoft.com/office/powerpoint/2010/main" spd="slow" p14:dur="2000">
+        <p159:morph option="byObject"/>
+      </p:transition>
+    </mc:Choice>
+    <mc:Fallback xmlns="">
+      <p:transition spd="slow">
+        <p:fade/>
+      </p:transition>
+    </mc:Fallback>
+  </mc:AlternateContent>
+</p:sld>
+</file>
+
+<file path=ppt/slides/slide17.xml><?xml version="1.0" encoding="utf-8"?>
+<p:sld xmlns:a="http://schemas.openxmlformats.org/drawingml/2006/main" xmlns:r="http://schemas.openxmlformats.org/officeDocument/2006/relationships" xmlns:p="http://schemas.openxmlformats.org/presentationml/2006/main">
+  <p:cSld>
+    <p:spTree>
+      <p:nvGrpSpPr>
+        <p:cNvPr id="1" name=""/>
+        <p:cNvGrpSpPr/>
+        <p:nvPr/>
+      </p:nvGrpSpPr>
+      <p:grpSpPr>
+        <a:xfrm>
+          <a:off x="0" y="0"/>
+          <a:ext cx="0" cy="0"/>
+          <a:chOff x="0" y="0"/>
+          <a:chExt cx="0" cy="0"/>
+        </a:xfrm>
+      </p:grpSpPr>
+      <p:sp>
+        <p:nvSpPr>
+          <p:cNvPr id="2" name="Title 1"/>
+          <p:cNvSpPr>
+            <a:spLocks noGrp="1"/>
+          </p:cNvSpPr>
+          <p:nvPr>
+            <p:ph type="title"/>
+          </p:nvPr>
+        </p:nvSpPr>
+        <p:spPr/>
+        <p:txBody>
+          <a:bodyPr/>
+          <a:lstStyle/>
+          <a:p>
+            <a:pPr algn="ctr"/>
+            <a:r>
+              <a:rPr lang="uk-UA" b="1" dirty="0"/>
+              <a:t>Перспективи</a:t>
+            </a:r>
+            <a:endParaRPr lang="en-US" b="1" dirty="0"/>
+          </a:p>
+        </p:txBody>
+      </p:sp>
+      <p:sp>
+        <p:nvSpPr>
+          <p:cNvPr id="3" name="Content Placeholder 2"/>
+          <p:cNvSpPr>
+            <a:spLocks noGrp="1"/>
+          </p:cNvSpPr>
+          <p:nvPr>
+            <p:ph idx="1"/>
+          </p:nvPr>
+        </p:nvSpPr>
+        <p:spPr>
+          <a:xfrm>
+            <a:off x="838200" y="1825625"/>
+            <a:ext cx="10515600" cy="4729920"/>
+          </a:xfrm>
+        </p:spPr>
+        <p:txBody>
+          <a:bodyPr>
+            <a:normAutofit/>
+          </a:bodyPr>
+          <a:lstStyle/>
+          <a:p>
+            <a:pPr algn="just"/>
+            <a:r>
+              <a:rPr lang="uk-UA" sz="2800" dirty="0"/>
+              <a:t>Попереднє сортування і відбір характеристик з максимальною мірою взаємної інформації дозволить розмістити важливіші характеристики першими, проте зменшить середню глибину пошуку в дереві</a:t>
+            </a:r>
+          </a:p>
+          <a:p>
+            <a:pPr algn="just"/>
+            <a:r>
+              <a:rPr lang="uk-UA" dirty="0"/>
+              <a:t>Попереднє сортування і відбір характеристик з мінімальною мірою взаємною інформації дозволить збільшити середню глибину пошуку в дереві, проте розмістить важливіші характеристики в кінець пошукових шляхів в дереві</a:t>
+            </a:r>
+          </a:p>
+          <a:p>
+            <a:pPr algn="just"/>
+            <a:r>
+              <a:rPr lang="en-US" sz="2800" dirty="0"/>
+              <a:t>Harry Zhang. The Optimality of Naïve Bayes</a:t>
+            </a:r>
+            <a:endParaRPr lang="uk-UA" sz="2800" dirty="0"/>
+          </a:p>
+        </p:txBody>
+      </p:sp>
+      <p:sp>
+        <p:nvSpPr>
+          <p:cNvPr id="4" name="Slide Number Placeholder 3"/>
+          <p:cNvSpPr>
+            <a:spLocks noGrp="1"/>
+          </p:cNvSpPr>
+          <p:nvPr>
+            <p:ph type="sldNum" sz="quarter" idx="12"/>
+          </p:nvPr>
+        </p:nvSpPr>
+        <p:spPr/>
+        <p:txBody>
+          <a:bodyPr/>
+          <a:lstStyle/>
+          <a:p>
+            <a:fld id="{CA5C24F5-8CCA-4A68-8184-CA068DE5215A}" type="slidenum">
+              <a:rPr lang="en-US" smtClean="0"/>
+              <a:t>17</a:t>
+            </a:fld>
+            <a:r>
+              <a:rPr lang="en-US" dirty="0"/>
+              <a:t> / 18</a:t>
+            </a:r>
+          </a:p>
+        </p:txBody>
+      </p:sp>
+    </p:spTree>
+    <p:extLst>
+      <p:ext uri="{BB962C8B-B14F-4D97-AF65-F5344CB8AC3E}">
+        <p14:creationId xmlns:p14="http://schemas.microsoft.com/office/powerpoint/2010/main" val="466827013"/>
+      </p:ext>
+    </p:extLst>
+  </p:cSld>
+  <p:clrMapOvr>
+    <a:masterClrMapping/>
+  </p:clrMapOvr>
+  <mc:AlternateContent xmlns:mc="http://schemas.openxmlformats.org/markup-compatibility/2006" xmlns:p159="http://schemas.microsoft.com/office/powerpoint/2015/09/main">
+    <mc:Choice Requires="p159">
+      <p:transition xmlns:p14="http://schemas.microsoft.com/office/powerpoint/2010/main" spd="slow" p14:dur="2000">
+        <p159:morph option="byObject"/>
+      </p:transition>
+    </mc:Choice>
+    <mc:Fallback xmlns="">
+      <p:transition spd="slow">
+        <p:fade/>
+      </p:transition>
+    </mc:Fallback>
+  </mc:AlternateContent>
+</p:sld>
+</file>
+
+<file path=ppt/slides/slide18.xml><?xml version="1.0" encoding="utf-8"?>
+<p:sld xmlns:a="http://schemas.openxmlformats.org/drawingml/2006/main" xmlns:r="http://schemas.openxmlformats.org/officeDocument/2006/relationships" xmlns:p="http://schemas.openxmlformats.org/presentationml/2006/main">
+  <p:cSld>
+    <p:spTree>
+      <p:nvGrpSpPr>
+        <p:cNvPr id="1" name=""/>
+        <p:cNvGrpSpPr/>
+        <p:nvPr/>
+      </p:nvGrpSpPr>
+      <p:grpSpPr>
+        <a:xfrm>
+          <a:off x="0" y="0"/>
+          <a:ext cx="0" cy="0"/>
+          <a:chOff x="0" y="0"/>
+          <a:chExt cx="0" cy="0"/>
+        </a:xfrm>
+      </p:grpSpPr>
+      <p:sp>
+        <p:nvSpPr>
+          <p:cNvPr id="2" name="Title 1"/>
+          <p:cNvSpPr>
+            <a:spLocks noGrp="1"/>
+          </p:cNvSpPr>
+          <p:nvPr>
+            <p:ph type="title"/>
+          </p:nvPr>
+        </p:nvSpPr>
+        <p:spPr/>
+        <p:txBody>
+          <a:bodyPr/>
+          <a:lstStyle/>
+          <a:p>
+            <a:pPr algn="ctr"/>
+            <a:r>
+              <a:rPr lang="uk-UA" b="1" dirty="0"/>
+              <a:t>Дякую за увагу!</a:t>
+            </a:r>
+            <a:endParaRPr lang="en-US" b="1" dirty="0"/>
+          </a:p>
+        </p:txBody>
+      </p:sp>
+      <p:sp>
+        <p:nvSpPr>
+          <p:cNvPr id="5" name="Slide Number Placeholder 4"/>
+          <p:cNvSpPr>
+            <a:spLocks noGrp="1"/>
+          </p:cNvSpPr>
+          <p:nvPr>
+            <p:ph type="sldNum" sz="quarter" idx="12"/>
+          </p:nvPr>
+        </p:nvSpPr>
+        <p:spPr/>
+        <p:txBody>
+          <a:bodyPr/>
+          <a:lstStyle/>
+          <a:p>
+            <a:fld id="{CA5C24F5-8CCA-4A68-8184-CA068DE5215A}" type="slidenum">
+              <a:rPr lang="en-US" smtClean="0"/>
+              <a:t>18</a:t>
+            </a:fld>
+            <a:r>
+              <a:rPr lang="en-US" dirty="0"/>
+              <a:t> / 18</a:t>
+            </a:r>
+          </a:p>
+        </p:txBody>
+      </p:sp>
+    </p:spTree>
+    <p:extLst>
+      <p:ext uri="{BB962C8B-B14F-4D97-AF65-F5344CB8AC3E}">
+        <p14:creationId xmlns:p14="http://schemas.microsoft.com/office/powerpoint/2010/main" val="1951909858"/>
+      </p:ext>
+    </p:extLst>
+  </p:cSld>
+  <p:clrMapOvr>
+    <a:masterClrMapping/>
+  </p:clrMapOvr>
+  <mc:AlternateContent xmlns:mc="http://schemas.openxmlformats.org/markup-compatibility/2006" xmlns:p159="http://schemas.microsoft.com/office/powerpoint/2015/09/main">
+    <mc:Choice Requires="p159">
+      <p:transition xmlns:p14="http://schemas.microsoft.com/office/powerpoint/2010/main" spd="slow" p14:dur="2000">
+        <p159:morph option="byObject"/>
+      </p:transition>
+    </mc:Choice>
+    <mc:Fallback xmlns="">
       <p:transition spd="slow">
         <p:fade/>
       </p:transition>
@@ -3506,7 +8370,7 @@
             <a:pPr algn="ctr"/>
             <a:r>
               <a:rPr lang="uk-UA" b="1" dirty="0"/>
-              <a:t>Предмет дослідження</a:t>
+              <a:t>Мотивація</a:t>
             </a:r>
             <a:endParaRPr lang="en-US" b="1" dirty="0"/>
           </a:p>
@@ -3529,25 +8393,52 @@
           </a:bodyPr>
           <a:lstStyle/>
           <a:p>
+            <a:pPr algn="just"/>
             <a:r>
               <a:rPr lang="uk-UA" sz="3200" dirty="0"/>
-              <a:t>Статистичні методи класифікації спаму в текстових повідомленнях</a:t>
-            </a:r>
-          </a:p>
-          <a:p>
+              <a:t>Незважаючи на ефективність статистичних методів розпізнавання спаму, на практиці віддають перевагу регулярним виразам, що редагуються вручну</a:t>
+            </a:r>
+          </a:p>
+          <a:p>
+            <a:pPr algn="just"/>
             <a:r>
               <a:rPr lang="uk-UA" sz="3200" dirty="0"/>
-              <a:t>Модифікації наївного </a:t>
-            </a:r>
-            <a:r>
-              <a:rPr lang="uk-UA" sz="3200" dirty="0" err="1"/>
-              <a:t>байєсівського</a:t>
-            </a:r>
+              <a:t>Причина – відсутність довіри до статистичних методів та гарантій якості класифікації</a:t>
+            </a:r>
+          </a:p>
+          <a:p>
+            <a:pPr algn="just"/>
             <a:r>
               <a:rPr lang="uk-UA" sz="3200" dirty="0"/>
-              <a:t> класифікатора</a:t>
+              <a:t>Ціль роботи – проаналізувати якість класифікації статистичних методів на прикладі наївного баєсівського алгоритму та позбутися необґрунтованого припущення про незалежність змінних</a:t>
             </a:r>
             <a:endParaRPr lang="en-US" sz="3200" dirty="0"/>
+          </a:p>
+        </p:txBody>
+      </p:sp>
+      <p:sp>
+        <p:nvSpPr>
+          <p:cNvPr id="4" name="Slide Number Placeholder 3"/>
+          <p:cNvSpPr>
+            <a:spLocks noGrp="1"/>
+          </p:cNvSpPr>
+          <p:nvPr>
+            <p:ph type="sldNum" sz="quarter" idx="12"/>
+          </p:nvPr>
+        </p:nvSpPr>
+        <p:spPr/>
+        <p:txBody>
+          <a:bodyPr/>
+          <a:lstStyle/>
+          <a:p>
+            <a:fld id="{CA5C24F5-8CCA-4A68-8184-CA068DE5215A}" type="slidenum">
+              <a:rPr lang="en-US" smtClean="0"/>
+              <a:t>2</a:t>
+            </a:fld>
+            <a:r>
+              <a:rPr lang="en-US" dirty="0"/>
+              <a:t> / 18</a:t>
+            </a:r>
           </a:p>
         </p:txBody>
       </p:sp>
@@ -3561,13 +8452,13 @@
   <p:clrMapOvr>
     <a:masterClrMapping/>
   </p:clrMapOvr>
-  <mc:AlternateContent xmlns:mc="http://schemas.openxmlformats.org/markup-compatibility/2006">
-    <mc:Choice xmlns:p159="http://schemas.microsoft.com/office/powerpoint/2015/09/main" Requires="p159">
+  <mc:AlternateContent xmlns:mc="http://schemas.openxmlformats.org/markup-compatibility/2006" xmlns:p159="http://schemas.microsoft.com/office/powerpoint/2015/09/main">
+    <mc:Choice Requires="p159">
       <p:transition xmlns:p14="http://schemas.microsoft.com/office/powerpoint/2010/main" spd="slow" p14:dur="2000">
         <p159:morph option="byObject"/>
       </p:transition>
     </mc:Choice>
-    <mc:Fallback>
+    <mc:Fallback xmlns="">
       <p:transition spd="slow">
         <p:fade/>
       </p:transition>
@@ -3611,15 +8502,7 @@
             <a:pPr algn="ctr"/>
             <a:r>
               <a:rPr lang="uk-UA" b="1" dirty="0"/>
-              <a:t>Простий </a:t>
-            </a:r>
-            <a:r>
-              <a:rPr lang="uk-UA" b="1" dirty="0" err="1"/>
-              <a:t>байєсівський</a:t>
-            </a:r>
-            <a:r>
-              <a:rPr lang="uk-UA" b="1" dirty="0"/>
-              <a:t> класифікатор</a:t>
+              <a:t>Позначення</a:t>
             </a:r>
             <a:endParaRPr lang="en-US" b="1" dirty="0"/>
           </a:p>
@@ -3637,225 +8520,183 @@
                 <p:ph idx="1"/>
               </p:nvPr>
             </p:nvSpPr>
-            <p:spPr/>
+            <p:spPr>
+              <a:xfrm>
+                <a:off x="838200" y="1825625"/>
+                <a:ext cx="10515600" cy="4701784"/>
+              </a:xfrm>
+            </p:spPr>
             <p:txBody>
               <a:bodyPr>
                 <a:normAutofit/>
               </a:bodyPr>
               <a:lstStyle/>
               <a:p>
-                <a:r>
-                  <a:rPr lang="uk-UA" sz="3200" dirty="0"/>
-                  <a:t>Для повідомлення </a:t>
-                </a:r>
+                <a:pPr algn="just"/>
+                <a14:m>
+                  <m:oMath xmlns:m="http://schemas.openxmlformats.org/officeDocument/2006/math">
+                    <m:r>
+                      <a:rPr lang="en-US" sz="3200" b="0" i="1" smtClean="0">
+                        <a:latin typeface="Cambria Math" panose="02040503050406030204" pitchFamily="18" charset="0"/>
+                      </a:rPr>
+                      <m:t>𝐿</m:t>
+                    </m:r>
+                  </m:oMath>
+                </a14:m>
                 <a:r>
                   <a:rPr lang="en-US" sz="3200" dirty="0"/>
-                  <a:t>x</a:t>
+                  <a:t> – </a:t>
                 </a:r>
                 <a:r>
                   <a:rPr lang="uk-UA" sz="3200" dirty="0"/>
-                  <a:t> за формулою </a:t>
+                  <a:t>множина справжніх повідомлень</a:t>
                 </a:r>
-                <a:r>
-                  <a:rPr lang="uk-UA" sz="3200" dirty="0" err="1"/>
-                  <a:t>Байєса</a:t>
-                </a:r>
-                <a:r>
-                  <a:rPr lang="uk-UA" sz="3200" dirty="0"/>
-                  <a:t> розраховується </a:t>
-                </a:r>
+                <a:endParaRPr lang="en-US" sz="3200" dirty="0"/>
+              </a:p>
+              <a:p>
+                <a:pPr algn="just"/>
                 <a14:m>
                   <m:oMath xmlns:m="http://schemas.openxmlformats.org/officeDocument/2006/math">
                     <m:r>
-                      <m:rPr>
-                        <m:sty m:val="p"/>
-                      </m:rPr>
-                      <a:rPr lang="en-US" sz="3200" i="0" dirty="0" smtClean="0">
+                      <a:rPr lang="en-US" sz="3200" b="0" i="1" smtClean="0">
                         <a:latin typeface="Cambria Math" panose="02040503050406030204" pitchFamily="18" charset="0"/>
                       </a:rPr>
-                      <m:t>P</m:t>
+                      <m:t>𝑆</m:t>
+                    </m:r>
+                  </m:oMath>
+                </a14:m>
+                <a:r>
+                  <a:rPr lang="uk-UA" sz="3200" b="0" dirty="0"/>
+                  <a:t> – множина спаму</a:t>
+                </a:r>
+                <a:endParaRPr lang="en-US" sz="3200" b="0" dirty="0"/>
+              </a:p>
+              <a:p>
+                <a:pPr algn="just"/>
+                <a14:m>
+                  <m:oMath xmlns:m="http://schemas.openxmlformats.org/officeDocument/2006/math">
+                    <m:r>
+                      <a:rPr lang="en-US" sz="3200" b="0" i="1" smtClean="0">
+                        <a:latin typeface="Cambria Math" panose="02040503050406030204" pitchFamily="18" charset="0"/>
+                      </a:rPr>
+                      <m:t>𝑐</m:t>
                     </m:r>
                     <m:r>
-                      <a:rPr lang="en-US" sz="3200" i="0" dirty="0" smtClean="0">
+                      <a:rPr lang="en-US" sz="3200" b="0" dirty="0" smtClean="0">
                         <a:latin typeface="Cambria Math" panose="02040503050406030204" pitchFamily="18" charset="0"/>
                       </a:rPr>
-                      <m:t>(</m:t>
+                      <m:t>∈</m:t>
+                    </m:r>
+                    <m:r>
+                      <a:rPr lang="en-US" sz="3200" b="0" i="0" dirty="0" smtClean="0">
+                        <a:latin typeface="Cambria Math" panose="02040503050406030204" pitchFamily="18" charset="0"/>
+                      </a:rPr>
+                      <m:t>{</m:t>
                     </m:r>
                     <m:r>
                       <m:rPr>
                         <m:sty m:val="p"/>
                       </m:rPr>
-                      <a:rPr lang="en-US" sz="3200" i="0" dirty="0" smtClean="0">
+                      <a:rPr lang="en-US" sz="3200" b="0" i="0" dirty="0" smtClean="0">
                         <a:latin typeface="Cambria Math" panose="02040503050406030204" pitchFamily="18" charset="0"/>
                       </a:rPr>
-                      <m:t>c</m:t>
+                      <m:t>L</m:t>
                     </m:r>
                     <m:r>
-                      <a:rPr lang="en-US" sz="3200" i="0" dirty="0" smtClean="0">
+                      <a:rPr lang="en-US" sz="3200" b="0" i="0" dirty="0" smtClean="0">
                         <a:latin typeface="Cambria Math" panose="02040503050406030204" pitchFamily="18" charset="0"/>
                       </a:rPr>
-                      <m:t> | </m:t>
+                      <m:t>, </m:t>
                     </m:r>
                     <m:r>
                       <m:rPr>
                         <m:sty m:val="p"/>
                       </m:rPr>
-                      <a:rPr lang="en-US" sz="3200" i="0" dirty="0" smtClean="0">
+                      <a:rPr lang="en-US" sz="3200" b="0" i="0" dirty="0" smtClean="0">
                         <a:latin typeface="Cambria Math" panose="02040503050406030204" pitchFamily="18" charset="0"/>
                       </a:rPr>
-                      <m:t>x</m:t>
+                      <m:t>S</m:t>
                     </m:r>
                     <m:r>
-                      <a:rPr lang="en-US" sz="3200" i="0" dirty="0" smtClean="0">
+                      <a:rPr lang="en-US" sz="3200" b="0" i="0" dirty="0" smtClean="0">
                         <a:latin typeface="Cambria Math" panose="02040503050406030204" pitchFamily="18" charset="0"/>
                       </a:rPr>
-                      <m:t>)</m:t>
+                      <m:t>}</m:t>
                     </m:r>
                   </m:oMath>
                 </a14:m>
-                <a:endParaRPr lang="en-US" sz="3200" dirty="0"/>
+                <a:r>
+                  <a:rPr lang="en-US" sz="3200" b="0" dirty="0"/>
+                  <a:t> – </a:t>
+                </a:r>
+                <a:r>
+                  <a:rPr lang="uk-UA" sz="3200" b="0" dirty="0"/>
+                  <a:t>змінна класу повідомлень</a:t>
+                </a:r>
+                <a:endParaRPr lang="en-US" sz="3200" b="0" dirty="0"/>
               </a:p>
               <a:p>
-                <a:endParaRPr lang="en-US" sz="3200" dirty="0"/>
-              </a:p>
-              <a:p>
-                <a:endParaRPr lang="en-US" sz="3200" dirty="0"/>
-              </a:p>
-              <a:p>
-                <a:endParaRPr lang="en-US" sz="3200" dirty="0"/>
-              </a:p>
-              <a:p>
-                <a:r>
-                  <a:rPr lang="uk-UA" sz="3200" dirty="0"/>
-                  <a:t>Задача зводиться до обчислення </a:t>
-                </a:r>
+                <a:pPr algn="just"/>
                 <a14:m>
                   <m:oMath xmlns:m="http://schemas.openxmlformats.org/officeDocument/2006/math">
                     <m:r>
-                      <m:rPr>
-                        <m:sty m:val="p"/>
-                      </m:rPr>
-                      <a:rPr lang="en-US" sz="3200" i="0" dirty="0" smtClean="0">
+                      <a:rPr lang="en-US" sz="3200" b="0" i="1" smtClean="0">
                         <a:latin typeface="Cambria Math" panose="02040503050406030204" pitchFamily="18" charset="0"/>
                       </a:rPr>
-                      <m:t>P</m:t>
-                    </m:r>
-                    <m:r>
-                      <a:rPr lang="en-US" sz="3200" i="0" dirty="0" smtClean="0">
-                        <a:latin typeface="Cambria Math" panose="02040503050406030204" pitchFamily="18" charset="0"/>
-                      </a:rPr>
-                      <m:t>(</m:t>
-                    </m:r>
-                    <m:r>
-                      <m:rPr>
-                        <m:sty m:val="p"/>
-                      </m:rPr>
-                      <a:rPr lang="en-US" sz="3200" i="0" dirty="0" smtClean="0">
-                        <a:latin typeface="Cambria Math" panose="02040503050406030204" pitchFamily="18" charset="0"/>
-                      </a:rPr>
-                      <m:t>L</m:t>
-                    </m:r>
-                    <m:r>
-                      <a:rPr lang="en-US" sz="3200" i="0" dirty="0" smtClean="0">
-                        <a:latin typeface="Cambria Math" panose="02040503050406030204" pitchFamily="18" charset="0"/>
-                      </a:rPr>
-                      <m:t> | </m:t>
-                    </m:r>
-                    <m:r>
-                      <m:rPr>
-                        <m:sty m:val="p"/>
-                      </m:rPr>
-                      <a:rPr lang="en-US" sz="3200" i="0" dirty="0" smtClean="0">
-                        <a:latin typeface="Cambria Math" panose="02040503050406030204" pitchFamily="18" charset="0"/>
-                      </a:rPr>
-                      <m:t>x</m:t>
-                    </m:r>
-                    <m:r>
-                      <a:rPr lang="en-US" sz="3200" i="0" dirty="0" smtClean="0">
-                        <a:latin typeface="Cambria Math" panose="02040503050406030204" pitchFamily="18" charset="0"/>
-                      </a:rPr>
-                      <m:t>)</m:t>
+                      <m:t>𝑛</m:t>
                     </m:r>
                   </m:oMath>
                 </a14:m>
                 <a:r>
                   <a:rPr lang="en-US" sz="3200" dirty="0"/>
-                  <a:t> </a:t>
+                  <a:t> – </a:t>
                 </a:r>
                 <a:r>
                   <a:rPr lang="uk-UA" sz="3200" dirty="0"/>
-                  <a:t>та </a:t>
-                </a:r>
-                <a14:m>
-                  <m:oMath xmlns:m="http://schemas.openxmlformats.org/officeDocument/2006/math">
-                    <m:r>
-                      <m:rPr>
-                        <m:sty m:val="p"/>
-                      </m:rPr>
-                      <a:rPr lang="en-US" sz="3200" i="0" dirty="0" smtClean="0">
-                        <a:latin typeface="Cambria Math" panose="02040503050406030204" pitchFamily="18" charset="0"/>
-                      </a:rPr>
-                      <m:t>P</m:t>
-                    </m:r>
-                    <m:r>
-                      <a:rPr lang="en-US" sz="3200" i="0" dirty="0" smtClean="0">
-                        <a:latin typeface="Cambria Math" panose="02040503050406030204" pitchFamily="18" charset="0"/>
-                      </a:rPr>
-                      <m:t>(</m:t>
-                    </m:r>
-                    <m:r>
-                      <m:rPr>
-                        <m:sty m:val="p"/>
-                      </m:rPr>
-                      <a:rPr lang="en-US" sz="3200" i="0" dirty="0" smtClean="0">
-                        <a:latin typeface="Cambria Math" panose="02040503050406030204" pitchFamily="18" charset="0"/>
-                      </a:rPr>
-                      <m:t>S</m:t>
-                    </m:r>
-                    <m:r>
-                      <a:rPr lang="en-US" sz="3200" i="0" dirty="0" smtClean="0">
-                        <a:latin typeface="Cambria Math" panose="02040503050406030204" pitchFamily="18" charset="0"/>
-                      </a:rPr>
-                      <m:t> | </m:t>
-                    </m:r>
-                    <m:r>
-                      <m:rPr>
-                        <m:sty m:val="p"/>
-                      </m:rPr>
-                      <a:rPr lang="en-US" sz="3200" i="0" dirty="0" smtClean="0">
-                        <a:latin typeface="Cambria Math" panose="02040503050406030204" pitchFamily="18" charset="0"/>
-                      </a:rPr>
-                      <m:t>x</m:t>
-                    </m:r>
-                    <m:r>
-                      <a:rPr lang="en-US" sz="3200" i="0" dirty="0" smtClean="0">
-                        <a:latin typeface="Cambria Math" panose="02040503050406030204" pitchFamily="18" charset="0"/>
-                      </a:rPr>
-                      <m:t>)</m:t>
-                    </m:r>
-                  </m:oMath>
-                </a14:m>
-                <a:endParaRPr lang="uk-UA" sz="3200" dirty="0"/>
-              </a:p>
-              <a:p>
-                <a:r>
-                  <a:rPr lang="uk-UA" sz="3200" dirty="0"/>
-                  <a:t>З точки зору мінімізації ризику </a:t>
-                </a:r>
-                <a:r>
-                  <a:rPr lang="uk-UA" sz="3200" dirty="0" err="1"/>
-                  <a:t>байєсівський</a:t>
-                </a:r>
-                <a:r>
-                  <a:rPr lang="uk-UA" sz="3200" dirty="0"/>
-                  <a:t> класифікатор є оптимальним</a:t>
+                  <a:t>кількість характеристик</a:t>
                 </a:r>
                 <a:endParaRPr lang="en-US" sz="3200" dirty="0"/>
               </a:p>
               <a:p>
+                <a:pPr algn="just"/>
+                <a14:m>
+                  <m:oMath xmlns:m="http://schemas.openxmlformats.org/officeDocument/2006/math">
+                    <m:r>
+                      <a:rPr lang="en-US" sz="3200" b="0" i="1" smtClean="0">
+                        <a:latin typeface="Cambria Math" panose="02040503050406030204" pitchFamily="18" charset="0"/>
+                      </a:rPr>
+                      <m:t>𝑘</m:t>
+                    </m:r>
+                  </m:oMath>
+                </a14:m>
+                <a:r>
+                  <a:rPr lang="en-US" sz="3200" dirty="0"/>
+                  <a:t> – </a:t>
+                </a:r>
+                <a:r>
+                  <a:rPr lang="uk-UA" sz="3200" dirty="0"/>
+                  <a:t>кількість тренувальних повідомлень</a:t>
+                </a:r>
+                <a:endParaRPr lang="en-US" sz="3200" dirty="0"/>
+              </a:p>
+              <a:p>
+                <a:pPr algn="just"/>
+                <a:endParaRPr lang="en-US" sz="3200" dirty="0"/>
+              </a:p>
+              <a:p>
+                <a:pPr marL="0" indent="0" algn="just">
+                  <a:buNone/>
+                </a:pPr>
+                <a:endParaRPr lang="en-US" sz="3200" b="0" i="1" dirty="0">
+                  <a:latin typeface="Cambria Math" panose="02040503050406030204" pitchFamily="18" charset="0"/>
+                </a:endParaRPr>
+              </a:p>
+              <a:p>
+                <a:pPr algn="just"/>
                 <a:endParaRPr lang="uk-UA" sz="3200" dirty="0"/>
               </a:p>
               <a:p>
+                <a:pPr algn="just"/>
                 <a:endParaRPr lang="en-US" sz="3200" dirty="0"/>
               </a:p>
             </p:txBody>
@@ -3873,10 +8714,14 @@
               </p:nvPr>
             </p:nvSpPr>
             <p:spPr>
+              <a:xfrm>
+                <a:off x="838200" y="1825625"/>
+                <a:ext cx="10515600" cy="4701784"/>
+              </a:xfrm>
               <a:blipFill>
                 <a:blip r:embed="rId3"/>
                 <a:stretch>
-                  <a:fillRect l="-1333" t="-2941" r="-1913" b="-2101"/>
+                  <a:fillRect t="-2591"/>
                 </a:stretch>
               </a:blipFill>
             </p:spPr>
@@ -3895,30 +8740,32 @@
           </p:sp>
         </mc:Fallback>
       </mc:AlternateContent>
-      <p:pic>
-        <p:nvPicPr>
-          <p:cNvPr id="4" name="Picture 3"/>
-          <p:cNvPicPr>
-            <a:picLocks noChangeAspect="1"/>
-          </p:cNvPicPr>
-          <p:nvPr/>
-        </p:nvPicPr>
-        <p:blipFill>
-          <a:blip r:embed="rId4"/>
-          <a:stretch>
-            <a:fillRect/>
-          </a:stretch>
-        </p:blipFill>
-        <p:spPr>
-          <a:xfrm>
-            <a:off x="725008" y="2752139"/>
-            <a:ext cx="10741984" cy="1524440"/>
-          </a:xfrm>
-          <a:prstGeom prst="rect">
-            <a:avLst/>
-          </a:prstGeom>
-        </p:spPr>
-      </p:pic>
+      <p:sp>
+        <p:nvSpPr>
+          <p:cNvPr id="5" name="Slide Number Placeholder 4"/>
+          <p:cNvSpPr>
+            <a:spLocks noGrp="1"/>
+          </p:cNvSpPr>
+          <p:nvPr>
+            <p:ph type="sldNum" sz="quarter" idx="12"/>
+          </p:nvPr>
+        </p:nvSpPr>
+        <p:spPr/>
+        <p:txBody>
+          <a:bodyPr/>
+          <a:lstStyle/>
+          <a:p>
+            <a:fld id="{CA5C24F5-8CCA-4A68-8184-CA068DE5215A}" type="slidenum">
+              <a:rPr lang="en-US" smtClean="0"/>
+              <a:t>3</a:t>
+            </a:fld>
+            <a:r>
+              <a:rPr lang="en-US" dirty="0"/>
+              <a:t> / 18</a:t>
+            </a:r>
+          </a:p>
+        </p:txBody>
+      </p:sp>
     </p:spTree>
     <p:extLst>
       <p:ext uri="{BB962C8B-B14F-4D97-AF65-F5344CB8AC3E}">
@@ -3929,13 +8776,13 @@
   <p:clrMapOvr>
     <a:masterClrMapping/>
   </p:clrMapOvr>
-  <mc:AlternateContent xmlns:mc="http://schemas.openxmlformats.org/markup-compatibility/2006">
-    <mc:Choice xmlns:p159="http://schemas.microsoft.com/office/powerpoint/2015/09/main" Requires="p159">
+  <mc:AlternateContent xmlns:mc="http://schemas.openxmlformats.org/markup-compatibility/2006" xmlns:p159="http://schemas.microsoft.com/office/powerpoint/2015/09/main">
+    <mc:Choice Requires="p159">
       <p:transition xmlns:p14="http://schemas.microsoft.com/office/powerpoint/2010/main" spd="slow" p14:dur="2000">
         <p159:morph option="byObject"/>
       </p:transition>
     </mc:Choice>
-    <mc:Fallback>
+    <mc:Fallback xmlns="">
       <p:transition spd="slow">
         <p:fade/>
       </p:transition>
@@ -3979,15 +8826,7 @@
             <a:pPr algn="ctr"/>
             <a:r>
               <a:rPr lang="uk-UA" b="1" dirty="0"/>
-              <a:t>Наївний </a:t>
-            </a:r>
-            <a:r>
-              <a:rPr lang="uk-UA" b="1" dirty="0" err="1"/>
-              <a:t>байєсівський</a:t>
-            </a:r>
-            <a:r>
-              <a:rPr lang="uk-UA" b="1" dirty="0"/>
-              <a:t> класифікатор</a:t>
+              <a:t>Баєсівський класифікатор</a:t>
             </a:r>
             <a:endParaRPr lang="en-US" b="1" dirty="0"/>
           </a:p>
@@ -4005,56 +8844,75 @@
                 <p:ph idx="1"/>
               </p:nvPr>
             </p:nvSpPr>
-            <p:spPr/>
+            <p:spPr>
+              <a:xfrm>
+                <a:off x="838200" y="1825625"/>
+                <a:ext cx="10515600" cy="4701784"/>
+              </a:xfrm>
+            </p:spPr>
             <p:txBody>
               <a:bodyPr>
-                <a:normAutofit/>
+                <a:normAutofit lnSpcReduction="10000"/>
               </a:bodyPr>
               <a:lstStyle/>
               <a:p>
+                <a:pPr algn="just"/>
                 <a:r>
                   <a:rPr lang="uk-UA" sz="3200" dirty="0"/>
-                  <a:t>Кожному повідомленню відповідає </a:t>
+                  <a:t>Для повідомлення </a:t>
                 </a:r>
-                <a:r>
-                  <a:rPr lang="uk-UA" sz="3200" dirty="0" err="1"/>
-                  <a:t>бульовий</a:t>
-                </a:r>
+                <a14:m>
+                  <m:oMath xmlns:m="http://schemas.openxmlformats.org/officeDocument/2006/math">
+                    <m:r>
+                      <a:rPr lang="en-US" sz="3200" i="1" dirty="0" smtClean="0">
+                        <a:latin typeface="Cambria Math" panose="02040503050406030204" pitchFamily="18" charset="0"/>
+                      </a:rPr>
+                      <m:t>𝑥</m:t>
+                    </m:r>
+                  </m:oMath>
+                </a14:m>
                 <a:r>
                   <a:rPr lang="uk-UA" sz="3200" dirty="0"/>
-                  <a:t> вектор</a:t>
+                  <a:t> за формулою Баєса розраховується</a:t>
                 </a:r>
-                <a:r>
-                  <a:rPr lang="en-US" sz="3200" dirty="0"/>
-                  <a:t> (</a:t>
-                </a:r>
-                <a:r>
-                  <a:rPr lang="uk-UA" sz="3200" dirty="0"/>
-                  <a:t>так званий </a:t>
-                </a:r>
-                <a:r>
-                  <a:rPr lang="en-US" sz="3200" dirty="0"/>
-                  <a:t>feature vector)</a:t>
-                </a:r>
-              </a:p>
-              <a:p>
                 <a:endParaRPr lang="en-US" sz="3200" dirty="0"/>
               </a:p>
               <a:p>
-                <a:r>
-                  <a:rPr lang="uk-UA" sz="3200" dirty="0"/>
-                  <a:t>Для кожного </a:t>
-                </a:r>
+                <a:pPr marL="0" indent="0" algn="just">
+                  <a:buNone/>
+                </a:pPr>
+                <a:endParaRPr lang="en-US" sz="3200" b="0" i="1" dirty="0">
+                  <a:latin typeface="Cambria Math" panose="02040503050406030204" pitchFamily="18" charset="0"/>
+                </a:endParaRPr>
+              </a:p>
+              <a:p>
+                <a:pPr marL="0" indent="0" algn="just">
+                  <a:buNone/>
+                </a:pPr>
                 <a14:m>
                   <m:oMath xmlns:m="http://schemas.openxmlformats.org/officeDocument/2006/math">
-                    <m:sSub>
-                      <m:sSubPr>
+                    <m:r>
+                      <a:rPr lang="en-US" sz="3200" b="0" i="1" smtClean="0">
+                        <a:latin typeface="Cambria Math" panose="02040503050406030204" pitchFamily="18" charset="0"/>
+                      </a:rPr>
+                      <m:t>𝑃</m:t>
+                    </m:r>
+                    <m:d>
+                      <m:dPr>
                         <m:ctrlPr>
-                          <a:rPr lang="en-US" sz="3200" i="1" smtClean="0">
+                          <a:rPr lang="en-US" sz="3200" b="0" i="1" smtClean="0">
                             <a:latin typeface="Cambria Math" panose="02040503050406030204" pitchFamily="18" charset="0"/>
                           </a:rPr>
                         </m:ctrlPr>
-                      </m:sSubPr>
+                      </m:dPr>
+                      <m:e>
+                        <m:r>
+                          <a:rPr lang="en-US" sz="3200" b="0" i="1" smtClean="0">
+                            <a:latin typeface="Cambria Math" panose="02040503050406030204" pitchFamily="18" charset="0"/>
+                          </a:rPr>
+                          <m:t>𝑐</m:t>
+                        </m:r>
+                      </m:e>
                       <m:e>
                         <m:r>
                           <a:rPr lang="en-US" sz="3200" b="0" i="1" smtClean="0">
@@ -4063,23 +8921,703 @@
                           <m:t>𝑥</m:t>
                         </m:r>
                       </m:e>
-                      <m:sub>
+                    </m:d>
+                    <m:r>
+                      <a:rPr lang="en-US" sz="3200" b="0" i="1" smtClean="0">
+                        <a:latin typeface="Cambria Math" panose="02040503050406030204" pitchFamily="18" charset="0"/>
+                      </a:rPr>
+                      <m:t>=</m:t>
+                    </m:r>
+                    <m:f>
+                      <m:fPr>
+                        <m:ctrlPr>
+                          <a:rPr lang="en-US" sz="3200" b="0" i="1" smtClean="0">
+                            <a:latin typeface="Cambria Math" panose="02040503050406030204" pitchFamily="18" charset="0"/>
+                          </a:rPr>
+                        </m:ctrlPr>
+                      </m:fPr>
+                      <m:num>
                         <m:r>
                           <a:rPr lang="en-US" sz="3200" b="0" i="1" smtClean="0">
                             <a:latin typeface="Cambria Math" panose="02040503050406030204" pitchFamily="18" charset="0"/>
                           </a:rPr>
-                          <m:t>𝑖</m:t>
+                          <m:t>𝑃</m:t>
                         </m:r>
-                      </m:sub>
-                    </m:sSub>
+                        <m:r>
+                          <a:rPr lang="en-US" sz="3200" b="0" i="1" smtClean="0">
+                            <a:latin typeface="Cambria Math" panose="02040503050406030204" pitchFamily="18" charset="0"/>
+                          </a:rPr>
+                          <m:t>(</m:t>
+                        </m:r>
+                        <m:r>
+                          <a:rPr lang="en-US" sz="3200" b="0" i="1" smtClean="0">
+                            <a:latin typeface="Cambria Math" panose="02040503050406030204" pitchFamily="18" charset="0"/>
+                          </a:rPr>
+                          <m:t>𝑥</m:t>
+                        </m:r>
+                        <m:r>
+                          <a:rPr lang="en-US" sz="3200" b="0" i="1" smtClean="0">
+                            <a:latin typeface="Cambria Math" panose="02040503050406030204" pitchFamily="18" charset="0"/>
+                          </a:rPr>
+                          <m:t>|</m:t>
+                        </m:r>
+                        <m:r>
+                          <a:rPr lang="en-US" sz="3200" b="0" i="1" smtClean="0">
+                            <a:latin typeface="Cambria Math" panose="02040503050406030204" pitchFamily="18" charset="0"/>
+                          </a:rPr>
+                          <m:t>𝑐</m:t>
+                        </m:r>
+                        <m:r>
+                          <a:rPr lang="en-US" sz="3200" b="0" i="1" smtClean="0">
+                            <a:latin typeface="Cambria Math" panose="02040503050406030204" pitchFamily="18" charset="0"/>
+                          </a:rPr>
+                          <m:t>)</m:t>
+                        </m:r>
+                        <m:r>
+                          <a:rPr lang="en-US" sz="3200" b="0" i="1" smtClean="0">
+                            <a:latin typeface="Cambria Math" panose="02040503050406030204" pitchFamily="18" charset="0"/>
+                          </a:rPr>
+                          <m:t>𝑃</m:t>
+                        </m:r>
+                        <m:r>
+                          <a:rPr lang="en-US" sz="3200" b="0" i="1" smtClean="0">
+                            <a:latin typeface="Cambria Math" panose="02040503050406030204" pitchFamily="18" charset="0"/>
+                          </a:rPr>
+                          <m:t>(</m:t>
+                        </m:r>
+                        <m:r>
+                          <a:rPr lang="en-US" sz="3200" b="0" i="1" smtClean="0">
+                            <a:latin typeface="Cambria Math" panose="02040503050406030204" pitchFamily="18" charset="0"/>
+                          </a:rPr>
+                          <m:t>𝑐</m:t>
+                        </m:r>
+                        <m:r>
+                          <a:rPr lang="en-US" sz="3200" b="0" i="1" smtClean="0">
+                            <a:latin typeface="Cambria Math" panose="02040503050406030204" pitchFamily="18" charset="0"/>
+                          </a:rPr>
+                          <m:t>)</m:t>
+                        </m:r>
+                      </m:num>
+                      <m:den>
+                        <m:r>
+                          <a:rPr lang="en-US" sz="3200" b="0" i="1" smtClean="0">
+                            <a:latin typeface="Cambria Math" panose="02040503050406030204" pitchFamily="18" charset="0"/>
+                          </a:rPr>
+                          <m:t>𝑃</m:t>
+                        </m:r>
+                        <m:r>
+                          <a:rPr lang="en-US" sz="3200" b="0" i="1" smtClean="0">
+                            <a:latin typeface="Cambria Math" panose="02040503050406030204" pitchFamily="18" charset="0"/>
+                          </a:rPr>
+                          <m:t>(</m:t>
+                        </m:r>
+                        <m:r>
+                          <a:rPr lang="en-US" sz="3200" b="0" i="1" smtClean="0">
+                            <a:latin typeface="Cambria Math" panose="02040503050406030204" pitchFamily="18" charset="0"/>
+                          </a:rPr>
+                          <m:t>𝑥</m:t>
+                        </m:r>
+                        <m:r>
+                          <a:rPr lang="en-US" sz="3200" b="0" i="1" smtClean="0">
+                            <a:latin typeface="Cambria Math" panose="02040503050406030204" pitchFamily="18" charset="0"/>
+                          </a:rPr>
+                          <m:t>)</m:t>
+                        </m:r>
+                      </m:den>
+                    </m:f>
+                    <m:r>
+                      <a:rPr lang="en-US" sz="3200" b="0" i="1" smtClean="0">
+                        <a:latin typeface="Cambria Math" panose="02040503050406030204" pitchFamily="18" charset="0"/>
+                      </a:rPr>
+                      <m:t>=</m:t>
+                    </m:r>
+                    <m:f>
+                      <m:fPr>
+                        <m:ctrlPr>
+                          <a:rPr lang="en-US" sz="3200" b="0" i="1" smtClean="0">
+                            <a:latin typeface="Cambria Math" panose="02040503050406030204" pitchFamily="18" charset="0"/>
+                          </a:rPr>
+                        </m:ctrlPr>
+                      </m:fPr>
+                      <m:num>
+                        <m:r>
+                          <a:rPr lang="en-US" sz="3200" b="0" i="1" smtClean="0">
+                            <a:solidFill>
+                              <a:srgbClr val="C00000"/>
+                            </a:solidFill>
+                            <a:latin typeface="Cambria Math" panose="02040503050406030204" pitchFamily="18" charset="0"/>
+                          </a:rPr>
+                          <m:t>𝑃</m:t>
+                        </m:r>
+                        <m:r>
+                          <a:rPr lang="en-US" sz="3200" b="0" i="1" smtClean="0">
+                            <a:solidFill>
+                              <a:srgbClr val="C00000"/>
+                            </a:solidFill>
+                            <a:latin typeface="Cambria Math" panose="02040503050406030204" pitchFamily="18" charset="0"/>
+                          </a:rPr>
+                          <m:t>(</m:t>
+                        </m:r>
+                        <m:r>
+                          <a:rPr lang="en-US" sz="3200" b="0" i="1" smtClean="0">
+                            <a:solidFill>
+                              <a:srgbClr val="C00000"/>
+                            </a:solidFill>
+                            <a:latin typeface="Cambria Math" panose="02040503050406030204" pitchFamily="18" charset="0"/>
+                          </a:rPr>
+                          <m:t>𝑥</m:t>
+                        </m:r>
+                        <m:r>
+                          <a:rPr lang="en-US" sz="3200" b="0" i="1" smtClean="0">
+                            <a:solidFill>
+                              <a:srgbClr val="C00000"/>
+                            </a:solidFill>
+                            <a:latin typeface="Cambria Math" panose="02040503050406030204" pitchFamily="18" charset="0"/>
+                          </a:rPr>
+                          <m:t>|</m:t>
+                        </m:r>
+                        <m:r>
+                          <a:rPr lang="en-US" sz="3200" b="0" i="1" smtClean="0">
+                            <a:solidFill>
+                              <a:srgbClr val="C00000"/>
+                            </a:solidFill>
+                            <a:latin typeface="Cambria Math" panose="02040503050406030204" pitchFamily="18" charset="0"/>
+                          </a:rPr>
+                          <m:t>𝑐</m:t>
+                        </m:r>
+                        <m:r>
+                          <a:rPr lang="en-US" sz="3200" b="0" i="1" smtClean="0">
+                            <a:solidFill>
+                              <a:srgbClr val="C00000"/>
+                            </a:solidFill>
+                            <a:latin typeface="Cambria Math" panose="02040503050406030204" pitchFamily="18" charset="0"/>
+                          </a:rPr>
+                          <m:t>)</m:t>
+                        </m:r>
+                        <m:r>
+                          <a:rPr lang="en-US" sz="3200" b="0" i="1" smtClean="0">
+                            <a:solidFill>
+                              <a:schemeClr val="tx1"/>
+                            </a:solidFill>
+                            <a:latin typeface="Cambria Math" panose="02040503050406030204" pitchFamily="18" charset="0"/>
+                          </a:rPr>
+                          <m:t>𝑃</m:t>
+                        </m:r>
+                        <m:r>
+                          <a:rPr lang="en-US" sz="3200" b="0" i="1" smtClean="0">
+                            <a:solidFill>
+                              <a:schemeClr val="tx1"/>
+                            </a:solidFill>
+                            <a:latin typeface="Cambria Math" panose="02040503050406030204" pitchFamily="18" charset="0"/>
+                          </a:rPr>
+                          <m:t>(</m:t>
+                        </m:r>
+                        <m:r>
+                          <a:rPr lang="en-US" sz="3200" b="0" i="1" smtClean="0">
+                            <a:solidFill>
+                              <a:schemeClr val="tx1"/>
+                            </a:solidFill>
+                            <a:latin typeface="Cambria Math" panose="02040503050406030204" pitchFamily="18" charset="0"/>
+                          </a:rPr>
+                          <m:t>𝑐</m:t>
+                        </m:r>
+                        <m:r>
+                          <a:rPr lang="en-US" sz="3200" b="0" i="1" smtClean="0">
+                            <a:solidFill>
+                              <a:schemeClr val="tx1"/>
+                            </a:solidFill>
+                            <a:latin typeface="Cambria Math" panose="02040503050406030204" pitchFamily="18" charset="0"/>
+                          </a:rPr>
+                          <m:t>)</m:t>
+                        </m:r>
+                      </m:num>
+                      <m:den>
+                        <m:r>
+                          <a:rPr lang="en-US" sz="3200" b="0" i="1" smtClean="0">
+                            <a:solidFill>
+                              <a:srgbClr val="C00000"/>
+                            </a:solidFill>
+                            <a:latin typeface="Cambria Math" panose="02040503050406030204" pitchFamily="18" charset="0"/>
+                          </a:rPr>
+                          <m:t>𝑃</m:t>
+                        </m:r>
+                        <m:r>
+                          <a:rPr lang="en-US" sz="3200" b="0" i="1" smtClean="0">
+                            <a:solidFill>
+                              <a:srgbClr val="C00000"/>
+                            </a:solidFill>
+                            <a:latin typeface="Cambria Math" panose="02040503050406030204" pitchFamily="18" charset="0"/>
+                          </a:rPr>
+                          <m:t>(</m:t>
+                        </m:r>
+                        <m:r>
+                          <a:rPr lang="en-US" sz="3200" b="0" i="1" smtClean="0">
+                            <a:solidFill>
+                              <a:srgbClr val="C00000"/>
+                            </a:solidFill>
+                            <a:latin typeface="Cambria Math" panose="02040503050406030204" pitchFamily="18" charset="0"/>
+                          </a:rPr>
+                          <m:t>𝑥</m:t>
+                        </m:r>
+                        <m:r>
+                          <a:rPr lang="en-US" sz="3200" b="0" i="1" smtClean="0">
+                            <a:solidFill>
+                              <a:srgbClr val="C00000"/>
+                            </a:solidFill>
+                            <a:latin typeface="Cambria Math" panose="02040503050406030204" pitchFamily="18" charset="0"/>
+                          </a:rPr>
+                          <m:t>|</m:t>
+                        </m:r>
+                        <m:r>
+                          <a:rPr lang="en-US" sz="3200" b="0" i="1" smtClean="0">
+                            <a:solidFill>
+                              <a:srgbClr val="C00000"/>
+                            </a:solidFill>
+                            <a:latin typeface="Cambria Math" panose="02040503050406030204" pitchFamily="18" charset="0"/>
+                          </a:rPr>
+                          <m:t>𝐿</m:t>
+                        </m:r>
+                        <m:r>
+                          <a:rPr lang="en-US" sz="3200" b="0" i="1" smtClean="0">
+                            <a:solidFill>
+                              <a:srgbClr val="C00000"/>
+                            </a:solidFill>
+                            <a:latin typeface="Cambria Math" panose="02040503050406030204" pitchFamily="18" charset="0"/>
+                          </a:rPr>
+                          <m:t>)</m:t>
+                        </m:r>
+                        <m:r>
+                          <a:rPr lang="en-US" sz="3200" b="0" i="1" smtClean="0">
+                            <a:solidFill>
+                              <a:schemeClr val="tx1"/>
+                            </a:solidFill>
+                            <a:latin typeface="Cambria Math" panose="02040503050406030204" pitchFamily="18" charset="0"/>
+                          </a:rPr>
+                          <m:t>𝑃</m:t>
+                        </m:r>
+                        <m:r>
+                          <a:rPr lang="en-US" sz="3200" b="0" i="1" smtClean="0">
+                            <a:solidFill>
+                              <a:schemeClr val="tx1"/>
+                            </a:solidFill>
+                            <a:latin typeface="Cambria Math" panose="02040503050406030204" pitchFamily="18" charset="0"/>
+                          </a:rPr>
+                          <m:t>(</m:t>
+                        </m:r>
+                        <m:r>
+                          <a:rPr lang="en-US" sz="3200" b="0" i="1" smtClean="0">
+                            <a:solidFill>
+                              <a:schemeClr val="tx1"/>
+                            </a:solidFill>
+                            <a:latin typeface="Cambria Math" panose="02040503050406030204" pitchFamily="18" charset="0"/>
+                          </a:rPr>
+                          <m:t>𝐿</m:t>
+                        </m:r>
+                        <m:r>
+                          <a:rPr lang="en-US" sz="3200" b="0" i="1" smtClean="0">
+                            <a:solidFill>
+                              <a:schemeClr val="tx1"/>
+                            </a:solidFill>
+                            <a:latin typeface="Cambria Math" panose="02040503050406030204" pitchFamily="18" charset="0"/>
+                          </a:rPr>
+                          <m:t>)+</m:t>
+                        </m:r>
+                        <m:r>
+                          <a:rPr lang="en-US" sz="3200" b="0" i="1" smtClean="0">
+                            <a:solidFill>
+                              <a:srgbClr val="C00000"/>
+                            </a:solidFill>
+                            <a:latin typeface="Cambria Math" panose="02040503050406030204" pitchFamily="18" charset="0"/>
+                          </a:rPr>
+                          <m:t>𝑃</m:t>
+                        </m:r>
+                        <m:r>
+                          <a:rPr lang="en-US" sz="3200" b="0" i="1" smtClean="0">
+                            <a:solidFill>
+                              <a:srgbClr val="C00000"/>
+                            </a:solidFill>
+                            <a:latin typeface="Cambria Math" panose="02040503050406030204" pitchFamily="18" charset="0"/>
+                          </a:rPr>
+                          <m:t>(</m:t>
+                        </m:r>
+                        <m:r>
+                          <a:rPr lang="en-US" sz="3200" b="0" i="1" smtClean="0">
+                            <a:solidFill>
+                              <a:srgbClr val="C00000"/>
+                            </a:solidFill>
+                            <a:latin typeface="Cambria Math" panose="02040503050406030204" pitchFamily="18" charset="0"/>
+                          </a:rPr>
+                          <m:t>𝑥</m:t>
+                        </m:r>
+                        <m:r>
+                          <a:rPr lang="en-US" sz="3200" b="0" i="1" smtClean="0">
+                            <a:solidFill>
+                              <a:srgbClr val="C00000"/>
+                            </a:solidFill>
+                            <a:latin typeface="Cambria Math" panose="02040503050406030204" pitchFamily="18" charset="0"/>
+                          </a:rPr>
+                          <m:t>|</m:t>
+                        </m:r>
+                        <m:r>
+                          <a:rPr lang="en-US" sz="3200" b="0" i="1" smtClean="0">
+                            <a:solidFill>
+                              <a:srgbClr val="C00000"/>
+                            </a:solidFill>
+                            <a:latin typeface="Cambria Math" panose="02040503050406030204" pitchFamily="18" charset="0"/>
+                          </a:rPr>
+                          <m:t>𝑆</m:t>
+                        </m:r>
+                        <m:r>
+                          <a:rPr lang="en-US" sz="3200" b="0" i="1" smtClean="0">
+                            <a:solidFill>
+                              <a:srgbClr val="C00000"/>
+                            </a:solidFill>
+                            <a:latin typeface="Cambria Math" panose="02040503050406030204" pitchFamily="18" charset="0"/>
+                          </a:rPr>
+                          <m:t>)</m:t>
+                        </m:r>
+                        <m:r>
+                          <a:rPr lang="en-US" sz="3200" b="0" i="1" smtClean="0">
+                            <a:solidFill>
+                              <a:schemeClr val="tx1"/>
+                            </a:solidFill>
+                            <a:latin typeface="Cambria Math" panose="02040503050406030204" pitchFamily="18" charset="0"/>
+                          </a:rPr>
+                          <m:t>𝑃</m:t>
+                        </m:r>
+                        <m:r>
+                          <a:rPr lang="en-US" sz="3200" b="0" i="1" smtClean="0">
+                            <a:solidFill>
+                              <a:schemeClr val="tx1"/>
+                            </a:solidFill>
+                            <a:latin typeface="Cambria Math" panose="02040503050406030204" pitchFamily="18" charset="0"/>
+                          </a:rPr>
+                          <m:t>(</m:t>
+                        </m:r>
+                        <m:r>
+                          <a:rPr lang="en-US" sz="3200" b="0" i="1" smtClean="0">
+                            <a:solidFill>
+                              <a:schemeClr val="tx1"/>
+                            </a:solidFill>
+                            <a:latin typeface="Cambria Math" panose="02040503050406030204" pitchFamily="18" charset="0"/>
+                          </a:rPr>
+                          <m:t>𝑆</m:t>
+                        </m:r>
+                        <m:r>
+                          <a:rPr lang="en-US" sz="3200" b="0" i="1" smtClean="0">
+                            <a:solidFill>
+                              <a:schemeClr val="tx1"/>
+                            </a:solidFill>
+                            <a:latin typeface="Cambria Math" panose="02040503050406030204" pitchFamily="18" charset="0"/>
+                          </a:rPr>
+                          <m:t>)</m:t>
+                        </m:r>
+                      </m:den>
+                    </m:f>
+                  </m:oMath>
+                </a14:m>
+                <a:r>
+                  <a:rPr lang="uk-UA" sz="3200" dirty="0"/>
+                  <a:t> для </a:t>
+                </a:r>
+                <a14:m>
+                  <m:oMath xmlns:m="http://schemas.openxmlformats.org/officeDocument/2006/math">
+                    <m:r>
+                      <a:rPr lang="en-US" sz="3200" b="0" i="1" smtClean="0">
+                        <a:latin typeface="Cambria Math" panose="02040503050406030204" pitchFamily="18" charset="0"/>
+                      </a:rPr>
+                      <m:t>𝑐</m:t>
+                    </m:r>
+                    <m:r>
+                      <a:rPr lang="en-US" sz="3200" b="0" i="1" smtClean="0">
+                        <a:latin typeface="Cambria Math" panose="02040503050406030204" pitchFamily="18" charset="0"/>
+                      </a:rPr>
+                      <m:t>=</m:t>
+                    </m:r>
+                    <m:r>
+                      <a:rPr lang="en-US" sz="3200" b="0" i="1" smtClean="0">
+                        <a:latin typeface="Cambria Math" panose="02040503050406030204" pitchFamily="18" charset="0"/>
+                      </a:rPr>
+                      <m:t>𝐿</m:t>
+                    </m:r>
+                  </m:oMath>
+                </a14:m>
+                <a:r>
+                  <a:rPr lang="en-US" sz="3200" dirty="0"/>
+                  <a:t> </a:t>
+                </a:r>
+                <a:r>
+                  <a:rPr lang="uk-UA" sz="3200" dirty="0"/>
+                  <a:t>та </a:t>
+                </a:r>
+                <a14:m>
+                  <m:oMath xmlns:m="http://schemas.openxmlformats.org/officeDocument/2006/math">
+                    <m:r>
+                      <a:rPr lang="en-US" sz="3200" b="0" i="1" smtClean="0">
+                        <a:latin typeface="Cambria Math" panose="02040503050406030204" pitchFamily="18" charset="0"/>
+                      </a:rPr>
+                      <m:t>𝑐</m:t>
+                    </m:r>
+                    <m:r>
+                      <a:rPr lang="en-US" sz="3200" b="0" i="1" smtClean="0">
+                        <a:latin typeface="Cambria Math" panose="02040503050406030204" pitchFamily="18" charset="0"/>
+                      </a:rPr>
+                      <m:t>=</m:t>
+                    </m:r>
+                    <m:r>
+                      <a:rPr lang="en-US" sz="3200" b="0" i="1" smtClean="0">
+                        <a:latin typeface="Cambria Math" panose="02040503050406030204" pitchFamily="18" charset="0"/>
+                      </a:rPr>
+                      <m:t>𝑆</m:t>
+                    </m:r>
                   </m:oMath>
                 </a14:m>
                 <a:endParaRPr lang="en-US" sz="3200" dirty="0"/>
               </a:p>
               <a:p>
+                <a:pPr marL="0" indent="0" algn="just">
+                  <a:buNone/>
+                </a:pPr>
+                <a:endParaRPr lang="en-US" sz="3200" dirty="0"/>
+              </a:p>
+              <a:p>
+                <a:pPr algn="just"/>
+                <a:r>
+                  <a:rPr lang="uk-UA" sz="3200" dirty="0"/>
+                  <a:t>Якщо </a:t>
+                </a:r>
+                <a14:m>
+                  <m:oMath xmlns:m="http://schemas.openxmlformats.org/officeDocument/2006/math">
+                    <m:r>
+                      <a:rPr lang="en-US" sz="3200" i="1">
+                        <a:latin typeface="Cambria Math" panose="02040503050406030204" pitchFamily="18" charset="0"/>
+                      </a:rPr>
+                      <m:t>𝑃</m:t>
+                    </m:r>
+                    <m:d>
+                      <m:dPr>
+                        <m:ctrlPr>
+                          <a:rPr lang="en-US" sz="3200" i="1">
+                            <a:latin typeface="Cambria Math" panose="02040503050406030204" pitchFamily="18" charset="0"/>
+                          </a:rPr>
+                        </m:ctrlPr>
+                      </m:dPr>
+                      <m:e>
+                        <m:r>
+                          <a:rPr lang="en-US" sz="3200" b="0" i="1" smtClean="0">
+                            <a:latin typeface="Cambria Math" panose="02040503050406030204" pitchFamily="18" charset="0"/>
+                          </a:rPr>
+                          <m:t>𝐿</m:t>
+                        </m:r>
+                      </m:e>
+                      <m:e>
+                        <m:r>
+                          <a:rPr lang="en-US" sz="3200" i="1">
+                            <a:latin typeface="Cambria Math" panose="02040503050406030204" pitchFamily="18" charset="0"/>
+                          </a:rPr>
+                          <m:t>𝑥</m:t>
+                        </m:r>
+                      </m:e>
+                    </m:d>
+                    <m:r>
+                      <a:rPr lang="en-US" sz="3200" b="0" i="1" smtClean="0">
+                        <a:latin typeface="Cambria Math" panose="02040503050406030204" pitchFamily="18" charset="0"/>
+                      </a:rPr>
+                      <m:t>&lt;</m:t>
+                    </m:r>
+                    <m:r>
+                      <a:rPr lang="en-US" sz="3200" b="0" i="1" smtClean="0">
+                        <a:latin typeface="Cambria Math" panose="02040503050406030204" pitchFamily="18" charset="0"/>
+                      </a:rPr>
+                      <m:t>𝑃</m:t>
+                    </m:r>
+                    <m:r>
+                      <a:rPr lang="en-US" sz="3200" b="0" i="1" smtClean="0">
+                        <a:latin typeface="Cambria Math" panose="02040503050406030204" pitchFamily="18" charset="0"/>
+                      </a:rPr>
+                      <m:t>(</m:t>
+                    </m:r>
+                    <m:r>
+                      <a:rPr lang="en-US" sz="3200" b="0" i="1" smtClean="0">
+                        <a:latin typeface="Cambria Math" panose="02040503050406030204" pitchFamily="18" charset="0"/>
+                      </a:rPr>
+                      <m:t>𝑆</m:t>
+                    </m:r>
+                    <m:r>
+                      <a:rPr lang="en-US" sz="3200" b="0" i="1" smtClean="0">
+                        <a:latin typeface="Cambria Math" panose="02040503050406030204" pitchFamily="18" charset="0"/>
+                      </a:rPr>
+                      <m:t>|</m:t>
+                    </m:r>
+                    <m:r>
+                      <a:rPr lang="en-US" sz="3200" b="0" i="1" smtClean="0">
+                        <a:latin typeface="Cambria Math" panose="02040503050406030204" pitchFamily="18" charset="0"/>
+                      </a:rPr>
+                      <m:t>𝑥</m:t>
+                    </m:r>
+                    <m:r>
+                      <a:rPr lang="en-US" sz="3200" b="0" i="1" smtClean="0">
+                        <a:latin typeface="Cambria Math" panose="02040503050406030204" pitchFamily="18" charset="0"/>
+                      </a:rPr>
+                      <m:t>)</m:t>
+                    </m:r>
+                  </m:oMath>
+                </a14:m>
+                <a:r>
+                  <a:rPr lang="uk-UA" sz="3200" dirty="0"/>
+                  <a:t>, повідомлення класифікується як спам (в найпростішому випадку)</a:t>
+                </a:r>
+              </a:p>
+              <a:p>
+                <a:pPr algn="just"/>
+                <a:r>
+                  <a:rPr lang="uk-UA" sz="3200" dirty="0"/>
+                  <a:t>Задача зводиться до обчислення</a:t>
+                </a:r>
+                <a:r>
+                  <a:rPr lang="en-US" sz="3200" dirty="0"/>
+                  <a:t> </a:t>
+                </a:r>
+                <a14:m>
+                  <m:oMath xmlns:m="http://schemas.openxmlformats.org/officeDocument/2006/math">
+                    <m:r>
+                      <a:rPr lang="en-US" sz="3200" b="0" i="1" smtClean="0">
+                        <a:solidFill>
+                          <a:srgbClr val="C00000"/>
+                        </a:solidFill>
+                        <a:latin typeface="Cambria Math" panose="02040503050406030204" pitchFamily="18" charset="0"/>
+                      </a:rPr>
+                      <m:t>𝑃</m:t>
+                    </m:r>
+                    <m:r>
+                      <a:rPr lang="en-US" sz="3200" b="0" i="1" smtClean="0">
+                        <a:solidFill>
+                          <a:srgbClr val="C00000"/>
+                        </a:solidFill>
+                        <a:latin typeface="Cambria Math" panose="02040503050406030204" pitchFamily="18" charset="0"/>
+                      </a:rPr>
+                      <m:t>(</m:t>
+                    </m:r>
+                    <m:r>
+                      <a:rPr lang="en-US" sz="3200" b="0" i="1" smtClean="0">
+                        <a:solidFill>
+                          <a:srgbClr val="C00000"/>
+                        </a:solidFill>
+                        <a:latin typeface="Cambria Math" panose="02040503050406030204" pitchFamily="18" charset="0"/>
+                      </a:rPr>
+                      <m:t>𝑥</m:t>
+                    </m:r>
+                    <m:r>
+                      <a:rPr lang="en-US" sz="3200" b="0" i="1" smtClean="0">
+                        <a:solidFill>
+                          <a:srgbClr val="C00000"/>
+                        </a:solidFill>
+                        <a:latin typeface="Cambria Math" panose="02040503050406030204" pitchFamily="18" charset="0"/>
+                      </a:rPr>
+                      <m:t>|</m:t>
+                    </m:r>
+                    <m:r>
+                      <a:rPr lang="en-US" sz="3200" b="0" i="1" smtClean="0">
+                        <a:solidFill>
+                          <a:srgbClr val="C00000"/>
+                        </a:solidFill>
+                        <a:latin typeface="Cambria Math" panose="02040503050406030204" pitchFamily="18" charset="0"/>
+                      </a:rPr>
+                      <m:t>𝐿</m:t>
+                    </m:r>
+                    <m:r>
+                      <a:rPr lang="en-US" sz="3200" b="0" i="1" smtClean="0">
+                        <a:solidFill>
+                          <a:srgbClr val="C00000"/>
+                        </a:solidFill>
+                        <a:latin typeface="Cambria Math" panose="02040503050406030204" pitchFamily="18" charset="0"/>
+                      </a:rPr>
+                      <m:t>)</m:t>
+                    </m:r>
+                  </m:oMath>
+                </a14:m>
+                <a:r>
+                  <a:rPr lang="uk-UA" sz="3200" dirty="0"/>
+                  <a:t> та</a:t>
+                </a:r>
+                <a:r>
+                  <a:rPr lang="en-US" sz="3200" dirty="0"/>
+                  <a:t> </a:t>
+                </a:r>
+                <a14:m>
+                  <m:oMath xmlns:m="http://schemas.openxmlformats.org/officeDocument/2006/math">
+                    <m:r>
+                      <a:rPr lang="en-US" sz="3200" b="0" i="1" smtClean="0">
+                        <a:solidFill>
+                          <a:srgbClr val="C00000"/>
+                        </a:solidFill>
+                        <a:latin typeface="Cambria Math" panose="02040503050406030204" pitchFamily="18" charset="0"/>
+                      </a:rPr>
+                      <m:t>𝑃</m:t>
+                    </m:r>
+                    <m:r>
+                      <a:rPr lang="en-US" sz="3200" b="0" i="1" smtClean="0">
+                        <a:solidFill>
+                          <a:srgbClr val="C00000"/>
+                        </a:solidFill>
+                        <a:latin typeface="Cambria Math" panose="02040503050406030204" pitchFamily="18" charset="0"/>
+                      </a:rPr>
+                      <m:t>(</m:t>
+                    </m:r>
+                    <m:r>
+                      <a:rPr lang="en-US" sz="3200" b="0" i="1" smtClean="0">
+                        <a:solidFill>
+                          <a:srgbClr val="C00000"/>
+                        </a:solidFill>
+                        <a:latin typeface="Cambria Math" panose="02040503050406030204" pitchFamily="18" charset="0"/>
+                      </a:rPr>
+                      <m:t>𝑥</m:t>
+                    </m:r>
+                    <m:r>
+                      <a:rPr lang="en-US" sz="3200" b="0" i="1" smtClean="0">
+                        <a:solidFill>
+                          <a:srgbClr val="C00000"/>
+                        </a:solidFill>
+                        <a:latin typeface="Cambria Math" panose="02040503050406030204" pitchFamily="18" charset="0"/>
+                      </a:rPr>
+                      <m:t>|</m:t>
+                    </m:r>
+                    <m:r>
+                      <a:rPr lang="en-US" sz="3200" b="0" i="1" smtClean="0">
+                        <a:solidFill>
+                          <a:srgbClr val="C00000"/>
+                        </a:solidFill>
+                        <a:latin typeface="Cambria Math" panose="02040503050406030204" pitchFamily="18" charset="0"/>
+                      </a:rPr>
+                      <m:t>𝑆</m:t>
+                    </m:r>
+                    <m:r>
+                      <a:rPr lang="en-US" sz="3200" b="0" i="1" smtClean="0">
+                        <a:solidFill>
+                          <a:srgbClr val="C00000"/>
+                        </a:solidFill>
+                        <a:latin typeface="Cambria Math" panose="02040503050406030204" pitchFamily="18" charset="0"/>
+                      </a:rPr>
+                      <m:t>)</m:t>
+                    </m:r>
+                  </m:oMath>
+                </a14:m>
                 <a:endParaRPr lang="uk-UA" sz="3200" dirty="0"/>
               </a:p>
               <a:p>
+                <a:pPr algn="just"/>
+                <a:r>
+                  <a:rPr lang="uk-UA" sz="3200" dirty="0"/>
+                  <a:t>З точки зору мінімізації ризику баєсівський класифікатор є оптимальним</a:t>
+                </a:r>
+                <a:endParaRPr lang="en-US" sz="3200" dirty="0"/>
+              </a:p>
+              <a:p>
+                <a:pPr algn="just"/>
+                <a:endParaRPr lang="uk-UA" sz="3200" dirty="0"/>
+              </a:p>
+              <a:p>
+                <a:pPr algn="just"/>
                 <a:endParaRPr lang="en-US" sz="3200" dirty="0"/>
               </a:p>
             </p:txBody>
@@ -4097,10 +9635,14 @@
               </p:nvPr>
             </p:nvSpPr>
             <p:spPr>
+              <a:xfrm>
+                <a:off x="838200" y="1825625"/>
+                <a:ext cx="10515600" cy="4701784"/>
+              </a:xfrm>
               <a:blipFill>
-                <a:blip r:embed="rId2"/>
+                <a:blip r:embed="rId3"/>
                 <a:stretch>
-                  <a:fillRect l="-1333" t="-2941" r="-522"/>
+                  <a:fillRect l="-1333" t="-3497" r="-1449" b="-2202"/>
                 </a:stretch>
               </a:blipFill>
             </p:spPr>
@@ -4119,47 +9661,49 @@
           </p:sp>
         </mc:Fallback>
       </mc:AlternateContent>
-      <p:pic>
-        <p:nvPicPr>
-          <p:cNvPr id="4" name="Picture 3"/>
-          <p:cNvPicPr>
-            <a:picLocks noChangeAspect="1"/>
-          </p:cNvPicPr>
-          <p:nvPr/>
-        </p:nvPicPr>
-        <p:blipFill>
-          <a:blip r:embed="rId3"/>
-          <a:stretch>
-            <a:fillRect/>
-          </a:stretch>
-        </p:blipFill>
-        <p:spPr>
-          <a:xfrm>
-            <a:off x="1681162" y="2776392"/>
-            <a:ext cx="8829675" cy="642058"/>
-          </a:xfrm>
-          <a:prstGeom prst="rect">
-            <a:avLst/>
-          </a:prstGeom>
-        </p:spPr>
-      </p:pic>
+      <p:sp>
+        <p:nvSpPr>
+          <p:cNvPr id="4" name="Slide Number Placeholder 3"/>
+          <p:cNvSpPr>
+            <a:spLocks noGrp="1"/>
+          </p:cNvSpPr>
+          <p:nvPr>
+            <p:ph type="sldNum" sz="quarter" idx="12"/>
+          </p:nvPr>
+        </p:nvSpPr>
+        <p:spPr/>
+        <p:txBody>
+          <a:bodyPr/>
+          <a:lstStyle/>
+          <a:p>
+            <a:fld id="{CA5C24F5-8CCA-4A68-8184-CA068DE5215A}" type="slidenum">
+              <a:rPr lang="en-US" smtClean="0"/>
+              <a:t>4</a:t>
+            </a:fld>
+            <a:r>
+              <a:rPr lang="en-US" dirty="0"/>
+              <a:t> / 18</a:t>
+            </a:r>
+          </a:p>
+        </p:txBody>
+      </p:sp>
     </p:spTree>
     <p:extLst>
       <p:ext uri="{BB962C8B-B14F-4D97-AF65-F5344CB8AC3E}">
-        <p14:creationId xmlns:p14="http://schemas.microsoft.com/office/powerpoint/2010/main" val="582829267"/>
+        <p14:creationId xmlns:p14="http://schemas.microsoft.com/office/powerpoint/2010/main" val="3739769550"/>
       </p:ext>
     </p:extLst>
   </p:cSld>
   <p:clrMapOvr>
     <a:masterClrMapping/>
   </p:clrMapOvr>
-  <mc:AlternateContent xmlns:mc="http://schemas.openxmlformats.org/markup-compatibility/2006">
-    <mc:Choice xmlns:p159="http://schemas.microsoft.com/office/powerpoint/2015/09/main" Requires="p159">
+  <mc:AlternateContent xmlns:mc="http://schemas.openxmlformats.org/markup-compatibility/2006" xmlns:p159="http://schemas.microsoft.com/office/powerpoint/2015/09/main">
+    <mc:Choice Requires="p159">
       <p:transition xmlns:p14="http://schemas.microsoft.com/office/powerpoint/2010/main" spd="slow" p14:dur="2000">
         <p159:morph option="byObject"/>
       </p:transition>
     </mc:Choice>
-    <mc:Fallback>
+    <mc:Fallback xmlns="">
       <p:transition spd="slow">
         <p:fade/>
       </p:transition>
@@ -4203,66 +9747,859 @@
             <a:pPr algn="ctr"/>
             <a:r>
               <a:rPr lang="uk-UA" b="1" dirty="0"/>
-              <a:t>Наївний </a:t>
-            </a:r>
-            <a:r>
-              <a:rPr lang="uk-UA" b="1" dirty="0" err="1"/>
-              <a:t>байєсівський</a:t>
-            </a:r>
+              <a:t>Формат даних</a:t>
+            </a:r>
+            <a:endParaRPr lang="en-US" b="1" dirty="0"/>
+          </a:p>
+        </p:txBody>
+      </p:sp>
+      <mc:AlternateContent xmlns:mc="http://schemas.openxmlformats.org/markup-compatibility/2006">
+        <mc:Choice xmlns:a14="http://schemas.microsoft.com/office/drawing/2010/main" Requires="a14">
+          <p:sp>
+            <p:nvSpPr>
+              <p:cNvPr id="3" name="Content Placeholder 2"/>
+              <p:cNvSpPr>
+                <a:spLocks noGrp="1"/>
+              </p:cNvSpPr>
+              <p:nvPr>
+                <p:ph idx="1"/>
+              </p:nvPr>
+            </p:nvSpPr>
+            <p:spPr>
+              <a:xfrm>
+                <a:off x="838200" y="1825624"/>
+                <a:ext cx="10515600" cy="4645513"/>
+              </a:xfrm>
+            </p:spPr>
+            <p:txBody>
+              <a:bodyPr>
+                <a:normAutofit/>
+              </a:bodyPr>
+              <a:lstStyle/>
+              <a:p>
+                <a:pPr algn="just"/>
+                <a:r>
+                  <a:rPr lang="uk-UA" sz="3200" dirty="0"/>
+                  <a:t>Обирається </a:t>
+                </a:r>
+                <a14:m>
+                  <m:oMath xmlns:m="http://schemas.openxmlformats.org/officeDocument/2006/math">
+                    <m:r>
+                      <a:rPr lang="en-US" sz="3200" b="0" i="1" smtClean="0">
+                        <a:latin typeface="Cambria Math" panose="02040503050406030204" pitchFamily="18" charset="0"/>
+                      </a:rPr>
+                      <m:t>𝑛</m:t>
+                    </m:r>
+                  </m:oMath>
+                </a14:m>
+                <a:r>
+                  <a:rPr lang="en-US" sz="3200" dirty="0"/>
+                  <a:t> </a:t>
+                </a:r>
+                <a:r>
+                  <a:rPr lang="uk-UA" sz="3200" dirty="0"/>
+                  <a:t>слів (характеристик)</a:t>
+                </a:r>
+              </a:p>
+              <a:p>
+                <a:pPr algn="just"/>
+                <a:r>
+                  <a:rPr lang="uk-UA" sz="3200" dirty="0"/>
+                  <a:t>Кожне повідомлення кодується </a:t>
+                </a:r>
+                <a:r>
+                  <a:rPr lang="uk-UA" sz="3200" dirty="0" err="1"/>
+                  <a:t>бульовим</a:t>
+                </a:r>
+                <a:r>
+                  <a:rPr lang="uk-UA" sz="3200" dirty="0"/>
+                  <a:t> вектором</a:t>
+                </a:r>
+                <a:r>
+                  <a:rPr lang="en-US" sz="3200" dirty="0"/>
+                  <a:t>:</a:t>
+                </a:r>
+                <a:endParaRPr lang="uk-UA" sz="3200" dirty="0"/>
+              </a:p>
+              <a:p>
+                <a:pPr algn="just"/>
+                <a:endParaRPr lang="en-US" sz="3200" dirty="0"/>
+              </a:p>
+              <a:p>
+                <a:pPr marL="0" indent="0" algn="just">
+                  <a:buNone/>
+                </a:pPr>
+                <a14:m>
+                  <m:oMathPara xmlns:m="http://schemas.openxmlformats.org/officeDocument/2006/math">
+                    <m:oMathParaPr>
+                      <m:jc m:val="centerGroup"/>
+                    </m:oMathParaPr>
+                    <m:oMath xmlns:m="http://schemas.openxmlformats.org/officeDocument/2006/math">
+                      <m:r>
+                        <a:rPr lang="en-US" sz="3200" b="0" i="1" smtClean="0">
+                          <a:latin typeface="Cambria Math" panose="02040503050406030204" pitchFamily="18" charset="0"/>
+                        </a:rPr>
+                        <m:t>𝑥</m:t>
+                      </m:r>
+                      <m:r>
+                        <a:rPr lang="en-US" sz="3200" b="0" i="1" smtClean="0">
+                          <a:latin typeface="Cambria Math" panose="02040503050406030204" pitchFamily="18" charset="0"/>
+                        </a:rPr>
+                        <m:t>=</m:t>
+                      </m:r>
+                      <m:d>
+                        <m:dPr>
+                          <m:ctrlPr>
+                            <a:rPr lang="en-US" sz="3200" b="0" i="1" smtClean="0">
+                              <a:latin typeface="Cambria Math" panose="02040503050406030204" pitchFamily="18" charset="0"/>
+                            </a:rPr>
+                          </m:ctrlPr>
+                        </m:dPr>
+                        <m:e>
+                          <m:sSub>
+                            <m:sSubPr>
+                              <m:ctrlPr>
+                                <a:rPr lang="en-US" sz="3200" b="0" i="1" smtClean="0">
+                                  <a:latin typeface="Cambria Math" panose="02040503050406030204" pitchFamily="18" charset="0"/>
+                                </a:rPr>
+                              </m:ctrlPr>
+                            </m:sSubPr>
+                            <m:e>
+                              <m:r>
+                                <a:rPr lang="en-US" sz="3200" b="0" i="1" smtClean="0">
+                                  <a:latin typeface="Cambria Math" panose="02040503050406030204" pitchFamily="18" charset="0"/>
+                                </a:rPr>
+                                <m:t>𝑥</m:t>
+                              </m:r>
+                            </m:e>
+                            <m:sub>
+                              <m:r>
+                                <a:rPr lang="en-US" sz="3200" b="0" i="1" smtClean="0">
+                                  <a:latin typeface="Cambria Math" panose="02040503050406030204" pitchFamily="18" charset="0"/>
+                                </a:rPr>
+                                <m:t>1</m:t>
+                              </m:r>
+                            </m:sub>
+                          </m:sSub>
+                          <m:r>
+                            <a:rPr lang="en-US" sz="3200" b="0" i="1" smtClean="0">
+                              <a:latin typeface="Cambria Math" panose="02040503050406030204" pitchFamily="18" charset="0"/>
+                            </a:rPr>
+                            <m:t>,</m:t>
+                          </m:r>
+                          <m:sSub>
+                            <m:sSubPr>
+                              <m:ctrlPr>
+                                <a:rPr lang="en-US" sz="3200" b="0" i="1" smtClean="0">
+                                  <a:latin typeface="Cambria Math" panose="02040503050406030204" pitchFamily="18" charset="0"/>
+                                </a:rPr>
+                              </m:ctrlPr>
+                            </m:sSubPr>
+                            <m:e>
+                              <m:r>
+                                <a:rPr lang="en-US" sz="3200" b="0" i="1" smtClean="0">
+                                  <a:latin typeface="Cambria Math" panose="02040503050406030204" pitchFamily="18" charset="0"/>
+                                </a:rPr>
+                                <m:t>𝑥</m:t>
+                              </m:r>
+                            </m:e>
+                            <m:sub>
+                              <m:r>
+                                <a:rPr lang="en-US" sz="3200" b="0" i="1" smtClean="0">
+                                  <a:latin typeface="Cambria Math" panose="02040503050406030204" pitchFamily="18" charset="0"/>
+                                </a:rPr>
+                                <m:t>2</m:t>
+                              </m:r>
+                            </m:sub>
+                          </m:sSub>
+                          <m:r>
+                            <a:rPr lang="en-US" sz="3200" b="0" i="1" smtClean="0">
+                              <a:latin typeface="Cambria Math" panose="02040503050406030204" pitchFamily="18" charset="0"/>
+                            </a:rPr>
+                            <m:t>,…,</m:t>
+                          </m:r>
+                          <m:sSub>
+                            <m:sSubPr>
+                              <m:ctrlPr>
+                                <a:rPr lang="en-US" sz="3200" b="0" i="1" smtClean="0">
+                                  <a:latin typeface="Cambria Math" panose="02040503050406030204" pitchFamily="18" charset="0"/>
+                                </a:rPr>
+                              </m:ctrlPr>
+                            </m:sSubPr>
+                            <m:e>
+                              <m:r>
+                                <a:rPr lang="en-US" sz="3200" b="0" i="1" smtClean="0">
+                                  <a:latin typeface="Cambria Math" panose="02040503050406030204" pitchFamily="18" charset="0"/>
+                                </a:rPr>
+                                <m:t>𝑥</m:t>
+                              </m:r>
+                            </m:e>
+                            <m:sub>
+                              <m:r>
+                                <a:rPr lang="en-US" sz="3200" b="0" i="1" smtClean="0">
+                                  <a:latin typeface="Cambria Math" panose="02040503050406030204" pitchFamily="18" charset="0"/>
+                                </a:rPr>
+                                <m:t>𝑛</m:t>
+                              </m:r>
+                            </m:sub>
+                          </m:sSub>
+                        </m:e>
+                      </m:d>
+                      <m:r>
+                        <a:rPr lang="en-US" sz="3200" b="0" i="1" smtClean="0">
+                          <a:latin typeface="Cambria Math" panose="02040503050406030204" pitchFamily="18" charset="0"/>
+                        </a:rPr>
+                        <m:t>, </m:t>
+                      </m:r>
+                      <m:sSub>
+                        <m:sSubPr>
+                          <m:ctrlPr>
+                            <a:rPr lang="en-US" sz="3200" b="0" i="1" smtClean="0">
+                              <a:latin typeface="Cambria Math" panose="02040503050406030204" pitchFamily="18" charset="0"/>
+                            </a:rPr>
+                          </m:ctrlPr>
+                        </m:sSubPr>
+                        <m:e>
+                          <m:r>
+                            <a:rPr lang="en-US" sz="3200" b="0" i="1" smtClean="0">
+                              <a:latin typeface="Cambria Math" panose="02040503050406030204" pitchFamily="18" charset="0"/>
+                            </a:rPr>
+                            <m:t>𝑥</m:t>
+                          </m:r>
+                        </m:e>
+                        <m:sub>
+                          <m:r>
+                            <a:rPr lang="en-US" sz="3200" b="0" i="1" smtClean="0">
+                              <a:latin typeface="Cambria Math" panose="02040503050406030204" pitchFamily="18" charset="0"/>
+                            </a:rPr>
+                            <m:t>𝑖</m:t>
+                          </m:r>
+                        </m:sub>
+                      </m:sSub>
+                      <m:r>
+                        <a:rPr lang="en-US" sz="3200" dirty="0" smtClean="0">
+                          <a:latin typeface="Cambria Math" panose="02040503050406030204" pitchFamily="18" charset="0"/>
+                        </a:rPr>
+                        <m:t>∈</m:t>
+                      </m:r>
+                      <m:d>
+                        <m:dPr>
+                          <m:begChr m:val="{"/>
+                          <m:endChr m:val="}"/>
+                          <m:ctrlPr>
+                            <a:rPr lang="en-US" sz="3200" b="0" i="0" dirty="0" smtClean="0">
+                              <a:latin typeface="Cambria Math" panose="02040503050406030204" pitchFamily="18" charset="0"/>
+                            </a:rPr>
+                          </m:ctrlPr>
+                        </m:dPr>
+                        <m:e>
+                          <m:r>
+                            <a:rPr lang="en-US" sz="3200" b="0" i="0" dirty="0" smtClean="0">
+                              <a:latin typeface="Cambria Math" panose="02040503050406030204" pitchFamily="18" charset="0"/>
+                            </a:rPr>
+                            <m:t>0, 1</m:t>
+                          </m:r>
+                        </m:e>
+                      </m:d>
+                      <m:r>
+                        <a:rPr lang="en-US" sz="3200" b="0" i="0" dirty="0" smtClean="0">
+                          <a:latin typeface="Cambria Math" panose="02040503050406030204" pitchFamily="18" charset="0"/>
+                        </a:rPr>
+                        <m:t>, 1≤</m:t>
+                      </m:r>
+                      <m:r>
+                        <m:rPr>
+                          <m:sty m:val="p"/>
+                        </m:rPr>
+                        <a:rPr lang="en-US" sz="3200" b="0" i="0" dirty="0" smtClean="0">
+                          <a:latin typeface="Cambria Math" panose="02040503050406030204" pitchFamily="18" charset="0"/>
+                        </a:rPr>
+                        <m:t>i</m:t>
+                      </m:r>
+                      <m:r>
+                        <a:rPr lang="en-US" sz="3200" b="0" i="0" dirty="0" smtClean="0">
+                          <a:latin typeface="Cambria Math" panose="02040503050406030204" pitchFamily="18" charset="0"/>
+                        </a:rPr>
+                        <m:t>≤</m:t>
+                      </m:r>
+                      <m:r>
+                        <m:rPr>
+                          <m:sty m:val="p"/>
+                        </m:rPr>
+                        <a:rPr lang="en-US" sz="3200" b="0" i="0" dirty="0" smtClean="0">
+                          <a:latin typeface="Cambria Math" panose="02040503050406030204" pitchFamily="18" charset="0"/>
+                        </a:rPr>
+                        <m:t>n</m:t>
+                      </m:r>
+                    </m:oMath>
+                  </m:oMathPara>
+                </a14:m>
+                <a:endParaRPr lang="en-US" sz="3200" dirty="0"/>
+              </a:p>
+              <a:p>
+                <a:pPr marL="0" indent="0" algn="just">
+                  <a:buNone/>
+                </a:pPr>
+                <a:endParaRPr lang="uk-UA" sz="3200" dirty="0"/>
+              </a:p>
+              <a:p>
+                <a:pPr algn="just"/>
+                <a:endParaRPr lang="en-US" sz="3200" dirty="0"/>
+              </a:p>
+            </p:txBody>
+          </p:sp>
+        </mc:Choice>
+        <mc:Fallback>
+          <p:sp>
+            <p:nvSpPr>
+              <p:cNvPr id="3" name="Content Placeholder 2"/>
+              <p:cNvSpPr>
+                <a:spLocks noGrp="1" noRot="1" noChangeAspect="1" noMove="1" noResize="1" noEditPoints="1" noAdjustHandles="1" noChangeArrowheads="1" noChangeShapeType="1" noTextEdit="1"/>
+              </p:cNvSpPr>
+              <p:nvPr>
+                <p:ph idx="1"/>
+              </p:nvPr>
+            </p:nvSpPr>
+            <p:spPr>
+              <a:xfrm>
+                <a:off x="838200" y="1825624"/>
+                <a:ext cx="10515600" cy="4645513"/>
+              </a:xfrm>
+              <a:blipFill>
+                <a:blip r:embed="rId2"/>
+                <a:stretch>
+                  <a:fillRect l="-1333" t="-2621"/>
+                </a:stretch>
+              </a:blipFill>
+            </p:spPr>
+            <p:txBody>
+              <a:bodyPr/>
+              <a:lstStyle/>
+              <a:p>
+                <a:r>
+                  <a:rPr lang="en-US">
+                    <a:noFill/>
+                  </a:rPr>
+                  <a:t> </a:t>
+                </a:r>
+              </a:p>
+            </p:txBody>
+          </p:sp>
+        </mc:Fallback>
+      </mc:AlternateContent>
+      <p:sp>
+        <p:nvSpPr>
+          <p:cNvPr id="5" name="Slide Number Placeholder 4"/>
+          <p:cNvSpPr>
+            <a:spLocks noGrp="1"/>
+          </p:cNvSpPr>
+          <p:nvPr>
+            <p:ph type="sldNum" sz="quarter" idx="12"/>
+          </p:nvPr>
+        </p:nvSpPr>
+        <p:spPr/>
+        <p:txBody>
+          <a:bodyPr/>
+          <a:lstStyle/>
+          <a:p>
+            <a:fld id="{CA5C24F5-8CCA-4A68-8184-CA068DE5215A}" type="slidenum">
+              <a:rPr lang="en-US" smtClean="0"/>
+              <a:t>5</a:t>
+            </a:fld>
+            <a:r>
+              <a:rPr lang="en-US" dirty="0"/>
+              <a:t> / 18</a:t>
+            </a:r>
+          </a:p>
+        </p:txBody>
+      </p:sp>
+    </p:spTree>
+    <p:extLst>
+      <p:ext uri="{BB962C8B-B14F-4D97-AF65-F5344CB8AC3E}">
+        <p14:creationId xmlns:p14="http://schemas.microsoft.com/office/powerpoint/2010/main" val="582829267"/>
+      </p:ext>
+    </p:extLst>
+  </p:cSld>
+  <p:clrMapOvr>
+    <a:masterClrMapping/>
+  </p:clrMapOvr>
+  <mc:AlternateContent xmlns:mc="http://schemas.openxmlformats.org/markup-compatibility/2006" xmlns:p159="http://schemas.microsoft.com/office/powerpoint/2015/09/main">
+    <mc:Choice Requires="p159">
+      <p:transition xmlns:p14="http://schemas.microsoft.com/office/powerpoint/2010/main" spd="slow" p14:dur="2000">
+        <p159:morph option="byObject"/>
+      </p:transition>
+    </mc:Choice>
+    <mc:Fallback xmlns="">
+      <p:transition spd="slow">
+        <p:fade/>
+      </p:transition>
+    </mc:Fallback>
+  </mc:AlternateContent>
+</p:sld>
+</file>
+
+<file path=ppt/slides/slide6.xml><?xml version="1.0" encoding="utf-8"?>
+<p:sld xmlns:a="http://schemas.openxmlformats.org/drawingml/2006/main" xmlns:r="http://schemas.openxmlformats.org/officeDocument/2006/relationships" xmlns:p="http://schemas.openxmlformats.org/presentationml/2006/main">
+  <p:cSld>
+    <p:spTree>
+      <p:nvGrpSpPr>
+        <p:cNvPr id="1" name=""/>
+        <p:cNvGrpSpPr/>
+        <p:nvPr/>
+      </p:nvGrpSpPr>
+      <p:grpSpPr>
+        <a:xfrm>
+          <a:off x="0" y="0"/>
+          <a:ext cx="0" cy="0"/>
+          <a:chOff x="0" y="0"/>
+          <a:chExt cx="0" cy="0"/>
+        </a:xfrm>
+      </p:grpSpPr>
+      <p:sp>
+        <p:nvSpPr>
+          <p:cNvPr id="2" name="Title 1"/>
+          <p:cNvSpPr>
+            <a:spLocks noGrp="1"/>
+          </p:cNvSpPr>
+          <p:nvPr>
+            <p:ph type="title"/>
+          </p:nvPr>
+        </p:nvSpPr>
+        <p:spPr/>
+        <p:txBody>
+          <a:bodyPr/>
+          <a:lstStyle/>
+          <a:p>
+            <a:pPr algn="ctr"/>
             <a:r>
               <a:rPr lang="uk-UA" b="1" dirty="0"/>
-              <a:t> класифікатор</a:t>
+              <a:t>Наївний баєсівський класифікатор</a:t>
             </a:r>
             <a:endParaRPr lang="en-US" b="1" dirty="0"/>
           </a:p>
         </p:txBody>
       </p:sp>
-      <p:sp>
-        <p:nvSpPr>
-          <p:cNvPr id="3" name="Content Placeholder 2"/>
-          <p:cNvSpPr>
-            <a:spLocks noGrp="1"/>
-          </p:cNvSpPr>
-          <p:nvPr>
-            <p:ph idx="1"/>
-          </p:nvPr>
-        </p:nvSpPr>
-        <p:spPr/>
-        <p:txBody>
-          <a:bodyPr>
-            <a:normAutofit/>
-          </a:bodyPr>
-          <a:lstStyle/>
-          <a:p>
-            <a:r>
-              <a:rPr lang="uk-UA" sz="3200" dirty="0"/>
-              <a:t>Для окремого слова </a:t>
-            </a:r>
-            <a:r>
-              <a:rPr lang="uk-UA" sz="3200" dirty="0" err="1"/>
-              <a:t>байєсівський</a:t>
-            </a:r>
-            <a:r>
-              <a:rPr lang="uk-UA" sz="3200" dirty="0"/>
-              <a:t> класифікатор є оптимальним</a:t>
-            </a:r>
-          </a:p>
-          <a:p>
-            <a:r>
-              <a:rPr lang="uk-UA" sz="3200" dirty="0"/>
-              <a:t>Для множини слів застосовується припущення про незалежність слів у повідомленні, звідси назва «наївний </a:t>
-            </a:r>
-            <a:r>
-              <a:rPr lang="uk-UA" sz="3200" dirty="0" err="1"/>
-              <a:t>байєсівський</a:t>
-            </a:r>
-            <a:r>
-              <a:rPr lang="uk-UA" sz="3200" dirty="0"/>
-              <a:t> класифікатор»</a:t>
-            </a:r>
-          </a:p>
-          <a:p>
-            <a:endParaRPr lang="en-US" sz="3200" dirty="0"/>
+      <mc:AlternateContent xmlns:mc="http://schemas.openxmlformats.org/markup-compatibility/2006">
+        <mc:Choice xmlns:a14="http://schemas.microsoft.com/office/drawing/2010/main" Requires="a14">
+          <p:sp>
+            <p:nvSpPr>
+              <p:cNvPr id="3" name="Content Placeholder 2"/>
+              <p:cNvSpPr>
+                <a:spLocks noGrp="1"/>
+              </p:cNvSpPr>
+              <p:nvPr>
+                <p:ph idx="1"/>
+              </p:nvPr>
+            </p:nvSpPr>
+            <p:spPr>
+              <a:xfrm>
+                <a:off x="838200" y="1825624"/>
+                <a:ext cx="10515600" cy="4828393"/>
+              </a:xfrm>
+            </p:spPr>
+            <p:txBody>
+              <a:bodyPr>
+                <a:normAutofit/>
+              </a:bodyPr>
+              <a:lstStyle/>
+              <a:p>
+                <a:pPr algn="just"/>
+                <a:r>
+                  <a:rPr lang="uk-UA" sz="3200" dirty="0"/>
+                  <a:t>Застосовується припущення про незалежність слів у повідомленні (звідси назва «наївний»)</a:t>
+                </a:r>
+              </a:p>
+              <a:p>
+                <a:pPr algn="just"/>
+                <a:r>
+                  <a:rPr lang="uk-UA" sz="3200" dirty="0"/>
+                  <a:t>Обчислення </a:t>
+                </a:r>
+                <a14:m>
+                  <m:oMath xmlns:m="http://schemas.openxmlformats.org/officeDocument/2006/math">
+                    <m:r>
+                      <a:rPr lang="en-US" sz="3200" b="0" i="1" smtClean="0">
+                        <a:latin typeface="Cambria Math" panose="02040503050406030204" pitchFamily="18" charset="0"/>
+                      </a:rPr>
+                      <m:t>𝑃</m:t>
+                    </m:r>
+                    <m:r>
+                      <a:rPr lang="en-US" sz="3200" b="0" i="1" smtClean="0">
+                        <a:latin typeface="Cambria Math" panose="02040503050406030204" pitchFamily="18" charset="0"/>
+                      </a:rPr>
+                      <m:t>(</m:t>
+                    </m:r>
+                    <m:r>
+                      <a:rPr lang="en-US" sz="3200" b="0" i="1" smtClean="0">
+                        <a:latin typeface="Cambria Math" panose="02040503050406030204" pitchFamily="18" charset="0"/>
+                      </a:rPr>
+                      <m:t>𝑥</m:t>
+                    </m:r>
+                    <m:r>
+                      <a:rPr lang="en-US" sz="3200" b="0" i="1" smtClean="0">
+                        <a:latin typeface="Cambria Math" panose="02040503050406030204" pitchFamily="18" charset="0"/>
+                      </a:rPr>
+                      <m:t>|</m:t>
+                    </m:r>
+                    <m:r>
+                      <a:rPr lang="en-US" sz="3200" b="0" i="1" smtClean="0">
+                        <a:latin typeface="Cambria Math" panose="02040503050406030204" pitchFamily="18" charset="0"/>
+                      </a:rPr>
+                      <m:t>𝑐</m:t>
+                    </m:r>
+                    <m:r>
+                      <a:rPr lang="en-US" sz="3200" b="0" i="1" smtClean="0">
+                        <a:latin typeface="Cambria Math" panose="02040503050406030204" pitchFamily="18" charset="0"/>
+                      </a:rPr>
+                      <m:t>)</m:t>
+                    </m:r>
+                  </m:oMath>
+                </a14:m>
+                <a:r>
+                  <a:rPr lang="en-US" sz="3200" dirty="0"/>
+                  <a:t> </a:t>
+                </a:r>
+                <a:r>
+                  <a:rPr lang="uk-UA" sz="3200" dirty="0"/>
+                  <a:t>стає тривіальним:</a:t>
+                </a:r>
+              </a:p>
+              <a:p>
+                <a:pPr marL="0" indent="0" algn="just">
+                  <a:buNone/>
+                </a:pPr>
+                <a14:m>
+                  <m:oMathPara xmlns:m="http://schemas.openxmlformats.org/officeDocument/2006/math">
+                    <m:oMathParaPr>
+                      <m:jc m:val="centerGroup"/>
+                    </m:oMathParaPr>
+                    <m:oMath xmlns:m="http://schemas.openxmlformats.org/officeDocument/2006/math">
+                      <m:r>
+                        <a:rPr lang="en-US" sz="3200" b="0" i="1" smtClean="0">
+                          <a:latin typeface="Cambria Math" panose="02040503050406030204" pitchFamily="18" charset="0"/>
+                        </a:rPr>
+                        <m:t>𝑃</m:t>
+                      </m:r>
+                      <m:d>
+                        <m:dPr>
+                          <m:ctrlPr>
+                            <a:rPr lang="en-US" sz="3200" b="0" i="1" smtClean="0">
+                              <a:latin typeface="Cambria Math" panose="02040503050406030204" pitchFamily="18" charset="0"/>
+                            </a:rPr>
+                          </m:ctrlPr>
+                        </m:dPr>
+                        <m:e>
+                          <m:r>
+                            <a:rPr lang="en-US" sz="3200" b="0" i="1" smtClean="0">
+                              <a:latin typeface="Cambria Math" panose="02040503050406030204" pitchFamily="18" charset="0"/>
+                            </a:rPr>
+                            <m:t>𝑥</m:t>
+                          </m:r>
+                        </m:e>
+                        <m:e>
+                          <m:r>
+                            <a:rPr lang="en-US" sz="3200" b="0" i="1" smtClean="0">
+                              <a:latin typeface="Cambria Math" panose="02040503050406030204" pitchFamily="18" charset="0"/>
+                            </a:rPr>
+                            <m:t>𝑐</m:t>
+                          </m:r>
+                        </m:e>
+                      </m:d>
+                      <m:r>
+                        <a:rPr lang="en-US" sz="3200" b="0" i="1" smtClean="0">
+                          <a:latin typeface="Cambria Math" panose="02040503050406030204" pitchFamily="18" charset="0"/>
+                        </a:rPr>
+                        <m:t>=</m:t>
+                      </m:r>
+                      <m:nary>
+                        <m:naryPr>
+                          <m:chr m:val="∏"/>
+                          <m:ctrlPr>
+                            <a:rPr lang="en-US" sz="3200" b="0" i="1" smtClean="0">
+                              <a:latin typeface="Cambria Math" panose="02040503050406030204" pitchFamily="18" charset="0"/>
+                            </a:rPr>
+                          </m:ctrlPr>
+                        </m:naryPr>
+                        <m:sub>
+                          <m:r>
+                            <m:rPr>
+                              <m:brk m:alnAt="23"/>
+                            </m:rPr>
+                            <a:rPr lang="en-US" sz="3200" b="0" i="1" smtClean="0">
+                              <a:latin typeface="Cambria Math" panose="02040503050406030204" pitchFamily="18" charset="0"/>
+                            </a:rPr>
+                            <m:t>𝑖</m:t>
+                          </m:r>
+                          <m:r>
+                            <a:rPr lang="en-US" sz="3200" b="0" i="1" smtClean="0">
+                              <a:latin typeface="Cambria Math" panose="02040503050406030204" pitchFamily="18" charset="0"/>
+                            </a:rPr>
+                            <m:t>=1</m:t>
+                          </m:r>
+                        </m:sub>
+                        <m:sup>
+                          <m:r>
+                            <a:rPr lang="en-US" sz="3200" b="0" i="1" smtClean="0">
+                              <a:latin typeface="Cambria Math" panose="02040503050406030204" pitchFamily="18" charset="0"/>
+                            </a:rPr>
+                            <m:t>𝑛</m:t>
+                          </m:r>
+                        </m:sup>
+                        <m:e>
+                          <m:r>
+                            <a:rPr lang="en-US" sz="3200" b="0" i="1" smtClean="0">
+                              <a:latin typeface="Cambria Math" panose="02040503050406030204" pitchFamily="18" charset="0"/>
+                            </a:rPr>
+                            <m:t>𝑃</m:t>
+                          </m:r>
+                          <m:r>
+                            <a:rPr lang="en-US" sz="3200" b="0" i="1" smtClean="0">
+                              <a:latin typeface="Cambria Math" panose="02040503050406030204" pitchFamily="18" charset="0"/>
+                            </a:rPr>
+                            <m:t>(</m:t>
+                          </m:r>
+                          <m:sSub>
+                            <m:sSubPr>
+                              <m:ctrlPr>
+                                <a:rPr lang="en-US" sz="3200" b="0" i="1" smtClean="0">
+                                  <a:latin typeface="Cambria Math" panose="02040503050406030204" pitchFamily="18" charset="0"/>
+                                </a:rPr>
+                              </m:ctrlPr>
+                            </m:sSubPr>
+                            <m:e>
+                              <m:r>
+                                <a:rPr lang="en-US" sz="3200" b="0" i="1" smtClean="0">
+                                  <a:latin typeface="Cambria Math" panose="02040503050406030204" pitchFamily="18" charset="0"/>
+                                </a:rPr>
+                                <m:t>𝑥</m:t>
+                              </m:r>
+                            </m:e>
+                            <m:sub>
+                              <m:r>
+                                <a:rPr lang="en-US" sz="3200" b="0" i="1" smtClean="0">
+                                  <a:latin typeface="Cambria Math" panose="02040503050406030204" pitchFamily="18" charset="0"/>
+                                </a:rPr>
+                                <m:t>𝑖</m:t>
+                              </m:r>
+                            </m:sub>
+                          </m:sSub>
+                          <m:r>
+                            <a:rPr lang="en-US" sz="3200" b="0" i="1" smtClean="0">
+                              <a:latin typeface="Cambria Math" panose="02040503050406030204" pitchFamily="18" charset="0"/>
+                            </a:rPr>
+                            <m:t>|</m:t>
+                          </m:r>
+                          <m:r>
+                            <a:rPr lang="en-US" sz="3200" b="0" i="1" smtClean="0">
+                              <a:latin typeface="Cambria Math" panose="02040503050406030204" pitchFamily="18" charset="0"/>
+                            </a:rPr>
+                            <m:t>𝑐</m:t>
+                          </m:r>
+                          <m:r>
+                            <a:rPr lang="en-US" sz="3200" b="0" i="1" smtClean="0">
+                              <a:latin typeface="Cambria Math" panose="02040503050406030204" pitchFamily="18" charset="0"/>
+                            </a:rPr>
+                            <m:t>)</m:t>
+                          </m:r>
+                        </m:e>
+                      </m:nary>
+                    </m:oMath>
+                  </m:oMathPara>
+                </a14:m>
+                <a:endParaRPr lang="uk-UA" sz="3200" dirty="0"/>
+              </a:p>
+              <a:p>
+                <a:pPr algn="just"/>
+                <a:r>
+                  <a:rPr lang="uk-UA" sz="3200" dirty="0"/>
+                  <a:t>Тренування: час - </a:t>
+                </a:r>
+                <a14:m>
+                  <m:oMath xmlns:m="http://schemas.openxmlformats.org/officeDocument/2006/math">
+                    <m:r>
+                      <a:rPr lang="en-US" sz="3200" b="0" i="1" smtClean="0">
+                        <a:latin typeface="Cambria Math" panose="02040503050406030204" pitchFamily="18" charset="0"/>
+                      </a:rPr>
+                      <m:t>𝑂</m:t>
+                    </m:r>
+                    <m:r>
+                      <a:rPr lang="en-US" sz="3200" b="0" i="1" smtClean="0">
+                        <a:latin typeface="Cambria Math" panose="02040503050406030204" pitchFamily="18" charset="0"/>
+                      </a:rPr>
+                      <m:t>(</m:t>
+                    </m:r>
+                    <m:r>
+                      <a:rPr lang="en-US" sz="3200" b="0" i="1" smtClean="0">
+                        <a:latin typeface="Cambria Math" panose="02040503050406030204" pitchFamily="18" charset="0"/>
+                      </a:rPr>
+                      <m:t>𝑛𝑘</m:t>
+                    </m:r>
+                    <m:r>
+                      <a:rPr lang="en-US" sz="3200" b="0" i="1" smtClean="0">
+                        <a:latin typeface="Cambria Math" panose="02040503050406030204" pitchFamily="18" charset="0"/>
+                      </a:rPr>
+                      <m:t>)</m:t>
+                    </m:r>
+                  </m:oMath>
+                </a14:m>
+                <a:r>
+                  <a:rPr lang="en-US" sz="3200" dirty="0"/>
+                  <a:t>, </a:t>
+                </a:r>
+                <a:r>
+                  <a:rPr lang="uk-UA" sz="3200" dirty="0"/>
+                  <a:t>простір - </a:t>
+                </a:r>
+                <a14:m>
+                  <m:oMath xmlns:m="http://schemas.openxmlformats.org/officeDocument/2006/math">
+                    <m:r>
+                      <a:rPr lang="en-US" sz="3200" b="0" i="1" smtClean="0">
+                        <a:latin typeface="Cambria Math" panose="02040503050406030204" pitchFamily="18" charset="0"/>
+                      </a:rPr>
+                      <m:t>𝑂</m:t>
+                    </m:r>
+                    <m:r>
+                      <a:rPr lang="en-US" sz="3200" b="0" i="1" smtClean="0">
+                        <a:latin typeface="Cambria Math" panose="02040503050406030204" pitchFamily="18" charset="0"/>
+                      </a:rPr>
+                      <m:t>(</m:t>
+                    </m:r>
+                    <m:r>
+                      <a:rPr lang="en-US" sz="3200" b="0" i="1" smtClean="0">
+                        <a:latin typeface="Cambria Math" panose="02040503050406030204" pitchFamily="18" charset="0"/>
+                      </a:rPr>
+                      <m:t>𝑛</m:t>
+                    </m:r>
+                    <m:r>
+                      <a:rPr lang="en-US" sz="3200" b="0" i="1" smtClean="0">
+                        <a:latin typeface="Cambria Math" panose="02040503050406030204" pitchFamily="18" charset="0"/>
+                      </a:rPr>
+                      <m:t>)</m:t>
+                    </m:r>
+                  </m:oMath>
+                </a14:m>
+                <a:endParaRPr lang="en-US" sz="3200" dirty="0"/>
+              </a:p>
+              <a:p>
+                <a:pPr algn="just"/>
+                <a:r>
+                  <a:rPr lang="uk-UA" sz="3200" dirty="0"/>
+                  <a:t>Класифікація: час - </a:t>
+                </a:r>
+                <a14:m>
+                  <m:oMath xmlns:m="http://schemas.openxmlformats.org/officeDocument/2006/math">
+                    <m:r>
+                      <a:rPr lang="en-US" sz="3200" b="0" i="1" smtClean="0">
+                        <a:latin typeface="Cambria Math" panose="02040503050406030204" pitchFamily="18" charset="0"/>
+                      </a:rPr>
+                      <m:t>𝑂</m:t>
+                    </m:r>
+                    <m:r>
+                      <a:rPr lang="en-US" sz="3200" b="0" i="1" smtClean="0">
+                        <a:latin typeface="Cambria Math" panose="02040503050406030204" pitchFamily="18" charset="0"/>
+                      </a:rPr>
+                      <m:t>(</m:t>
+                    </m:r>
+                    <m:r>
+                      <a:rPr lang="en-US" sz="3200" b="0" i="1" smtClean="0">
+                        <a:latin typeface="Cambria Math" panose="02040503050406030204" pitchFamily="18" charset="0"/>
+                      </a:rPr>
+                      <m:t>𝑛</m:t>
+                    </m:r>
+                    <m:r>
+                      <a:rPr lang="en-US" sz="3200" b="0" i="1" smtClean="0">
+                        <a:latin typeface="Cambria Math" panose="02040503050406030204" pitchFamily="18" charset="0"/>
+                      </a:rPr>
+                      <m:t>)</m:t>
+                    </m:r>
+                  </m:oMath>
+                </a14:m>
+                <a:r>
+                  <a:rPr lang="uk-UA" sz="3200" dirty="0"/>
+                  <a:t>, простір - </a:t>
+                </a:r>
+                <a14:m>
+                  <m:oMath xmlns:m="http://schemas.openxmlformats.org/officeDocument/2006/math">
+                    <m:r>
+                      <a:rPr lang="en-US" sz="3200" b="0" i="1" smtClean="0">
+                        <a:latin typeface="Cambria Math" panose="02040503050406030204" pitchFamily="18" charset="0"/>
+                      </a:rPr>
+                      <m:t>𝑂</m:t>
+                    </m:r>
+                    <m:r>
+                      <a:rPr lang="en-US" sz="3200" b="0" i="1" smtClean="0">
+                        <a:latin typeface="Cambria Math" panose="02040503050406030204" pitchFamily="18" charset="0"/>
+                      </a:rPr>
+                      <m:t>(1)</m:t>
+                    </m:r>
+                  </m:oMath>
+                </a14:m>
+                <a:endParaRPr lang="en-US" sz="3200" dirty="0"/>
+              </a:p>
+            </p:txBody>
+          </p:sp>
+        </mc:Choice>
+        <mc:Fallback>
+          <p:sp>
+            <p:nvSpPr>
+              <p:cNvPr id="3" name="Content Placeholder 2"/>
+              <p:cNvSpPr>
+                <a:spLocks noGrp="1" noRot="1" noChangeAspect="1" noMove="1" noResize="1" noEditPoints="1" noAdjustHandles="1" noChangeArrowheads="1" noChangeShapeType="1" noTextEdit="1"/>
+              </p:cNvSpPr>
+              <p:nvPr>
+                <p:ph idx="1"/>
+              </p:nvPr>
+            </p:nvSpPr>
+            <p:spPr>
+              <a:xfrm>
+                <a:off x="838200" y="1825624"/>
+                <a:ext cx="10515600" cy="4828393"/>
+              </a:xfrm>
+              <a:blipFill>
+                <a:blip r:embed="rId2"/>
+                <a:stretch>
+                  <a:fillRect l="-1333" t="-2648" r="-1449"/>
+                </a:stretch>
+              </a:blipFill>
+            </p:spPr>
+            <p:txBody>
+              <a:bodyPr/>
+              <a:lstStyle/>
+              <a:p>
+                <a:r>
+                  <a:rPr lang="en-US">
+                    <a:noFill/>
+                  </a:rPr>
+                  <a:t> </a:t>
+                </a:r>
+              </a:p>
+            </p:txBody>
+          </p:sp>
+        </mc:Fallback>
+      </mc:AlternateContent>
+      <p:sp>
+        <p:nvSpPr>
+          <p:cNvPr id="5" name="Slide Number Placeholder 4"/>
+          <p:cNvSpPr>
+            <a:spLocks noGrp="1"/>
+          </p:cNvSpPr>
+          <p:nvPr>
+            <p:ph type="sldNum" sz="quarter" idx="12"/>
+          </p:nvPr>
+        </p:nvSpPr>
+        <p:spPr/>
+        <p:txBody>
+          <a:bodyPr/>
+          <a:lstStyle/>
+          <a:p>
+            <a:fld id="{CA5C24F5-8CCA-4A68-8184-CA068DE5215A}" type="slidenum">
+              <a:rPr lang="en-US" smtClean="0"/>
+              <a:t>6</a:t>
+            </a:fld>
+            <a:r>
+              <a:rPr lang="en-US" dirty="0"/>
+              <a:t> / 18</a:t>
+            </a:r>
           </a:p>
         </p:txBody>
       </p:sp>
@@ -4276,13 +10613,690 @@
   <p:clrMapOvr>
     <a:masterClrMapping/>
   </p:clrMapOvr>
-  <mc:AlternateContent xmlns:mc="http://schemas.openxmlformats.org/markup-compatibility/2006">
-    <mc:Choice xmlns:p159="http://schemas.microsoft.com/office/powerpoint/2015/09/main" Requires="p159">
+  <mc:AlternateContent xmlns:mc="http://schemas.openxmlformats.org/markup-compatibility/2006" xmlns:p159="http://schemas.microsoft.com/office/powerpoint/2015/09/main">
+    <mc:Choice Requires="p159">
       <p:transition xmlns:p14="http://schemas.microsoft.com/office/powerpoint/2010/main" spd="slow" p14:dur="2000">
         <p159:morph option="byObject"/>
       </p:transition>
     </mc:Choice>
-    <mc:Fallback>
+    <mc:Fallback xmlns="">
+      <p:transition spd="slow">
+        <p:fade/>
+      </p:transition>
+    </mc:Fallback>
+  </mc:AlternateContent>
+</p:sld>
+</file>
+
+<file path=ppt/slides/slide7.xml><?xml version="1.0" encoding="utf-8"?>
+<p:sld xmlns:a="http://schemas.openxmlformats.org/drawingml/2006/main" xmlns:r="http://schemas.openxmlformats.org/officeDocument/2006/relationships" xmlns:p="http://schemas.openxmlformats.org/presentationml/2006/main">
+  <p:cSld>
+    <p:spTree>
+      <p:nvGrpSpPr>
+        <p:cNvPr id="1" name=""/>
+        <p:cNvGrpSpPr/>
+        <p:nvPr/>
+      </p:nvGrpSpPr>
+      <p:grpSpPr>
+        <a:xfrm>
+          <a:off x="0" y="0"/>
+          <a:ext cx="0" cy="0"/>
+          <a:chOff x="0" y="0"/>
+          <a:chExt cx="0" cy="0"/>
+        </a:xfrm>
+      </p:grpSpPr>
+      <p:sp>
+        <p:nvSpPr>
+          <p:cNvPr id="2" name="Title 1"/>
+          <p:cNvSpPr>
+            <a:spLocks noGrp="1"/>
+          </p:cNvSpPr>
+          <p:nvPr>
+            <p:ph type="title"/>
+          </p:nvPr>
+        </p:nvSpPr>
+        <p:spPr/>
+        <p:txBody>
+          <a:bodyPr/>
+          <a:lstStyle/>
+          <a:p>
+            <a:pPr algn="ctr"/>
+            <a:r>
+              <a:rPr lang="uk-UA" b="1" dirty="0"/>
+              <a:t>Педантичний баєсівський класифікатор</a:t>
+            </a:r>
+            <a:endParaRPr lang="en-US" b="1" dirty="0"/>
+          </a:p>
+        </p:txBody>
+      </p:sp>
+      <mc:AlternateContent xmlns:mc="http://schemas.openxmlformats.org/markup-compatibility/2006">
+        <mc:Choice xmlns:a14="http://schemas.microsoft.com/office/drawing/2010/main" Requires="a14">
+          <p:sp>
+            <p:nvSpPr>
+              <p:cNvPr id="3" name="Content Placeholder 2"/>
+              <p:cNvSpPr>
+                <a:spLocks noGrp="1"/>
+              </p:cNvSpPr>
+              <p:nvPr>
+                <p:ph idx="1"/>
+              </p:nvPr>
+            </p:nvSpPr>
+            <p:spPr>
+              <a:xfrm>
+                <a:off x="838200" y="1825625"/>
+                <a:ext cx="10515600" cy="4631446"/>
+              </a:xfrm>
+            </p:spPr>
+            <p:txBody>
+              <a:bodyPr>
+                <a:normAutofit/>
+              </a:bodyPr>
+              <a:lstStyle/>
+              <a:p>
+                <a:pPr algn="just"/>
+                <a:r>
+                  <a:rPr lang="uk-UA" sz="3200" dirty="0"/>
+                  <a:t>Відкидаємо припущення про незалежність слів</a:t>
+                </a:r>
+              </a:p>
+              <a:p>
+                <a:pPr algn="just"/>
+                <a:r>
+                  <a:rPr lang="uk-UA" sz="3200" dirty="0"/>
+                  <a:t>Обчислюємо </a:t>
+                </a:r>
+                <a14:m>
+                  <m:oMath xmlns:m="http://schemas.openxmlformats.org/officeDocument/2006/math">
+                    <m:r>
+                      <a:rPr lang="en-US" sz="3200" b="0" i="1" smtClean="0">
+                        <a:latin typeface="Cambria Math" panose="02040503050406030204" pitchFamily="18" charset="0"/>
+                      </a:rPr>
+                      <m:t>𝑃</m:t>
+                    </m:r>
+                    <m:r>
+                      <a:rPr lang="en-US" sz="3200" b="0" i="1" smtClean="0">
+                        <a:latin typeface="Cambria Math" panose="02040503050406030204" pitchFamily="18" charset="0"/>
+                      </a:rPr>
+                      <m:t>(</m:t>
+                    </m:r>
+                    <m:r>
+                      <a:rPr lang="en-US" sz="3200" b="0" i="1" smtClean="0">
+                        <a:latin typeface="Cambria Math" panose="02040503050406030204" pitchFamily="18" charset="0"/>
+                      </a:rPr>
+                      <m:t>𝑥</m:t>
+                    </m:r>
+                    <m:r>
+                      <a:rPr lang="en-US" sz="3200" b="0" i="1" smtClean="0">
+                        <a:latin typeface="Cambria Math" panose="02040503050406030204" pitchFamily="18" charset="0"/>
+                      </a:rPr>
+                      <m:t>|</m:t>
+                    </m:r>
+                    <m:r>
+                      <a:rPr lang="en-US" sz="3200" b="0" i="1" smtClean="0">
+                        <a:latin typeface="Cambria Math" panose="02040503050406030204" pitchFamily="18" charset="0"/>
+                      </a:rPr>
+                      <m:t>𝑐</m:t>
+                    </m:r>
+                    <m:r>
+                      <a:rPr lang="en-US" sz="3200" b="0" i="1" smtClean="0">
+                        <a:latin typeface="Cambria Math" panose="02040503050406030204" pitchFamily="18" charset="0"/>
+                      </a:rPr>
+                      <m:t>)</m:t>
+                    </m:r>
+                  </m:oMath>
+                </a14:m>
+                <a:r>
+                  <a:rPr lang="en-US" sz="3200" dirty="0"/>
+                  <a:t> </a:t>
+                </a:r>
+                <a:r>
+                  <a:rPr lang="uk-UA" sz="3200" dirty="0"/>
+                  <a:t>за ланцюговим правилом:</a:t>
+                </a:r>
+                <a:endParaRPr lang="en-US" sz="3200" dirty="0"/>
+              </a:p>
+              <a:p>
+                <a:pPr algn="just"/>
+                <a:endParaRPr lang="uk-UA" sz="3200" dirty="0"/>
+              </a:p>
+              <a:p>
+                <a:pPr marL="0" indent="0" algn="just">
+                  <a:buNone/>
+                </a:pPr>
+                <a14:m>
+                  <m:oMathPara xmlns:m="http://schemas.openxmlformats.org/officeDocument/2006/math">
+                    <m:oMathParaPr>
+                      <m:jc m:val="centerGroup"/>
+                    </m:oMathParaPr>
+                    <m:oMath xmlns:m="http://schemas.openxmlformats.org/officeDocument/2006/math">
+                      <m:r>
+                        <a:rPr lang="en-US" sz="3200" b="0" i="1" smtClean="0">
+                          <a:latin typeface="Cambria Math" panose="02040503050406030204" pitchFamily="18" charset="0"/>
+                        </a:rPr>
+                        <m:t>𝑃</m:t>
+                      </m:r>
+                      <m:d>
+                        <m:dPr>
+                          <m:ctrlPr>
+                            <a:rPr lang="en-US" sz="3200" b="0" i="1" smtClean="0">
+                              <a:latin typeface="Cambria Math" panose="02040503050406030204" pitchFamily="18" charset="0"/>
+                            </a:rPr>
+                          </m:ctrlPr>
+                        </m:dPr>
+                        <m:e>
+                          <m:r>
+                            <a:rPr lang="en-US" sz="3200" b="0" i="1" smtClean="0">
+                              <a:latin typeface="Cambria Math" panose="02040503050406030204" pitchFamily="18" charset="0"/>
+                            </a:rPr>
+                            <m:t>𝑥</m:t>
+                          </m:r>
+                        </m:e>
+                        <m:e>
+                          <m:r>
+                            <a:rPr lang="en-US" sz="3200" b="0" i="1" smtClean="0">
+                              <a:latin typeface="Cambria Math" panose="02040503050406030204" pitchFamily="18" charset="0"/>
+                            </a:rPr>
+                            <m:t>𝑐</m:t>
+                          </m:r>
+                        </m:e>
+                      </m:d>
+                      <m:r>
+                        <a:rPr lang="en-US" sz="3200" b="0" i="1" smtClean="0">
+                          <a:latin typeface="Cambria Math" panose="02040503050406030204" pitchFamily="18" charset="0"/>
+                        </a:rPr>
+                        <m:t>=</m:t>
+                      </m:r>
+                      <m:nary>
+                        <m:naryPr>
+                          <m:chr m:val="∏"/>
+                          <m:ctrlPr>
+                            <a:rPr lang="en-US" sz="3200" b="0" i="1" smtClean="0">
+                              <a:latin typeface="Cambria Math" panose="02040503050406030204" pitchFamily="18" charset="0"/>
+                            </a:rPr>
+                          </m:ctrlPr>
+                        </m:naryPr>
+                        <m:sub>
+                          <m:r>
+                            <m:rPr>
+                              <m:brk m:alnAt="23"/>
+                            </m:rPr>
+                            <a:rPr lang="en-US" sz="3200" b="0" i="1" smtClean="0">
+                              <a:latin typeface="Cambria Math" panose="02040503050406030204" pitchFamily="18" charset="0"/>
+                            </a:rPr>
+                            <m:t>𝑖</m:t>
+                          </m:r>
+                          <m:r>
+                            <a:rPr lang="en-US" sz="3200" b="0" i="1" smtClean="0">
+                              <a:latin typeface="Cambria Math" panose="02040503050406030204" pitchFamily="18" charset="0"/>
+                            </a:rPr>
+                            <m:t>=1</m:t>
+                          </m:r>
+                        </m:sub>
+                        <m:sup>
+                          <m:r>
+                            <a:rPr lang="en-US" sz="3200" b="0" i="1" smtClean="0">
+                              <a:latin typeface="Cambria Math" panose="02040503050406030204" pitchFamily="18" charset="0"/>
+                            </a:rPr>
+                            <m:t>𝑛</m:t>
+                          </m:r>
+                        </m:sup>
+                        <m:e>
+                          <m:r>
+                            <a:rPr lang="en-US" sz="3200" b="0" i="1" smtClean="0">
+                              <a:latin typeface="Cambria Math" panose="02040503050406030204" pitchFamily="18" charset="0"/>
+                            </a:rPr>
+                            <m:t>𝑃</m:t>
+                          </m:r>
+                          <m:r>
+                            <a:rPr lang="en-US" sz="3200" b="0" i="1" smtClean="0">
+                              <a:latin typeface="Cambria Math" panose="02040503050406030204" pitchFamily="18" charset="0"/>
+                            </a:rPr>
+                            <m:t>(</m:t>
+                          </m:r>
+                          <m:sSub>
+                            <m:sSubPr>
+                              <m:ctrlPr>
+                                <a:rPr lang="en-US" sz="3200" b="0" i="1" smtClean="0">
+                                  <a:latin typeface="Cambria Math" panose="02040503050406030204" pitchFamily="18" charset="0"/>
+                                </a:rPr>
+                              </m:ctrlPr>
+                            </m:sSubPr>
+                            <m:e>
+                              <m:r>
+                                <a:rPr lang="en-US" sz="3200" b="0" i="1" smtClean="0">
+                                  <a:latin typeface="Cambria Math" panose="02040503050406030204" pitchFamily="18" charset="0"/>
+                                </a:rPr>
+                                <m:t>𝑥</m:t>
+                              </m:r>
+                            </m:e>
+                            <m:sub>
+                              <m:r>
+                                <a:rPr lang="en-US" sz="3200" b="0" i="1" smtClean="0">
+                                  <a:latin typeface="Cambria Math" panose="02040503050406030204" pitchFamily="18" charset="0"/>
+                                </a:rPr>
+                                <m:t>𝑖</m:t>
+                              </m:r>
+                            </m:sub>
+                          </m:sSub>
+                          <m:r>
+                            <a:rPr lang="en-US" sz="3200" b="0" i="1" smtClean="0">
+                              <a:latin typeface="Cambria Math" panose="02040503050406030204" pitchFamily="18" charset="0"/>
+                            </a:rPr>
+                            <m:t>|</m:t>
+                          </m:r>
+                          <m:nary>
+                            <m:naryPr>
+                              <m:chr m:val="⋂"/>
+                              <m:ctrlPr>
+                                <a:rPr lang="en-US" sz="3200" b="0" i="1" smtClean="0">
+                                  <a:latin typeface="Cambria Math" panose="02040503050406030204" pitchFamily="18" charset="0"/>
+                                </a:rPr>
+                              </m:ctrlPr>
+                            </m:naryPr>
+                            <m:sub>
+                              <m:r>
+                                <m:rPr>
+                                  <m:brk m:alnAt="23"/>
+                                </m:rPr>
+                                <a:rPr lang="en-US" sz="3200" b="0" i="1" smtClean="0">
+                                  <a:latin typeface="Cambria Math" panose="02040503050406030204" pitchFamily="18" charset="0"/>
+                                </a:rPr>
+                                <m:t>𝑗</m:t>
+                              </m:r>
+                              <m:r>
+                                <a:rPr lang="en-US" sz="3200" b="0" i="1" smtClean="0">
+                                  <a:latin typeface="Cambria Math" panose="02040503050406030204" pitchFamily="18" charset="0"/>
+                                </a:rPr>
+                                <m:t>=1</m:t>
+                              </m:r>
+                            </m:sub>
+                            <m:sup>
+                              <m:r>
+                                <a:rPr lang="en-US" sz="3200" b="0" i="1" smtClean="0">
+                                  <a:latin typeface="Cambria Math" panose="02040503050406030204" pitchFamily="18" charset="0"/>
+                                </a:rPr>
+                                <m:t>𝑖</m:t>
+                              </m:r>
+                              <m:r>
+                                <a:rPr lang="en-US" sz="3200" b="0" i="1" smtClean="0">
+                                  <a:latin typeface="Cambria Math" panose="02040503050406030204" pitchFamily="18" charset="0"/>
+                                </a:rPr>
+                                <m:t>−1</m:t>
+                              </m:r>
+                            </m:sup>
+                            <m:e>
+                              <m:sSub>
+                                <m:sSubPr>
+                                  <m:ctrlPr>
+                                    <a:rPr lang="en-US" sz="3200" b="0" i="1" smtClean="0">
+                                      <a:latin typeface="Cambria Math" panose="02040503050406030204" pitchFamily="18" charset="0"/>
+                                    </a:rPr>
+                                  </m:ctrlPr>
+                                </m:sSubPr>
+                                <m:e>
+                                  <m:r>
+                                    <a:rPr lang="en-US" sz="3200" b="0" i="1" smtClean="0">
+                                      <a:latin typeface="Cambria Math" panose="02040503050406030204" pitchFamily="18" charset="0"/>
+                                    </a:rPr>
+                                    <m:t>𝑥</m:t>
+                                  </m:r>
+                                </m:e>
+                                <m:sub>
+                                  <m:r>
+                                    <a:rPr lang="en-US" sz="3200" b="0" i="1" smtClean="0">
+                                      <a:latin typeface="Cambria Math" panose="02040503050406030204" pitchFamily="18" charset="0"/>
+                                    </a:rPr>
+                                    <m:t>𝑗</m:t>
+                                  </m:r>
+                                </m:sub>
+                              </m:sSub>
+                              <m:r>
+                                <a:rPr lang="en-US" sz="3200" b="0" i="1" smtClean="0">
+                                  <a:latin typeface="Cambria Math" panose="02040503050406030204" pitchFamily="18" charset="0"/>
+                                </a:rPr>
+                                <m:t>,</m:t>
+                              </m:r>
+                              <m:r>
+                                <a:rPr lang="en-US" sz="3200" b="0" i="1" smtClean="0">
+                                  <a:latin typeface="Cambria Math" panose="02040503050406030204" pitchFamily="18" charset="0"/>
+                                </a:rPr>
+                                <m:t>𝑐</m:t>
+                              </m:r>
+                            </m:e>
+                          </m:nary>
+                          <m:r>
+                            <a:rPr lang="en-US" sz="3200" b="0" i="1" smtClean="0">
+                              <a:latin typeface="Cambria Math" panose="02040503050406030204" pitchFamily="18" charset="0"/>
+                            </a:rPr>
+                            <m:t>)</m:t>
+                          </m:r>
+                        </m:e>
+                      </m:nary>
+                    </m:oMath>
+                  </m:oMathPara>
+                </a14:m>
+                <a:endParaRPr lang="en-US" sz="3200" dirty="0"/>
+              </a:p>
+              <a:p>
+                <a:pPr algn="just"/>
+                <a:endParaRPr lang="en-US" sz="3200" dirty="0"/>
+              </a:p>
+            </p:txBody>
+          </p:sp>
+        </mc:Choice>
+        <mc:Fallback>
+          <p:sp>
+            <p:nvSpPr>
+              <p:cNvPr id="3" name="Content Placeholder 2"/>
+              <p:cNvSpPr>
+                <a:spLocks noGrp="1" noRot="1" noChangeAspect="1" noMove="1" noResize="1" noEditPoints="1" noAdjustHandles="1" noChangeArrowheads="1" noChangeShapeType="1" noTextEdit="1"/>
+              </p:cNvSpPr>
+              <p:nvPr>
+                <p:ph idx="1"/>
+              </p:nvPr>
+            </p:nvSpPr>
+            <p:spPr>
+              <a:xfrm>
+                <a:off x="838200" y="1825625"/>
+                <a:ext cx="10515600" cy="4631446"/>
+              </a:xfrm>
+              <a:blipFill>
+                <a:blip r:embed="rId2"/>
+                <a:stretch>
+                  <a:fillRect l="-1333" t="-2763"/>
+                </a:stretch>
+              </a:blipFill>
+            </p:spPr>
+            <p:txBody>
+              <a:bodyPr/>
+              <a:lstStyle/>
+              <a:p>
+                <a:r>
+                  <a:rPr lang="en-US">
+                    <a:noFill/>
+                  </a:rPr>
+                  <a:t> </a:t>
+                </a:r>
+              </a:p>
+            </p:txBody>
+          </p:sp>
+        </mc:Fallback>
+      </mc:AlternateContent>
+      <p:sp>
+        <p:nvSpPr>
+          <p:cNvPr id="4" name="Slide Number Placeholder 3"/>
+          <p:cNvSpPr>
+            <a:spLocks noGrp="1"/>
+          </p:cNvSpPr>
+          <p:nvPr>
+            <p:ph type="sldNum" sz="quarter" idx="12"/>
+          </p:nvPr>
+        </p:nvSpPr>
+        <p:spPr/>
+        <p:txBody>
+          <a:bodyPr/>
+          <a:lstStyle/>
+          <a:p>
+            <a:fld id="{CA5C24F5-8CCA-4A68-8184-CA068DE5215A}" type="slidenum">
+              <a:rPr lang="en-US" smtClean="0"/>
+              <a:t>7</a:t>
+            </a:fld>
+            <a:r>
+              <a:rPr lang="en-US" dirty="0"/>
+              <a:t> / 18</a:t>
+            </a:r>
+          </a:p>
+        </p:txBody>
+      </p:sp>
+    </p:spTree>
+    <p:extLst>
+      <p:ext uri="{BB962C8B-B14F-4D97-AF65-F5344CB8AC3E}">
+        <p14:creationId xmlns:p14="http://schemas.microsoft.com/office/powerpoint/2010/main" val="284160393"/>
+      </p:ext>
+    </p:extLst>
+  </p:cSld>
+  <p:clrMapOvr>
+    <a:masterClrMapping/>
+  </p:clrMapOvr>
+  <mc:AlternateContent xmlns:mc="http://schemas.openxmlformats.org/markup-compatibility/2006" xmlns:p159="http://schemas.microsoft.com/office/powerpoint/2015/09/main">
+    <mc:Choice Requires="p159">
+      <p:transition xmlns:p14="http://schemas.microsoft.com/office/powerpoint/2010/main" spd="slow" p14:dur="2000">
+        <p159:morph option="byObject"/>
+      </p:transition>
+    </mc:Choice>
+    <mc:Fallback xmlns="">
+      <p:transition spd="slow">
+        <p:fade/>
+      </p:transition>
+    </mc:Fallback>
+  </mc:AlternateContent>
+</p:sld>
+</file>
+
+<file path=ppt/slides/slide8.xml><?xml version="1.0" encoding="utf-8"?>
+<p:sld xmlns:a="http://schemas.openxmlformats.org/drawingml/2006/main" xmlns:r="http://schemas.openxmlformats.org/officeDocument/2006/relationships" xmlns:p="http://schemas.openxmlformats.org/presentationml/2006/main">
+  <p:cSld>
+    <p:spTree>
+      <p:nvGrpSpPr>
+        <p:cNvPr id="1" name=""/>
+        <p:cNvGrpSpPr/>
+        <p:nvPr/>
+      </p:nvGrpSpPr>
+      <p:grpSpPr>
+        <a:xfrm>
+          <a:off x="0" y="0"/>
+          <a:ext cx="0" cy="0"/>
+          <a:chOff x="0" y="0"/>
+          <a:chExt cx="0" cy="0"/>
+        </a:xfrm>
+      </p:grpSpPr>
+      <p:sp>
+        <p:nvSpPr>
+          <p:cNvPr id="2" name="Title 1"/>
+          <p:cNvSpPr>
+            <a:spLocks noGrp="1"/>
+          </p:cNvSpPr>
+          <p:nvPr>
+            <p:ph type="title"/>
+          </p:nvPr>
+        </p:nvSpPr>
+        <p:spPr/>
+        <p:txBody>
+          <a:bodyPr/>
+          <a:lstStyle/>
+          <a:p>
+            <a:pPr algn="ctr"/>
+            <a:r>
+              <a:rPr lang="uk-UA" b="1" dirty="0"/>
+              <a:t>Префіксне дерево характеристик</a:t>
+            </a:r>
+            <a:endParaRPr lang="en-US" b="1" dirty="0"/>
+          </a:p>
+        </p:txBody>
+      </p:sp>
+      <p:pic>
+        <p:nvPicPr>
+          <p:cNvPr id="8" name="Picture 7"/>
+          <p:cNvPicPr>
+            <a:picLocks noChangeAspect="1"/>
+          </p:cNvPicPr>
+          <p:nvPr/>
+        </p:nvPicPr>
+        <p:blipFill>
+          <a:blip r:embed="rId2"/>
+          <a:stretch>
+            <a:fillRect/>
+          </a:stretch>
+        </p:blipFill>
+        <p:spPr>
+          <a:xfrm>
+            <a:off x="1674087" y="1635562"/>
+            <a:ext cx="8843826" cy="5222438"/>
+          </a:xfrm>
+          <a:prstGeom prst="rect">
+            <a:avLst/>
+          </a:prstGeom>
+        </p:spPr>
+      </p:pic>
+      <p:sp>
+        <p:nvSpPr>
+          <p:cNvPr id="9" name="Slide Number Placeholder 8"/>
+          <p:cNvSpPr>
+            <a:spLocks noGrp="1"/>
+          </p:cNvSpPr>
+          <p:nvPr>
+            <p:ph type="sldNum" sz="quarter" idx="12"/>
+          </p:nvPr>
+        </p:nvSpPr>
+        <p:spPr/>
+        <p:txBody>
+          <a:bodyPr/>
+          <a:lstStyle/>
+          <a:p>
+            <a:fld id="{CA5C24F5-8CCA-4A68-8184-CA068DE5215A}" type="slidenum">
+              <a:rPr lang="en-US" smtClean="0"/>
+              <a:t>8</a:t>
+            </a:fld>
+            <a:r>
+              <a:rPr lang="en-US" dirty="0"/>
+              <a:t> / 18</a:t>
+            </a:r>
+          </a:p>
+        </p:txBody>
+      </p:sp>
+    </p:spTree>
+    <p:extLst>
+      <p:ext uri="{BB962C8B-B14F-4D97-AF65-F5344CB8AC3E}">
+        <p14:creationId xmlns:p14="http://schemas.microsoft.com/office/powerpoint/2010/main" val="702774236"/>
+      </p:ext>
+    </p:extLst>
+  </p:cSld>
+  <p:clrMapOvr>
+    <a:masterClrMapping/>
+  </p:clrMapOvr>
+  <mc:AlternateContent xmlns:mc="http://schemas.openxmlformats.org/markup-compatibility/2006" xmlns:p159="http://schemas.microsoft.com/office/powerpoint/2015/09/main">
+    <mc:Choice Requires="p159">
+      <p:transition xmlns:p14="http://schemas.microsoft.com/office/powerpoint/2010/main" spd="slow" p14:dur="2000">
+        <p159:morph option="byObject"/>
+      </p:transition>
+    </mc:Choice>
+    <mc:Fallback xmlns="">
+      <p:transition spd="slow">
+        <p:fade/>
+      </p:transition>
+    </mc:Fallback>
+  </mc:AlternateContent>
+</p:sld>
+</file>
+
+<file path=ppt/slides/slide9.xml><?xml version="1.0" encoding="utf-8"?>
+<p:sld xmlns:a="http://schemas.openxmlformats.org/drawingml/2006/main" xmlns:r="http://schemas.openxmlformats.org/officeDocument/2006/relationships" xmlns:p="http://schemas.openxmlformats.org/presentationml/2006/main">
+  <p:cSld>
+    <p:spTree>
+      <p:nvGrpSpPr>
+        <p:cNvPr id="1" name=""/>
+        <p:cNvGrpSpPr/>
+        <p:nvPr/>
+      </p:nvGrpSpPr>
+      <p:grpSpPr>
+        <a:xfrm>
+          <a:off x="0" y="0"/>
+          <a:ext cx="0" cy="0"/>
+          <a:chOff x="0" y="0"/>
+          <a:chExt cx="0" cy="0"/>
+        </a:xfrm>
+      </p:grpSpPr>
+      <p:sp>
+        <p:nvSpPr>
+          <p:cNvPr id="2" name="Title 1"/>
+          <p:cNvSpPr>
+            <a:spLocks noGrp="1"/>
+          </p:cNvSpPr>
+          <p:nvPr>
+            <p:ph type="title"/>
+          </p:nvPr>
+        </p:nvSpPr>
+        <p:spPr/>
+        <p:txBody>
+          <a:bodyPr/>
+          <a:lstStyle/>
+          <a:p>
+            <a:pPr algn="ctr"/>
+            <a:r>
+              <a:rPr lang="uk-UA" b="1" dirty="0"/>
+              <a:t>Префіксне дерево характеристик</a:t>
+            </a:r>
+            <a:endParaRPr lang="en-US" b="1" dirty="0"/>
+          </a:p>
+        </p:txBody>
+      </p:sp>
+      <p:pic>
+        <p:nvPicPr>
+          <p:cNvPr id="4" name="Picture 3"/>
+          <p:cNvPicPr>
+            <a:picLocks noChangeAspect="1"/>
+          </p:cNvPicPr>
+          <p:nvPr/>
+        </p:nvPicPr>
+        <p:blipFill>
+          <a:blip r:embed="rId2"/>
+          <a:stretch>
+            <a:fillRect/>
+          </a:stretch>
+        </p:blipFill>
+        <p:spPr>
+          <a:xfrm>
+            <a:off x="1674087" y="1635562"/>
+            <a:ext cx="8843826" cy="5222438"/>
+          </a:xfrm>
+          <a:prstGeom prst="rect">
+            <a:avLst/>
+          </a:prstGeom>
+        </p:spPr>
+      </p:pic>
+      <p:sp>
+        <p:nvSpPr>
+          <p:cNvPr id="5" name="Slide Number Placeholder 4"/>
+          <p:cNvSpPr>
+            <a:spLocks noGrp="1"/>
+          </p:cNvSpPr>
+          <p:nvPr>
+            <p:ph type="sldNum" sz="quarter" idx="12"/>
+          </p:nvPr>
+        </p:nvSpPr>
+        <p:spPr/>
+        <p:txBody>
+          <a:bodyPr/>
+          <a:lstStyle/>
+          <a:p>
+            <a:fld id="{CA5C24F5-8CCA-4A68-8184-CA068DE5215A}" type="slidenum">
+              <a:rPr lang="en-US" smtClean="0"/>
+              <a:t>9</a:t>
+            </a:fld>
+            <a:r>
+              <a:rPr lang="en-US" dirty="0"/>
+              <a:t> / 18</a:t>
+            </a:r>
+          </a:p>
+        </p:txBody>
+      </p:sp>
+    </p:spTree>
+    <p:extLst>
+      <p:ext uri="{BB962C8B-B14F-4D97-AF65-F5344CB8AC3E}">
+        <p14:creationId xmlns:p14="http://schemas.microsoft.com/office/powerpoint/2010/main" val="808689506"/>
+      </p:ext>
+    </p:extLst>
+  </p:cSld>
+  <p:clrMapOvr>
+    <a:masterClrMapping/>
+  </p:clrMapOvr>
+  <mc:AlternateContent xmlns:mc="http://schemas.openxmlformats.org/markup-compatibility/2006" xmlns:p159="http://schemas.microsoft.com/office/powerpoint/2015/09/main">
+    <mc:Choice Requires="p159">
+      <p:transition xmlns:p14="http://schemas.microsoft.com/office/powerpoint/2010/main" spd="slow" p14:dur="2000">
+        <p159:morph option="byObject"/>
+      </p:transition>
+    </mc:Choice>
+    <mc:Fallback xmlns="">
       <p:transition spd="slow">
         <p:fade/>
       </p:transition>
@@ -4587,6 +11601,301 @@
 </file>
 
 <file path=ppt/theme/theme2.xml><?xml version="1.0" encoding="utf-8"?>
+<a:theme xmlns:a="http://schemas.openxmlformats.org/drawingml/2006/main" name="Custom Design">
+  <a:themeElements>
+    <a:clrScheme name="Office">
+      <a:dk1>
+        <a:sysClr val="windowText" lastClr="000000"/>
+      </a:dk1>
+      <a:lt1>
+        <a:sysClr val="window" lastClr="FFFFFF"/>
+      </a:lt1>
+      <a:dk2>
+        <a:srgbClr val="44546A"/>
+      </a:dk2>
+      <a:lt2>
+        <a:srgbClr val="E7E6E6"/>
+      </a:lt2>
+      <a:accent1>
+        <a:srgbClr val="5B9BD5"/>
+      </a:accent1>
+      <a:accent2>
+        <a:srgbClr val="ED7D31"/>
+      </a:accent2>
+      <a:accent3>
+        <a:srgbClr val="A5A5A5"/>
+      </a:accent3>
+      <a:accent4>
+        <a:srgbClr val="FFC000"/>
+      </a:accent4>
+      <a:accent5>
+        <a:srgbClr val="4472C4"/>
+      </a:accent5>
+      <a:accent6>
+        <a:srgbClr val="70AD47"/>
+      </a:accent6>
+      <a:hlink>
+        <a:srgbClr val="0563C1"/>
+      </a:hlink>
+      <a:folHlink>
+        <a:srgbClr val="954F72"/>
+      </a:folHlink>
+    </a:clrScheme>
+    <a:fontScheme name="Office">
+      <a:majorFont>
+        <a:latin typeface="Calibri Light" panose="020F0302020204030204"/>
+        <a:ea typeface=""/>
+        <a:cs typeface=""/>
+        <a:font script="Jpan" typeface="游ゴシック Light"/>
+        <a:font script="Hang" typeface="맑은 고딕"/>
+        <a:font script="Hans" typeface="等线 Light"/>
+        <a:font script="Hant" typeface="新細明體"/>
+        <a:font script="Arab" typeface="Times New Roman"/>
+        <a:font script="Hebr" typeface="Times New Roman"/>
+        <a:font script="Thai" typeface="Angsana New"/>
+        <a:font script="Ethi" typeface="Nyala"/>
+        <a:font script="Beng" typeface="Vrinda"/>
+        <a:font script="Gujr" typeface="Shruti"/>
+        <a:font script="Khmr" typeface="MoolBoran"/>
+        <a:font script="Knda" typeface="Tunga"/>
+        <a:font script="Guru" typeface="Raavi"/>
+        <a:font script="Cans" typeface="Euphemia"/>
+        <a:font script="Cher" typeface="Plantagenet Cherokee"/>
+        <a:font script="Yiii" typeface="Microsoft Yi Baiti"/>
+        <a:font script="Tibt" typeface="Microsoft Himalaya"/>
+        <a:font script="Thaa" typeface="MV Boli"/>
+        <a:font script="Deva" typeface="Mangal"/>
+        <a:font script="Telu" typeface="Gautami"/>
+        <a:font script="Taml" typeface="Latha"/>
+        <a:font script="Syrc" typeface="Estrangelo Edessa"/>
+        <a:font script="Orya" typeface="Kalinga"/>
+        <a:font script="Mlym" typeface="Kartika"/>
+        <a:font script="Laoo" typeface="DokChampa"/>
+        <a:font script="Sinh" typeface="Iskoola Pota"/>
+        <a:font script="Mong" typeface="Mongolian Baiti"/>
+        <a:font script="Viet" typeface="Times New Roman"/>
+        <a:font script="Uigh" typeface="Microsoft Uighur"/>
+        <a:font script="Geor" typeface="Sylfaen"/>
+        <a:font script="Armn" typeface="Arial"/>
+        <a:font script="Bugi" typeface="Leelawadee UI"/>
+        <a:font script="Bopo" typeface="Microsoft JhengHei"/>
+        <a:font script="Java" typeface="Javanese Text"/>
+        <a:font script="Lisu" typeface="Segoe UI"/>
+        <a:font script="Mymr" typeface="Myanmar Text"/>
+        <a:font script="Nkoo" typeface="Ebrima"/>
+        <a:font script="Olck" typeface="Nirmala UI"/>
+        <a:font script="Osma" typeface="Ebrima"/>
+        <a:font script="Phag" typeface="Phagspa"/>
+        <a:font script="Syrn" typeface="Estrangelo Edessa"/>
+        <a:font script="Syrj" typeface="Estrangelo Edessa"/>
+        <a:font script="Syre" typeface="Estrangelo Edessa"/>
+        <a:font script="Sora" typeface="Nirmala UI"/>
+        <a:font script="Tale" typeface="Microsoft Tai Le"/>
+        <a:font script="Talu" typeface="Microsoft New Tai Lue"/>
+        <a:font script="Tfng" typeface="Ebrima"/>
+      </a:majorFont>
+      <a:minorFont>
+        <a:latin typeface="Calibri" panose="020F0502020204030204"/>
+        <a:ea typeface=""/>
+        <a:cs typeface=""/>
+        <a:font script="Jpan" typeface="游ゴシック"/>
+        <a:font script="Hang" typeface="맑은 고딕"/>
+        <a:font script="Hans" typeface="等线"/>
+        <a:font script="Hant" typeface="新細明體"/>
+        <a:font script="Arab" typeface="Arial"/>
+        <a:font script="Hebr" typeface="Arial"/>
+        <a:font script="Thai" typeface="Cordia New"/>
+        <a:font script="Ethi" typeface="Nyala"/>
+        <a:font script="Beng" typeface="Vrinda"/>
+        <a:font script="Gujr" typeface="Shruti"/>
+        <a:font script="Khmr" typeface="DaunPenh"/>
+        <a:font script="Knda" typeface="Tunga"/>
+        <a:font script="Guru" typeface="Raavi"/>
+        <a:font script="Cans" typeface="Euphemia"/>
+        <a:font script="Cher" typeface="Plantagenet Cherokee"/>
+        <a:font script="Yiii" typeface="Microsoft Yi Baiti"/>
+        <a:font script="Tibt" typeface="Microsoft Himalaya"/>
+        <a:font script="Thaa" typeface="MV Boli"/>
+        <a:font script="Deva" typeface="Mangal"/>
+        <a:font script="Telu" typeface="Gautami"/>
+        <a:font script="Taml" typeface="Latha"/>
+        <a:font script="Syrc" typeface="Estrangelo Edessa"/>
+        <a:font script="Orya" typeface="Kalinga"/>
+        <a:font script="Mlym" typeface="Kartika"/>
+        <a:font script="Laoo" typeface="DokChampa"/>
+        <a:font script="Sinh" typeface="Iskoola Pota"/>
+        <a:font script="Mong" typeface="Mongolian Baiti"/>
+        <a:font script="Viet" typeface="Arial"/>
+        <a:font script="Uigh" typeface="Microsoft Uighur"/>
+        <a:font script="Geor" typeface="Sylfaen"/>
+        <a:font script="Armn" typeface="Arial"/>
+        <a:font script="Bugi" typeface="Leelawadee UI"/>
+        <a:font script="Bopo" typeface="Microsoft JhengHei"/>
+        <a:font script="Java" typeface="Javanese Text"/>
+        <a:font script="Lisu" typeface="Segoe UI"/>
+        <a:font script="Mymr" typeface="Myanmar Text"/>
+        <a:font script="Nkoo" typeface="Ebrima"/>
+        <a:font script="Olck" typeface="Nirmala UI"/>
+        <a:font script="Osma" typeface="Ebrima"/>
+        <a:font script="Phag" typeface="Phagspa"/>
+        <a:font script="Syrn" typeface="Estrangelo Edessa"/>
+        <a:font script="Syrj" typeface="Estrangelo Edessa"/>
+        <a:font script="Syre" typeface="Estrangelo Edessa"/>
+        <a:font script="Sora" typeface="Nirmala UI"/>
+        <a:font script="Tale" typeface="Microsoft Tai Le"/>
+        <a:font script="Talu" typeface="Microsoft New Tai Lue"/>
+        <a:font script="Tfng" typeface="Ebrima"/>
+      </a:minorFont>
+    </a:fontScheme>
+    <a:fmtScheme name="Office">
+      <a:fillStyleLst>
+        <a:solidFill>
+          <a:schemeClr val="phClr"/>
+        </a:solidFill>
+        <a:gradFill rotWithShape="1">
+          <a:gsLst>
+            <a:gs pos="0">
+              <a:schemeClr val="phClr">
+                <a:lumMod val="110000"/>
+                <a:satMod val="105000"/>
+                <a:tint val="67000"/>
+              </a:schemeClr>
+            </a:gs>
+            <a:gs pos="50000">
+              <a:schemeClr val="phClr">
+                <a:lumMod val="105000"/>
+                <a:satMod val="103000"/>
+                <a:tint val="73000"/>
+              </a:schemeClr>
+            </a:gs>
+            <a:gs pos="100000">
+              <a:schemeClr val="phClr">
+                <a:lumMod val="105000"/>
+                <a:satMod val="109000"/>
+                <a:tint val="81000"/>
+              </a:schemeClr>
+            </a:gs>
+          </a:gsLst>
+          <a:lin ang="5400000" scaled="0"/>
+        </a:gradFill>
+        <a:gradFill rotWithShape="1">
+          <a:gsLst>
+            <a:gs pos="0">
+              <a:schemeClr val="phClr">
+                <a:satMod val="103000"/>
+                <a:lumMod val="102000"/>
+                <a:tint val="94000"/>
+              </a:schemeClr>
+            </a:gs>
+            <a:gs pos="50000">
+              <a:schemeClr val="phClr">
+                <a:satMod val="110000"/>
+                <a:lumMod val="100000"/>
+                <a:shade val="100000"/>
+              </a:schemeClr>
+            </a:gs>
+            <a:gs pos="100000">
+              <a:schemeClr val="phClr">
+                <a:lumMod val="99000"/>
+                <a:satMod val="120000"/>
+                <a:shade val="78000"/>
+              </a:schemeClr>
+            </a:gs>
+          </a:gsLst>
+          <a:lin ang="5400000" scaled="0"/>
+        </a:gradFill>
+      </a:fillStyleLst>
+      <a:lnStyleLst>
+        <a:ln w="6350" cap="flat" cmpd="sng" algn="ctr">
+          <a:solidFill>
+            <a:schemeClr val="phClr"/>
+          </a:solidFill>
+          <a:prstDash val="solid"/>
+          <a:miter lim="800000"/>
+        </a:ln>
+        <a:ln w="12700" cap="flat" cmpd="sng" algn="ctr">
+          <a:solidFill>
+            <a:schemeClr val="phClr"/>
+          </a:solidFill>
+          <a:prstDash val="solid"/>
+          <a:miter lim="800000"/>
+        </a:ln>
+        <a:ln w="19050" cap="flat" cmpd="sng" algn="ctr">
+          <a:solidFill>
+            <a:schemeClr val="phClr"/>
+          </a:solidFill>
+          <a:prstDash val="solid"/>
+          <a:miter lim="800000"/>
+        </a:ln>
+      </a:lnStyleLst>
+      <a:effectStyleLst>
+        <a:effectStyle>
+          <a:effectLst/>
+        </a:effectStyle>
+        <a:effectStyle>
+          <a:effectLst/>
+        </a:effectStyle>
+        <a:effectStyle>
+          <a:effectLst>
+            <a:outerShdw blurRad="57150" dist="19050" dir="5400000" algn="ctr" rotWithShape="0">
+              <a:srgbClr val="000000">
+                <a:alpha val="63000"/>
+              </a:srgbClr>
+            </a:outerShdw>
+          </a:effectLst>
+        </a:effectStyle>
+      </a:effectStyleLst>
+      <a:bgFillStyleLst>
+        <a:solidFill>
+          <a:schemeClr val="phClr"/>
+        </a:solidFill>
+        <a:solidFill>
+          <a:schemeClr val="phClr">
+            <a:tint val="95000"/>
+            <a:satMod val="170000"/>
+          </a:schemeClr>
+        </a:solidFill>
+        <a:gradFill rotWithShape="1">
+          <a:gsLst>
+            <a:gs pos="0">
+              <a:schemeClr val="phClr">
+                <a:tint val="93000"/>
+                <a:satMod val="150000"/>
+                <a:shade val="98000"/>
+                <a:lumMod val="102000"/>
+              </a:schemeClr>
+            </a:gs>
+            <a:gs pos="50000">
+              <a:schemeClr val="phClr">
+                <a:tint val="98000"/>
+                <a:satMod val="130000"/>
+                <a:shade val="90000"/>
+                <a:lumMod val="103000"/>
+              </a:schemeClr>
+            </a:gs>
+            <a:gs pos="100000">
+              <a:schemeClr val="phClr">
+                <a:shade val="63000"/>
+                <a:satMod val="120000"/>
+              </a:schemeClr>
+            </a:gs>
+          </a:gsLst>
+          <a:lin ang="5400000" scaled="0"/>
+        </a:gradFill>
+      </a:bgFillStyleLst>
+    </a:fmtScheme>
+  </a:themeElements>
+  <a:objectDefaults/>
+  <a:extraClrSchemeLst/>
+  <a:extLst>
+    <a:ext uri="{05A4C25C-085E-4340-85A3-A5531E510DB2}">
+      <thm15:themeFamily xmlns:thm15="http://schemas.microsoft.com/office/thememl/2012/main" name="Office Theme" id="{62F939B6-93AF-4DB8-9C6B-D6C7DFDC589F}" vid="{4A3C46E8-61CC-4603-A589-7422A47A8E4A}"/>
+    </a:ext>
+  </a:extLst>
+</a:theme>
+</file>
+
+<file path=ppt/theme/theme3.xml><?xml version="1.0" encoding="utf-8"?>
 <a:theme xmlns:a="http://schemas.openxmlformats.org/drawingml/2006/main" name="Office Theme">
   <a:themeElements>
     <a:clrScheme name="Office">

--- a/fitel_presentation/Analysis of Statistical Spam Classifiers for Text Messages.pptx
+++ b/fitel_presentation/Analysis of Statistical Spam Classifiers for Text Messages.pptx
@@ -215,7 +215,7 @@
           <a:p>
             <a:fld id="{0BA243C8-8C0C-4600-914B-457D96B897EA}" type="datetimeFigureOut">
               <a:rPr lang="en-US" smtClean="0"/>
-              <a:t>2016-06-02</a:t>
+              <a:t>2016-06-03</a:t>
             </a:fld>
             <a:endParaRPr lang="en-US"/>
           </a:p>
@@ -1320,7 +1320,6 @@
               <a:rPr lang="en-US"/>
               <a:t>Click to edit Master title style</a:t>
             </a:r>
-            <a:endParaRPr lang="en-US"/>
           </a:p>
         </p:txBody>
       </p:sp>
@@ -1385,7 +1384,6 @@
               <a:rPr lang="en-US"/>
               <a:t>Click to edit Master subtitle style</a:t>
             </a:r>
-            <a:endParaRPr lang="en-US"/>
           </a:p>
         </p:txBody>
       </p:sp>
@@ -1503,7 +1501,6 @@
               <a:rPr lang="en-US"/>
               <a:t>Click to edit Master title style</a:t>
             </a:r>
-            <a:endParaRPr lang="en-US"/>
           </a:p>
         </p:txBody>
       </p:sp>
@@ -1555,7 +1552,6 @@
               <a:rPr lang="en-US"/>
               <a:t>Fifth level</a:t>
             </a:r>
-            <a:endParaRPr lang="en-US"/>
           </a:p>
         </p:txBody>
       </p:sp>
@@ -1682,7 +1678,6 @@
               <a:rPr lang="en-US"/>
               <a:t>Click to edit Master title style</a:t>
             </a:r>
-            <a:endParaRPr lang="en-US"/>
           </a:p>
         </p:txBody>
       </p:sp>
@@ -1919,7 +1914,6 @@
               <a:rPr lang="en-US"/>
               <a:t>Click to edit Master title style</a:t>
             </a:r>
-            <a:endParaRPr lang="en-US"/>
           </a:p>
         </p:txBody>
       </p:sp>
@@ -1976,7 +1970,6 @@
               <a:rPr lang="en-US"/>
               <a:t>Fifth level</a:t>
             </a:r>
-            <a:endParaRPr lang="en-US"/>
           </a:p>
         </p:txBody>
       </p:sp>
@@ -2033,7 +2026,6 @@
               <a:rPr lang="en-US"/>
               <a:t>Fifth level</a:t>
             </a:r>
-            <a:endParaRPr lang="en-US"/>
           </a:p>
         </p:txBody>
       </p:sp>
@@ -2156,7 +2148,6 @@
               <a:rPr lang="en-US"/>
               <a:t>Click to edit Master title style</a:t>
             </a:r>
-            <a:endParaRPr lang="en-US"/>
           </a:p>
         </p:txBody>
       </p:sp>
@@ -2278,7 +2269,6 @@
               <a:rPr lang="en-US"/>
               <a:t>Fifth level</a:t>
             </a:r>
-            <a:endParaRPr lang="en-US"/>
           </a:p>
         </p:txBody>
       </p:sp>
@@ -2400,7 +2390,6 @@
               <a:rPr lang="en-US"/>
               <a:t>Fifth level</a:t>
             </a:r>
-            <a:endParaRPr lang="en-US"/>
           </a:p>
         </p:txBody>
       </p:sp>
@@ -2518,7 +2507,6 @@
               <a:rPr lang="en-US"/>
               <a:t>Click to edit Master title style</a:t>
             </a:r>
-            <a:endParaRPr lang="en-US"/>
           </a:p>
         </p:txBody>
       </p:sp>
@@ -2740,7 +2728,6 @@
               <a:rPr lang="en-US"/>
               <a:t>Click to edit Master title style</a:t>
             </a:r>
-            <a:endParaRPr lang="en-US"/>
           </a:p>
         </p:txBody>
       </p:sp>
@@ -2825,7 +2812,6 @@
               <a:rPr lang="en-US"/>
               <a:t>Fifth level</a:t>
             </a:r>
-            <a:endParaRPr lang="en-US"/>
           </a:p>
         </p:txBody>
       </p:sp>
@@ -3185,7 +3171,6 @@
               <a:rPr lang="en-US"/>
               <a:t>Click to edit Master title style</a:t>
             </a:r>
-            <a:endParaRPr lang="en-US"/>
           </a:p>
         </p:txBody>
       </p:sp>
@@ -3429,7 +3414,6 @@
               <a:rPr lang="en-US"/>
               <a:t>Click to edit Master title style</a:t>
             </a:r>
-            <a:endParaRPr lang="en-US"/>
           </a:p>
         </p:txBody>
       </p:sp>
@@ -3481,7 +3465,6 @@
               <a:rPr lang="en-US"/>
               <a:t>Fifth level</a:t>
             </a:r>
-            <a:endParaRPr lang="en-US"/>
           </a:p>
         </p:txBody>
       </p:sp>
@@ -3604,7 +3587,6 @@
               <a:rPr lang="en-US"/>
               <a:t>Click to edit Master title style</a:t>
             </a:r>
-            <a:endParaRPr lang="en-US"/>
           </a:p>
         </p:txBody>
       </p:sp>
@@ -3661,7 +3643,6 @@
               <a:rPr lang="en-US"/>
               <a:t>Fifth level</a:t>
             </a:r>
-            <a:endParaRPr lang="en-US"/>
           </a:p>
         </p:txBody>
       </p:sp>
@@ -5910,7 +5891,6 @@
               <a:rPr lang="en-US"/>
               <a:t>Click to edit Master title style</a:t>
             </a:r>
-            <a:endParaRPr lang="en-US"/>
           </a:p>
         </p:txBody>
       </p:sp>
@@ -5972,7 +5952,6 @@
               <a:rPr lang="en-US"/>
               <a:t>Fifth level</a:t>
             </a:r>
-            <a:endParaRPr lang="en-US"/>
           </a:p>
         </p:txBody>
       </p:sp>
@@ -6994,8 +6973,8 @@
           </a:p>
         </p:txBody>
       </p:sp>
-      <mc:AlternateContent xmlns:mc="http://schemas.openxmlformats.org/markup-compatibility/2006">
-        <mc:Choice xmlns:a14="http://schemas.microsoft.com/office/drawing/2010/main" Requires="a14">
+      <mc:AlternateContent xmlns:mc="http://schemas.openxmlformats.org/markup-compatibility/2006" xmlns:a14="http://schemas.microsoft.com/office/drawing/2010/main">
+        <mc:Choice Requires="a14">
           <p:sp>
             <p:nvSpPr>
               <p:cNvPr id="3" name="Content Placeholder 2"/>
@@ -7203,7 +7182,7 @@
             </p:txBody>
           </p:sp>
         </mc:Choice>
-        <mc:Fallback>
+        <mc:Fallback xmlns="">
           <p:sp>
             <p:nvSpPr>
               <p:cNvPr id="3" name="Content Placeholder 2"/>
@@ -7861,8 +7840,8 @@
           </a:p>
         </p:txBody>
       </p:sp>
-      <mc:AlternateContent xmlns:mc="http://schemas.openxmlformats.org/markup-compatibility/2006">
-        <mc:Choice xmlns:a14="http://schemas.microsoft.com/office/drawing/2010/main" Requires="a14">
+      <mc:AlternateContent xmlns:mc="http://schemas.openxmlformats.org/markup-compatibility/2006" xmlns:a14="http://schemas.microsoft.com/office/drawing/2010/main">
+        <mc:Choice Requires="a14">
           <p:sp>
             <p:nvSpPr>
               <p:cNvPr id="3" name="Content Placeholder 2"/>
@@ -8002,13 +7981,13 @@
                       <a:rPr lang="en-US" sz="2800" b="0" i="1" smtClean="0">
                         <a:latin typeface="Cambria Math" panose="02040503050406030204" pitchFamily="18" charset="0"/>
                       </a:rPr>
-                      <m:t>=1000(4,6% слів</m:t>
+                      <m:t>=1000(4,6% слів в д</m:t>
                     </m:r>
                     <m:r>
                       <a:rPr lang="uk-UA" sz="2800" b="0" i="1" smtClean="0">
                         <a:latin typeface="Cambria Math" panose="02040503050406030204" pitchFamily="18" charset="0"/>
                       </a:rPr>
-                      <m:t> в даному випадку)</m:t>
+                      <m:t>аному випадку)</m:t>
                     </m:r>
                   </m:oMath>
                 </a14:m>
@@ -8017,7 +7996,7 @@
             </p:txBody>
           </p:sp>
         </mc:Choice>
-        <mc:Fallback>
+        <mc:Fallback xmlns="">
           <p:sp>
             <p:nvSpPr>
               <p:cNvPr id="3" name="Content Placeholder 2"/>
@@ -8508,8 +8487,8 @@
           </a:p>
         </p:txBody>
       </p:sp>
-      <mc:AlternateContent xmlns:mc="http://schemas.openxmlformats.org/markup-compatibility/2006">
-        <mc:Choice xmlns:a14="http://schemas.microsoft.com/office/drawing/2010/main" Requires="a14">
+      <mc:AlternateContent xmlns:mc="http://schemas.openxmlformats.org/markup-compatibility/2006" xmlns:a14="http://schemas.microsoft.com/office/drawing/2010/main">
+        <mc:Choice Requires="a14">
           <p:sp>
             <p:nvSpPr>
               <p:cNvPr id="3" name="Content Placeholder 2"/>
@@ -8702,7 +8681,7 @@
             </p:txBody>
           </p:sp>
         </mc:Choice>
-        <mc:Fallback>
+        <mc:Fallback xmlns="">
           <p:sp>
             <p:nvSpPr>
               <p:cNvPr id="3" name="Content Placeholder 2"/>
@@ -8832,8 +8811,8 @@
           </a:p>
         </p:txBody>
       </p:sp>
-      <mc:AlternateContent xmlns:mc="http://schemas.openxmlformats.org/markup-compatibility/2006">
-        <mc:Choice xmlns:a14="http://schemas.microsoft.com/office/drawing/2010/main" Requires="a14">
+      <mc:AlternateContent xmlns:mc="http://schemas.openxmlformats.org/markup-compatibility/2006" xmlns:a14="http://schemas.microsoft.com/office/drawing/2010/main">
+        <mc:Choice Requires="a14">
           <p:sp>
             <p:nvSpPr>
               <p:cNvPr id="3" name="Content Placeholder 2"/>
@@ -9623,7 +9602,7 @@
             </p:txBody>
           </p:sp>
         </mc:Choice>
-        <mc:Fallback>
+        <mc:Fallback xmlns="">
           <p:sp>
             <p:nvSpPr>
               <p:cNvPr id="3" name="Content Placeholder 2"/>
@@ -9753,8 +9732,8 @@
           </a:p>
         </p:txBody>
       </p:sp>
-      <mc:AlternateContent xmlns:mc="http://schemas.openxmlformats.org/markup-compatibility/2006">
-        <mc:Choice xmlns:a14="http://schemas.microsoft.com/office/drawing/2010/main" Requires="a14">
+      <mc:AlternateContent xmlns:mc="http://schemas.openxmlformats.org/markup-compatibility/2006" xmlns:a14="http://schemas.microsoft.com/office/drawing/2010/main">
+        <mc:Choice Requires="a14">
           <p:sp>
             <p:nvSpPr>
               <p:cNvPr id="3" name="Content Placeholder 2"/>
@@ -9987,7 +9966,7 @@
                           <m:begChr m:val="{"/>
                           <m:endChr m:val="}"/>
                           <m:ctrlPr>
-                            <a:rPr lang="en-US" sz="3200" b="0" i="0" dirty="0" smtClean="0">
+                            <a:rPr lang="en-US" sz="3200" b="0" i="1" dirty="0" smtClean="0">
                               <a:latin typeface="Cambria Math" panose="02040503050406030204" pitchFamily="18" charset="0"/>
                             </a:rPr>
                           </m:ctrlPr>
@@ -10049,7 +10028,7 @@
             </p:txBody>
           </p:sp>
         </mc:Choice>
-        <mc:Fallback>
+        <mc:Fallback xmlns="">
           <p:sp>
             <p:nvSpPr>
               <p:cNvPr id="3" name="Content Placeholder 2"/>
@@ -10179,8 +10158,8 @@
           </a:p>
         </p:txBody>
       </p:sp>
-      <mc:AlternateContent xmlns:mc="http://schemas.openxmlformats.org/markup-compatibility/2006">
-        <mc:Choice xmlns:a14="http://schemas.microsoft.com/office/drawing/2010/main" Requires="a14">
+      <mc:AlternateContent xmlns:mc="http://schemas.openxmlformats.org/markup-compatibility/2006" xmlns:a14="http://schemas.microsoft.com/office/drawing/2010/main">
+        <mc:Choice Requires="a14">
           <p:sp>
             <p:nvSpPr>
               <p:cNvPr id="3" name="Content Placeholder 2"/>
@@ -10539,7 +10518,7 @@
             </p:txBody>
           </p:sp>
         </mc:Choice>
-        <mc:Fallback>
+        <mc:Fallback xmlns="">
           <p:sp>
             <p:nvSpPr>
               <p:cNvPr id="3" name="Content Placeholder 2"/>
@@ -10979,6 +10958,10 @@
               </a:p>
               <a:p>
                 <a:pPr algn="just"/>
+                <a:r>
+                  <a:rPr lang="uk-UA" sz="3200" dirty="0"/>
+                  <a:t>Для швидкого обчислення ймовірностей використаємо префіксне дерево для характеристик</a:t>
+                </a:r>
                 <a:endParaRPr lang="en-US" sz="3200" dirty="0"/>
               </a:p>
             </p:txBody>
@@ -11003,7 +10986,7 @@
               <a:blipFill>
                 <a:blip r:embed="rId2"/>
                 <a:stretch>
-                  <a:fillRect l="-1333" t="-2763"/>
+                  <a:fillRect l="-1333" t="-2763" r="-1449"/>
                 </a:stretch>
               </a:blipFill>
             </p:spPr>
